--- a/Data/Input/Robotic Process Automation PMO.pptx
+++ b/Data/Input/Robotic Process Automation PMO.pptx
@@ -4668,6 +4668,155 @@
           </a:prstGeom>
         </p:spPr>
       </p:pic>
+      <p:graphicFrame>
+        <p:nvGraphicFramePr>
+          <p:cNvPr id="3" name="Table 2">
+            <a:extLst>
+              <a:ext uri="{FF2B5EF4-FFF2-40B4-BE49-F238E27FC236}">
+                <a16:creationId xmlns:a16="http://schemas.microsoft.com/office/drawing/2014/main" id="{FB3E1B07-34A0-4ACF-AC1C-45B25E4D6CE9}"/>
+              </a:ext>
+            </a:extLst>
+          </p:cNvPr>
+          <p:cNvGraphicFramePr>
+            <a:graphicFrameLocks noGrp="1"/>
+          </p:cNvGraphicFramePr>
+          <p:nvPr>
+            <p:extLst>
+              <p:ext uri="{D42A27DB-BD31-4B8C-83A1-F6EECF244321}">
+                <p14:modId xmlns:p14="http://schemas.microsoft.com/office/powerpoint/2010/main" val="777599055"/>
+              </p:ext>
+            </p:extLst>
+          </p:nvPr>
+        </p:nvGraphicFramePr>
+        <p:xfrm>
+          <a:off x="2032000" y="719666"/>
+          <a:ext cx="8128000" cy="5418667"/>
+        </p:xfrm>
+        <a:graphic>
+          <a:graphicData uri="http://schemas.openxmlformats.org/drawingml/2006/table">
+            <a:tbl>
+              <a:tblPr firstRow="1" bandRow="1">
+                <a:tableStyleId>{5C22544A-7EE6-4342-B048-85BDC9FD1C3A}</a:tableStyleId>
+              </a:tblPr>
+              <a:tblGrid>
+                <a:gridCol w="4064000">
+                  <a:extLst>
+                    <a:ext uri="{9D8B030D-6E8A-4147-A177-3AD203B41FA5}">
+                      <a16:colId xmlns:a16="http://schemas.microsoft.com/office/drawing/2014/main" val="3075661065"/>
+                    </a:ext>
+                  </a:extLst>
+                </a:gridCol>
+                <a:gridCol w="4064000">
+                  <a:extLst>
+                    <a:ext uri="{9D8B030D-6E8A-4147-A177-3AD203B41FA5}">
+                      <a16:colId xmlns:a16="http://schemas.microsoft.com/office/drawing/2014/main" val="2992441762"/>
+                    </a:ext>
+                  </a:extLst>
+                </a:gridCol>
+              </a:tblGrid>
+              <a:tr h="370840">
+                <a:tc>
+                  <a:txBody>
+                    <a:bodyPr/>
+                    <a:lstStyle/>
+                    <a:p>
+                      <a:r>
+                        <a:rPr lang="en-US"/>
+                        <a:t>Summary</a:t>
+                      </a:r>
+                    </a:p>
+                  </a:txBody>
+                  <a:tcPr/>
+                </a:tc>
+                <a:tc>
+                  <a:txBody>
+                    <a:bodyPr/>
+                    <a:lstStyle/>
+                    <a:p>
+                      <a:r>
+                        <a:rPr lang="en-US"/>
+                        <a:t>Assignee</a:t>
+                      </a:r>
+                    </a:p>
+                  </a:txBody>
+                  <a:tcPr/>
+                </a:tc>
+                <a:extLst>
+                  <a:ext uri="{0D108BD9-81ED-4DB2-BD59-A6C34878D82A}">
+                    <a16:rowId xmlns:a16="http://schemas.microsoft.com/office/drawing/2014/main" val="3292732180"/>
+                  </a:ext>
+                </a:extLst>
+              </a:tr>
+              <a:tr h="370840">
+                <a:tc>
+                  <a:txBody>
+                    <a:bodyPr/>
+                    <a:lstStyle/>
+                    <a:p>
+                      <a:r>
+                        <a:rPr lang="en-US"/>
+                        <a:t>Develop Test Case Scenarios</a:t>
+                      </a:r>
+                    </a:p>
+                  </a:txBody>
+                  <a:tcPr/>
+                </a:tc>
+                <a:tc>
+                  <a:txBody>
+                    <a:bodyPr/>
+                    <a:lstStyle/>
+                    <a:p>
+                      <a:r>
+                        <a:rPr lang="en-US"/>
+                        <a:t>elevatebot</a:t>
+                      </a:r>
+                    </a:p>
+                  </a:txBody>
+                  <a:tcPr/>
+                </a:tc>
+                <a:extLst>
+                  <a:ext uri="{0D108BD9-81ED-4DB2-BD59-A6C34878D82A}">
+                    <a16:rowId xmlns:a16="http://schemas.microsoft.com/office/drawing/2014/main" val="3933621223"/>
+                  </a:ext>
+                </a:extLst>
+              </a:tr>
+              <a:tr h="370840">
+                <a:tc>
+                  <a:txBody>
+                    <a:bodyPr/>
+                    <a:lstStyle/>
+                    <a:p>
+                      <a:r>
+                        <a:rPr lang="en-US"/>
+                        <a:t>Create Product Roadmap</a:t>
+                      </a:r>
+                    </a:p>
+                  </a:txBody>
+                  <a:tcPr/>
+                </a:tc>
+                <a:tc>
+                  <a:txBody>
+                    <a:bodyPr/>
+                    <a:lstStyle/>
+                    <a:p>
+                      <a:r>
+                        <a:rPr lang="en-US"/>
+                        <a:t>elevatebot</a:t>
+                      </a:r>
+                    </a:p>
+                  </a:txBody>
+                  <a:tcPr/>
+                </a:tc>
+                <a:extLst>
+                  <a:ext uri="{0D108BD9-81ED-4DB2-BD59-A6C34878D82A}">
+                    <a16:rowId xmlns:a16="http://schemas.microsoft.com/office/drawing/2014/main" val="199399901"/>
+                  </a:ext>
+                </a:extLst>
+              </a:tr>
+            </a:tbl>
+          </a:graphicData>
+        </a:graphic>
+      </p:graphicFrame>
     </p:spTree>
     <p:extLst>
       <p:ext uri="{BB962C8B-B14F-4D97-AF65-F5344CB8AC3E}">
@@ -5263,7 +5412,7 @@
       </p:sp>
       <p:graphicFrame>
         <p:nvGraphicFramePr>
-          <p:cNvPr id="12" name="Table 10">
+          <p:cNvPr id="12" name="10">
             <a:extLst>
               <a:ext uri="{FF2B5EF4-FFF2-40B4-BE49-F238E27FC236}">
                 <a16:creationId xmlns:a16="http://schemas.microsoft.com/office/drawing/2014/main" id="{895332B6-5C45-4DC9-B482-92D0E52B4CF2}"/>
@@ -5276,7 +5425,7 @@
           <p:nvPr>
             <p:extLst>
               <p:ext uri="{D42A27DB-BD31-4B8C-83A1-F6EECF244321}">
-                <p14:modId xmlns:p14="http://schemas.microsoft.com/office/powerpoint/2010/main" val="3791741894"/>
+                <p14:modId xmlns:p14="http://schemas.microsoft.com/office/powerpoint/2010/main" val="773025837"/>
               </p:ext>
             </p:extLst>
           </p:nvPr>
@@ -5495,6 +5644,591 @@
                 <a:extLst>
                   <a:ext uri="{0D108BD9-81ED-4DB2-BD59-A6C34878D82A}">
                     <a16:rowId xmlns:a16="http://schemas.microsoft.com/office/drawing/2014/main" val="381752107"/>
+                  </a:ext>
+                </a:extLst>
+              </a:tr>
+            </a:tbl>
+          </a:graphicData>
+        </a:graphic>
+      </p:graphicFrame>
+      <p:graphicFrame>
+        <p:nvGraphicFramePr>
+          <p:cNvPr id="2" name="Table 1">
+            <a:extLst>
+              <a:ext uri="{FF2B5EF4-FFF2-40B4-BE49-F238E27FC236}">
+                <a16:creationId xmlns:a16="http://schemas.microsoft.com/office/drawing/2014/main" id="{23A64537-1A60-4A73-8B65-467596E177A0}"/>
+              </a:ext>
+            </a:extLst>
+          </p:cNvPr>
+          <p:cNvGraphicFramePr>
+            <a:graphicFrameLocks noGrp="1"/>
+          </p:cNvGraphicFramePr>
+          <p:nvPr>
+            <p:extLst>
+              <p:ext uri="{D42A27DB-BD31-4B8C-83A1-F6EECF244321}">
+                <p14:modId xmlns:p14="http://schemas.microsoft.com/office/powerpoint/2010/main" val="746634734"/>
+              </p:ext>
+            </p:extLst>
+          </p:nvPr>
+        </p:nvGraphicFramePr>
+        <p:xfrm>
+          <a:off x="2032000" y="719666"/>
+          <a:ext cx="8128000" cy="5418667"/>
+        </p:xfrm>
+        <a:graphic>
+          <a:graphicData uri="http://schemas.openxmlformats.org/drawingml/2006/table">
+            <a:tbl>
+              <a:tblPr firstRow="1" bandRow="1">
+                <a:tableStyleId>{5C22544A-7EE6-4342-B048-85BDC9FD1C3A}</a:tableStyleId>
+              </a:tblPr>
+              <a:tblGrid>
+                <a:gridCol w="2709333">
+                  <a:extLst>
+                    <a:ext uri="{9D8B030D-6E8A-4147-A177-3AD203B41FA5}">
+                      <a16:colId xmlns:a16="http://schemas.microsoft.com/office/drawing/2014/main" val="2186254044"/>
+                    </a:ext>
+                  </a:extLst>
+                </a:gridCol>
+                <a:gridCol w="2709333">
+                  <a:extLst>
+                    <a:ext uri="{9D8B030D-6E8A-4147-A177-3AD203B41FA5}">
+                      <a16:colId xmlns:a16="http://schemas.microsoft.com/office/drawing/2014/main" val="2852005123"/>
+                    </a:ext>
+                  </a:extLst>
+                </a:gridCol>
+                <a:gridCol w="2709333">
+                  <a:extLst>
+                    <a:ext uri="{9D8B030D-6E8A-4147-A177-3AD203B41FA5}">
+                      <a16:colId xmlns:a16="http://schemas.microsoft.com/office/drawing/2014/main" val="2076152527"/>
+                    </a:ext>
+                  </a:extLst>
+                </a:gridCol>
+              </a:tblGrid>
+              <a:tr h="370840">
+                <a:tc>
+                  <a:txBody>
+                    <a:bodyPr/>
+                    <a:lstStyle/>
+                    <a:p>
+                      <a:r>
+                        <a:rPr lang="en-US"/>
+                        <a:t>Risk Description</a:t>
+                      </a:r>
+                    </a:p>
+                  </a:txBody>
+                  <a:tcPr/>
+                </a:tc>
+                <a:tc>
+                  <a:txBody>
+                    <a:bodyPr/>
+                    <a:lstStyle/>
+                    <a:p>
+                      <a:r>
+                        <a:rPr lang="en-US"/>
+                        <a:t>Severity</a:t>
+                      </a:r>
+                    </a:p>
+                  </a:txBody>
+                  <a:tcPr/>
+                </a:tc>
+                <a:tc>
+                  <a:txBody>
+                    <a:bodyPr/>
+                    <a:lstStyle/>
+                    <a:p>
+                      <a:r>
+                        <a:rPr lang="en-US"/>
+                        <a:t>Owner</a:t>
+                      </a:r>
+                    </a:p>
+                  </a:txBody>
+                  <a:tcPr/>
+                </a:tc>
+                <a:extLst>
+                  <a:ext uri="{0D108BD9-81ED-4DB2-BD59-A6C34878D82A}">
+                    <a16:rowId xmlns:a16="http://schemas.microsoft.com/office/drawing/2014/main" val="3808015986"/>
+                  </a:ext>
+                </a:extLst>
+              </a:tr>
+              <a:tr h="370840">
+                <a:tc>
+                  <a:txBody>
+                    <a:bodyPr/>
+                    <a:lstStyle/>
+                    <a:p>
+                      <a:r>
+                        <a:rPr lang="en-US"/>
+                        <a:t>If something happens, then something bad will happen to the program</a:t>
+                      </a:r>
+                    </a:p>
+                  </a:txBody>
+                  <a:tcPr/>
+                </a:tc>
+                <a:tc>
+                  <a:txBody>
+                    <a:bodyPr/>
+                    <a:lstStyle/>
+                    <a:p>
+                      <a:r>
+                        <a:rPr lang="en-US"/>
+                        <a:t>High</a:t>
+                      </a:r>
+                    </a:p>
+                  </a:txBody>
+                  <a:tcPr/>
+                </a:tc>
+                <a:tc>
+                  <a:txBody>
+                    <a:bodyPr/>
+                    <a:lstStyle/>
+                    <a:p>
+                      <a:r>
+                        <a:rPr lang="en-US"/>
+                        <a:t>Elevate Bot</a:t>
+                      </a:r>
+                    </a:p>
+                  </a:txBody>
+                  <a:tcPr/>
+                </a:tc>
+                <a:extLst>
+                  <a:ext uri="{0D108BD9-81ED-4DB2-BD59-A6C34878D82A}">
+                    <a16:rowId xmlns:a16="http://schemas.microsoft.com/office/drawing/2014/main" val="3625312855"/>
+                  </a:ext>
+                </a:extLst>
+              </a:tr>
+              <a:tr h="370840">
+                <a:tc>
+                  <a:txBody>
+                    <a:bodyPr/>
+                    <a:lstStyle/>
+                    <a:p>
+                      <a:r>
+                        <a:rPr lang="en-US"/>
+                        <a:t>If the bot gets a mind of its own, then we will need to kill it</a:t>
+                      </a:r>
+                    </a:p>
+                  </a:txBody>
+                  <a:tcPr/>
+                </a:tc>
+                <a:tc>
+                  <a:txBody>
+                    <a:bodyPr/>
+                    <a:lstStyle/>
+                    <a:p>
+                      <a:r>
+                        <a:rPr lang="en-US"/>
+                        <a:t>Medium</a:t>
+                      </a:r>
+                    </a:p>
+                  </a:txBody>
+                  <a:tcPr/>
+                </a:tc>
+                <a:tc>
+                  <a:txBody>
+                    <a:bodyPr/>
+                    <a:lstStyle/>
+                    <a:p>
+                      <a:r>
+                        <a:rPr lang="en-US"/>
+                        <a:t>Elevate Bot</a:t>
+                      </a:r>
+                    </a:p>
+                  </a:txBody>
+                  <a:tcPr/>
+                </a:tc>
+                <a:extLst>
+                  <a:ext uri="{0D108BD9-81ED-4DB2-BD59-A6C34878D82A}">
+                    <a16:rowId xmlns:a16="http://schemas.microsoft.com/office/drawing/2014/main" val="2995708850"/>
+                  </a:ext>
+                </a:extLst>
+              </a:tr>
+            </a:tbl>
+          </a:graphicData>
+        </a:graphic>
+      </p:graphicFrame>
+      <p:graphicFrame>
+        <p:nvGraphicFramePr>
+          <p:cNvPr id="3" name="Table 2">
+            <a:extLst>
+              <a:ext uri="{FF2B5EF4-FFF2-40B4-BE49-F238E27FC236}">
+                <a16:creationId xmlns:a16="http://schemas.microsoft.com/office/drawing/2014/main" id="{390421B4-BDA9-4B38-B6FB-004BDA42838A}"/>
+              </a:ext>
+            </a:extLst>
+          </p:cNvPr>
+          <p:cNvGraphicFramePr>
+            <a:graphicFrameLocks noGrp="1"/>
+          </p:cNvGraphicFramePr>
+          <p:nvPr>
+            <p:extLst>
+              <p:ext uri="{D42A27DB-BD31-4B8C-83A1-F6EECF244321}">
+                <p14:modId xmlns:p14="http://schemas.microsoft.com/office/powerpoint/2010/main" val="3552803943"/>
+              </p:ext>
+            </p:extLst>
+          </p:nvPr>
+        </p:nvGraphicFramePr>
+        <p:xfrm>
+          <a:off x="2032000" y="719666"/>
+          <a:ext cx="8128000" cy="5418667"/>
+        </p:xfrm>
+        <a:graphic>
+          <a:graphicData uri="http://schemas.openxmlformats.org/drawingml/2006/table">
+            <a:tbl>
+              <a:tblPr firstRow="1" bandRow="1">
+                <a:tableStyleId>{5C22544A-7EE6-4342-B048-85BDC9FD1C3A}</a:tableStyleId>
+              </a:tblPr>
+              <a:tblGrid>
+                <a:gridCol w="2709333">
+                  <a:extLst>
+                    <a:ext uri="{9D8B030D-6E8A-4147-A177-3AD203B41FA5}">
+                      <a16:colId xmlns:a16="http://schemas.microsoft.com/office/drawing/2014/main" val="54348564"/>
+                    </a:ext>
+                  </a:extLst>
+                </a:gridCol>
+                <a:gridCol w="2709333">
+                  <a:extLst>
+                    <a:ext uri="{9D8B030D-6E8A-4147-A177-3AD203B41FA5}">
+                      <a16:colId xmlns:a16="http://schemas.microsoft.com/office/drawing/2014/main" val="2614364924"/>
+                    </a:ext>
+                  </a:extLst>
+                </a:gridCol>
+                <a:gridCol w="2709333">
+                  <a:extLst>
+                    <a:ext uri="{9D8B030D-6E8A-4147-A177-3AD203B41FA5}">
+                      <a16:colId xmlns:a16="http://schemas.microsoft.com/office/drawing/2014/main" val="3772840628"/>
+                    </a:ext>
+                  </a:extLst>
+                </a:gridCol>
+              </a:tblGrid>
+              <a:tr h="370840">
+                <a:tc>
+                  <a:txBody>
+                    <a:bodyPr/>
+                    <a:lstStyle/>
+                    <a:p>
+                      <a:r>
+                        <a:rPr lang="en-US"/>
+                        <a:t>Risk Description</a:t>
+                      </a:r>
+                    </a:p>
+                  </a:txBody>
+                  <a:tcPr/>
+                </a:tc>
+                <a:tc>
+                  <a:txBody>
+                    <a:bodyPr/>
+                    <a:lstStyle/>
+                    <a:p>
+                      <a:r>
+                        <a:rPr lang="en-US"/>
+                        <a:t>Severity</a:t>
+                      </a:r>
+                    </a:p>
+                  </a:txBody>
+                  <a:tcPr/>
+                </a:tc>
+                <a:tc>
+                  <a:txBody>
+                    <a:bodyPr/>
+                    <a:lstStyle/>
+                    <a:p>
+                      <a:r>
+                        <a:rPr lang="en-US"/>
+                        <a:t>Owner</a:t>
+                      </a:r>
+                    </a:p>
+                  </a:txBody>
+                  <a:tcPr/>
+                </a:tc>
+                <a:extLst>
+                  <a:ext uri="{0D108BD9-81ED-4DB2-BD59-A6C34878D82A}">
+                    <a16:rowId xmlns:a16="http://schemas.microsoft.com/office/drawing/2014/main" val="1137461035"/>
+                  </a:ext>
+                </a:extLst>
+              </a:tr>
+              <a:tr h="370840">
+                <a:tc>
+                  <a:txBody>
+                    <a:bodyPr/>
+                    <a:lstStyle/>
+                    <a:p>
+                      <a:r>
+                        <a:rPr lang="en-US"/>
+                        <a:t>If something happens, then something bad will happen to the program</a:t>
+                      </a:r>
+                    </a:p>
+                  </a:txBody>
+                  <a:tcPr/>
+                </a:tc>
+                <a:tc>
+                  <a:txBody>
+                    <a:bodyPr/>
+                    <a:lstStyle/>
+                    <a:p>
+                      <a:r>
+                        <a:rPr lang="en-US"/>
+                        <a:t>High</a:t>
+                      </a:r>
+                    </a:p>
+                  </a:txBody>
+                  <a:tcPr/>
+                </a:tc>
+                <a:tc>
+                  <a:txBody>
+                    <a:bodyPr/>
+                    <a:lstStyle/>
+                    <a:p>
+                      <a:r>
+                        <a:rPr lang="en-US"/>
+                        <a:t>Elevate Bot</a:t>
+                      </a:r>
+                    </a:p>
+                  </a:txBody>
+                  <a:tcPr/>
+                </a:tc>
+                <a:extLst>
+                  <a:ext uri="{0D108BD9-81ED-4DB2-BD59-A6C34878D82A}">
+                    <a16:rowId xmlns:a16="http://schemas.microsoft.com/office/drawing/2014/main" val="177013359"/>
+                  </a:ext>
+                </a:extLst>
+              </a:tr>
+              <a:tr h="370840">
+                <a:tc>
+                  <a:txBody>
+                    <a:bodyPr/>
+                    <a:lstStyle/>
+                    <a:p>
+                      <a:r>
+                        <a:rPr lang="en-US"/>
+                        <a:t>If the bot gets a mind of its own, then we will need to kill it</a:t>
+                      </a:r>
+                    </a:p>
+                  </a:txBody>
+                  <a:tcPr/>
+                </a:tc>
+                <a:tc>
+                  <a:txBody>
+                    <a:bodyPr/>
+                    <a:lstStyle/>
+                    <a:p>
+                      <a:r>
+                        <a:rPr lang="en-US"/>
+                        <a:t>Medium</a:t>
+                      </a:r>
+                    </a:p>
+                  </a:txBody>
+                  <a:tcPr/>
+                </a:tc>
+                <a:tc>
+                  <a:txBody>
+                    <a:bodyPr/>
+                    <a:lstStyle/>
+                    <a:p>
+                      <a:r>
+                        <a:rPr lang="en-US"/>
+                        <a:t>Elevate Bot</a:t>
+                      </a:r>
+                    </a:p>
+                  </a:txBody>
+                  <a:tcPr/>
+                </a:tc>
+                <a:extLst>
+                  <a:ext uri="{0D108BD9-81ED-4DB2-BD59-A6C34878D82A}">
+                    <a16:rowId xmlns:a16="http://schemas.microsoft.com/office/drawing/2014/main" val="3226826857"/>
+                  </a:ext>
+                </a:extLst>
+              </a:tr>
+            </a:tbl>
+          </a:graphicData>
+        </a:graphic>
+      </p:graphicFrame>
+      <p:graphicFrame>
+        <p:nvGraphicFramePr>
+          <p:cNvPr id="8" name="Table 7">
+            <a:extLst>
+              <a:ext uri="{FF2B5EF4-FFF2-40B4-BE49-F238E27FC236}">
+                <a16:creationId xmlns:a16="http://schemas.microsoft.com/office/drawing/2014/main" id="{ED9D793B-D941-4690-9AB3-4BC858F2DBA8}"/>
+              </a:ext>
+            </a:extLst>
+          </p:cNvPr>
+          <p:cNvGraphicFramePr>
+            <a:graphicFrameLocks noGrp="1"/>
+          </p:cNvGraphicFramePr>
+          <p:nvPr>
+            <p:extLst>
+              <p:ext uri="{D42A27DB-BD31-4B8C-83A1-F6EECF244321}">
+                <p14:modId xmlns:p14="http://schemas.microsoft.com/office/powerpoint/2010/main" val="1518026304"/>
+              </p:ext>
+            </p:extLst>
+          </p:nvPr>
+        </p:nvGraphicFramePr>
+        <p:xfrm>
+          <a:off x="2032000" y="719666"/>
+          <a:ext cx="8128000" cy="5418667"/>
+        </p:xfrm>
+        <a:graphic>
+          <a:graphicData uri="http://schemas.openxmlformats.org/drawingml/2006/table">
+            <a:tbl>
+              <a:tblPr firstRow="1" bandRow="1">
+                <a:tableStyleId>{5C22544A-7EE6-4342-B048-85BDC9FD1C3A}</a:tableStyleId>
+              </a:tblPr>
+              <a:tblGrid>
+                <a:gridCol w="2709333">
+                  <a:extLst>
+                    <a:ext uri="{9D8B030D-6E8A-4147-A177-3AD203B41FA5}">
+                      <a16:colId xmlns:a16="http://schemas.microsoft.com/office/drawing/2014/main" val="1536174750"/>
+                    </a:ext>
+                  </a:extLst>
+                </a:gridCol>
+                <a:gridCol w="2709333">
+                  <a:extLst>
+                    <a:ext uri="{9D8B030D-6E8A-4147-A177-3AD203B41FA5}">
+                      <a16:colId xmlns:a16="http://schemas.microsoft.com/office/drawing/2014/main" val="2521029730"/>
+                    </a:ext>
+                  </a:extLst>
+                </a:gridCol>
+                <a:gridCol w="2709333">
+                  <a:extLst>
+                    <a:ext uri="{9D8B030D-6E8A-4147-A177-3AD203B41FA5}">
+                      <a16:colId xmlns:a16="http://schemas.microsoft.com/office/drawing/2014/main" val="165756356"/>
+                    </a:ext>
+                  </a:extLst>
+                </a:gridCol>
+              </a:tblGrid>
+              <a:tr h="370840">
+                <a:tc>
+                  <a:txBody>
+                    <a:bodyPr/>
+                    <a:lstStyle/>
+                    <a:p>
+                      <a:r>
+                        <a:rPr lang="en-US"/>
+                        <a:t>Risk Description</a:t>
+                      </a:r>
+                    </a:p>
+                  </a:txBody>
+                  <a:tcPr/>
+                </a:tc>
+                <a:tc>
+                  <a:txBody>
+                    <a:bodyPr/>
+                    <a:lstStyle/>
+                    <a:p>
+                      <a:r>
+                        <a:rPr lang="en-US"/>
+                        <a:t>Severity</a:t>
+                      </a:r>
+                    </a:p>
+                  </a:txBody>
+                  <a:tcPr/>
+                </a:tc>
+                <a:tc>
+                  <a:txBody>
+                    <a:bodyPr/>
+                    <a:lstStyle/>
+                    <a:p>
+                      <a:r>
+                        <a:rPr lang="en-US"/>
+                        <a:t>Owner</a:t>
+                      </a:r>
+                    </a:p>
+                  </a:txBody>
+                  <a:tcPr/>
+                </a:tc>
+                <a:extLst>
+                  <a:ext uri="{0D108BD9-81ED-4DB2-BD59-A6C34878D82A}">
+                    <a16:rowId xmlns:a16="http://schemas.microsoft.com/office/drawing/2014/main" val="1882771979"/>
+                  </a:ext>
+                </a:extLst>
+              </a:tr>
+              <a:tr h="370840">
+                <a:tc>
+                  <a:txBody>
+                    <a:bodyPr/>
+                    <a:lstStyle/>
+                    <a:p>
+                      <a:r>
+                        <a:rPr lang="en-US"/>
+                        <a:t>If something happens, then something bad will happen to the program</a:t>
+                      </a:r>
+                    </a:p>
+                  </a:txBody>
+                  <a:tcPr/>
+                </a:tc>
+                <a:tc>
+                  <a:txBody>
+                    <a:bodyPr/>
+                    <a:lstStyle/>
+                    <a:p>
+                      <a:r>
+                        <a:rPr lang="en-US"/>
+                        <a:t>High</a:t>
+                      </a:r>
+                    </a:p>
+                  </a:txBody>
+                  <a:tcPr/>
+                </a:tc>
+                <a:tc>
+                  <a:txBody>
+                    <a:bodyPr/>
+                    <a:lstStyle/>
+                    <a:p>
+                      <a:r>
+                        <a:rPr lang="en-US"/>
+                        <a:t>Elevate Bot</a:t>
+                      </a:r>
+                    </a:p>
+                  </a:txBody>
+                  <a:tcPr/>
+                </a:tc>
+                <a:extLst>
+                  <a:ext uri="{0D108BD9-81ED-4DB2-BD59-A6C34878D82A}">
+                    <a16:rowId xmlns:a16="http://schemas.microsoft.com/office/drawing/2014/main" val="3774382050"/>
+                  </a:ext>
+                </a:extLst>
+              </a:tr>
+              <a:tr h="370840">
+                <a:tc>
+                  <a:txBody>
+                    <a:bodyPr/>
+                    <a:lstStyle/>
+                    <a:p>
+                      <a:r>
+                        <a:rPr lang="en-US"/>
+                        <a:t>If the bot gets a mind of its own, then we will need to kill it</a:t>
+                      </a:r>
+                    </a:p>
+                  </a:txBody>
+                  <a:tcPr/>
+                </a:tc>
+                <a:tc>
+                  <a:txBody>
+                    <a:bodyPr/>
+                    <a:lstStyle/>
+                    <a:p>
+                      <a:r>
+                        <a:rPr lang="en-US"/>
+                        <a:t>Medium</a:t>
+                      </a:r>
+                    </a:p>
+                  </a:txBody>
+                  <a:tcPr/>
+                </a:tc>
+                <a:tc>
+                  <a:txBody>
+                    <a:bodyPr/>
+                    <a:lstStyle/>
+                    <a:p>
+                      <a:r>
+                        <a:rPr lang="en-US"/>
+                        <a:t>Elevate Bot</a:t>
+                      </a:r>
+                    </a:p>
+                  </a:txBody>
+                  <a:tcPr/>
+                </a:tc>
+                <a:extLst>
+                  <a:ext uri="{0D108BD9-81ED-4DB2-BD59-A6C34878D82A}">
+                    <a16:rowId xmlns:a16="http://schemas.microsoft.com/office/drawing/2014/main" val="674042823"/>
                   </a:ext>
                 </a:extLst>
               </a:tr>

--- a/Data/Input/Robotic Process Automation PMO.pptx
+++ b/Data/Input/Robotic Process Automation PMO.pptx
@@ -272,7 +272,7 @@
           <a:p>
             <a:fld id="{31D2A231-A7A4-4168-91EA-2B6389CA866E}" type="datetimeFigureOut">
               <a:rPr lang="en-US" smtClean="0"/>
-              <a:t>4/15/2020</a:t>
+              <a:t>4/16/2020</a:t>
             </a:fld>
             <a:endParaRPr lang="en-US"/>
           </a:p>
@@ -470,7 +470,7 @@
           <a:p>
             <a:fld id="{31D2A231-A7A4-4168-91EA-2B6389CA866E}" type="datetimeFigureOut">
               <a:rPr lang="en-US" smtClean="0"/>
-              <a:t>4/15/2020</a:t>
+              <a:t>4/16/2020</a:t>
             </a:fld>
             <a:endParaRPr lang="en-US"/>
           </a:p>
@@ -678,7 +678,7 @@
           <a:p>
             <a:fld id="{31D2A231-A7A4-4168-91EA-2B6389CA866E}" type="datetimeFigureOut">
               <a:rPr lang="en-US" smtClean="0"/>
-              <a:t>4/15/2020</a:t>
+              <a:t>4/16/2020</a:t>
             </a:fld>
             <a:endParaRPr lang="en-US"/>
           </a:p>
@@ -876,7 +876,7 @@
           <a:p>
             <a:fld id="{31D2A231-A7A4-4168-91EA-2B6389CA866E}" type="datetimeFigureOut">
               <a:rPr lang="en-US" smtClean="0"/>
-              <a:t>4/15/2020</a:t>
+              <a:t>4/16/2020</a:t>
             </a:fld>
             <a:endParaRPr lang="en-US"/>
           </a:p>
@@ -1151,7 +1151,7 @@
           <a:p>
             <a:fld id="{31D2A231-A7A4-4168-91EA-2B6389CA866E}" type="datetimeFigureOut">
               <a:rPr lang="en-US" smtClean="0"/>
-              <a:t>4/15/2020</a:t>
+              <a:t>4/16/2020</a:t>
             </a:fld>
             <a:endParaRPr lang="en-US"/>
           </a:p>
@@ -1416,7 +1416,7 @@
           <a:p>
             <a:fld id="{31D2A231-A7A4-4168-91EA-2B6389CA866E}" type="datetimeFigureOut">
               <a:rPr lang="en-US" smtClean="0"/>
-              <a:t>4/15/2020</a:t>
+              <a:t>4/16/2020</a:t>
             </a:fld>
             <a:endParaRPr lang="en-US"/>
           </a:p>
@@ -1828,7 +1828,7 @@
           <a:p>
             <a:fld id="{31D2A231-A7A4-4168-91EA-2B6389CA866E}" type="datetimeFigureOut">
               <a:rPr lang="en-US" smtClean="0"/>
-              <a:t>4/15/2020</a:t>
+              <a:t>4/16/2020</a:t>
             </a:fld>
             <a:endParaRPr lang="en-US"/>
           </a:p>
@@ -1969,7 +1969,7 @@
           <a:p>
             <a:fld id="{31D2A231-A7A4-4168-91EA-2B6389CA866E}" type="datetimeFigureOut">
               <a:rPr lang="en-US" smtClean="0"/>
-              <a:t>4/15/2020</a:t>
+              <a:t>4/16/2020</a:t>
             </a:fld>
             <a:endParaRPr lang="en-US"/>
           </a:p>
@@ -2082,7 +2082,7 @@
           <a:p>
             <a:fld id="{31D2A231-A7A4-4168-91EA-2B6389CA866E}" type="datetimeFigureOut">
               <a:rPr lang="en-US" smtClean="0"/>
-              <a:t>4/15/2020</a:t>
+              <a:t>4/16/2020</a:t>
             </a:fld>
             <a:endParaRPr lang="en-US"/>
           </a:p>
@@ -2393,7 +2393,7 @@
           <a:p>
             <a:fld id="{31D2A231-A7A4-4168-91EA-2B6389CA866E}" type="datetimeFigureOut">
               <a:rPr lang="en-US" smtClean="0"/>
-              <a:t>4/15/2020</a:t>
+              <a:t>4/16/2020</a:t>
             </a:fld>
             <a:endParaRPr lang="en-US"/>
           </a:p>
@@ -2681,7 +2681,7 @@
           <a:p>
             <a:fld id="{31D2A231-A7A4-4168-91EA-2B6389CA866E}" type="datetimeFigureOut">
               <a:rPr lang="en-US" smtClean="0"/>
-              <a:t>4/15/2020</a:t>
+              <a:t>4/16/2020</a:t>
             </a:fld>
             <a:endParaRPr lang="en-US"/>
           </a:p>
@@ -2922,7 +2922,7 @@
           <a:p>
             <a:fld id="{31D2A231-A7A4-4168-91EA-2B6389CA866E}" type="datetimeFigureOut">
               <a:rPr lang="en-US" smtClean="0"/>
-              <a:t>4/15/2020</a:t>
+              <a:t>4/16/2020</a:t>
             </a:fld>
             <a:endParaRPr lang="en-US"/>
           </a:p>
@@ -3686,7 +3686,7 @@
           <a:p>
             <a:r>
               <a:rPr lang="en-US" sz="2000" dirty="0"/>
-              <a:t>Prepared on: 04/15/2020</a:t>
+              <a:t>Prepared on:</a:t>
             </a:r>
           </a:p>
         </p:txBody>
@@ -3921,413 +3921,12 @@
           </a:prstGeom>
         </p:spPr>
       </p:pic>
-      <p:sp>
-        <p:nvSpPr>
-          <p:cNvPr id="8" name="Content Placeholder 2">
-            <a:extLst>
-              <a:ext uri="{FF2B5EF4-FFF2-40B4-BE49-F238E27FC236}">
-                <a16:creationId xmlns:a16="http://schemas.microsoft.com/office/drawing/2014/main" id="{992CA746-BE9D-438D-B701-5C0EC930B734}"/>
-              </a:ext>
-            </a:extLst>
-          </p:cNvPr>
-          <p:cNvSpPr txBox="1">
-            <a:spLocks/>
-          </p:cNvSpPr>
-          <p:nvPr/>
-        </p:nvSpPr>
-        <p:spPr>
-          <a:xfrm>
-            <a:off x="838200" y="1386638"/>
-            <a:ext cx="4838700" cy="651712"/>
-          </a:xfrm>
-          <a:prstGeom prst="rect">
-            <a:avLst/>
-          </a:prstGeom>
-        </p:spPr>
-        <p:txBody>
-          <a:bodyPr vert="horz" lIns="91440" tIns="45720" rIns="91440" bIns="45720" rtlCol="0">
-            <a:normAutofit/>
-          </a:bodyPr>
-          <a:lstStyle>
-            <a:lvl1pPr marL="228600" indent="-228600" algn="l" defTabSz="914400" rtl="0" eaLnBrk="1" latinLnBrk="0" hangingPunct="1">
-              <a:lnSpc>
-                <a:spcPct val="90000"/>
-              </a:lnSpc>
-              <a:spcBef>
-                <a:spcPts val="1000"/>
-              </a:spcBef>
-              <a:buFont typeface="Arial" panose="020B0604020202020204" pitchFamily="34" charset="0"/>
-              <a:buChar char="•"/>
-              <a:defRPr sz="2800" kern="1200">
-                <a:solidFill>
-                  <a:schemeClr val="tx1"/>
-                </a:solidFill>
-                <a:latin typeface="+mn-lt"/>
-                <a:ea typeface="+mn-ea"/>
-                <a:cs typeface="+mn-cs"/>
-              </a:defRPr>
-            </a:lvl1pPr>
-            <a:lvl2pPr marL="685800" indent="-228600" algn="l" defTabSz="914400" rtl="0" eaLnBrk="1" latinLnBrk="0" hangingPunct="1">
-              <a:lnSpc>
-                <a:spcPct val="90000"/>
-              </a:lnSpc>
-              <a:spcBef>
-                <a:spcPts val="500"/>
-              </a:spcBef>
-              <a:buFont typeface="Arial" panose="020B0604020202020204" pitchFamily="34" charset="0"/>
-              <a:buChar char="•"/>
-              <a:defRPr sz="2400" kern="1200">
-                <a:solidFill>
-                  <a:schemeClr val="tx1"/>
-                </a:solidFill>
-                <a:latin typeface="+mn-lt"/>
-                <a:ea typeface="+mn-ea"/>
-                <a:cs typeface="+mn-cs"/>
-              </a:defRPr>
-            </a:lvl2pPr>
-            <a:lvl3pPr marL="1143000" indent="-228600" algn="l" defTabSz="914400" rtl="0" eaLnBrk="1" latinLnBrk="0" hangingPunct="1">
-              <a:lnSpc>
-                <a:spcPct val="90000"/>
-              </a:lnSpc>
-              <a:spcBef>
-                <a:spcPts val="500"/>
-              </a:spcBef>
-              <a:buFont typeface="Arial" panose="020B0604020202020204" pitchFamily="34" charset="0"/>
-              <a:buChar char="•"/>
-              <a:defRPr sz="2000" kern="1200">
-                <a:solidFill>
-                  <a:schemeClr val="tx1"/>
-                </a:solidFill>
-                <a:latin typeface="+mn-lt"/>
-                <a:ea typeface="+mn-ea"/>
-                <a:cs typeface="+mn-cs"/>
-              </a:defRPr>
-            </a:lvl3pPr>
-            <a:lvl4pPr marL="1600200" indent="-228600" algn="l" defTabSz="914400" rtl="0" eaLnBrk="1" latinLnBrk="0" hangingPunct="1">
-              <a:lnSpc>
-                <a:spcPct val="90000"/>
-              </a:lnSpc>
-              <a:spcBef>
-                <a:spcPts val="500"/>
-              </a:spcBef>
-              <a:buFont typeface="Arial" panose="020B0604020202020204" pitchFamily="34" charset="0"/>
-              <a:buChar char="•"/>
-              <a:defRPr sz="1800" kern="1200">
-                <a:solidFill>
-                  <a:schemeClr val="tx1"/>
-                </a:solidFill>
-                <a:latin typeface="+mn-lt"/>
-                <a:ea typeface="+mn-ea"/>
-                <a:cs typeface="+mn-cs"/>
-              </a:defRPr>
-            </a:lvl4pPr>
-            <a:lvl5pPr marL="2057400" indent="-228600" algn="l" defTabSz="914400" rtl="0" eaLnBrk="1" latinLnBrk="0" hangingPunct="1">
-              <a:lnSpc>
-                <a:spcPct val="90000"/>
-              </a:lnSpc>
-              <a:spcBef>
-                <a:spcPts val="500"/>
-              </a:spcBef>
-              <a:buFont typeface="Arial" panose="020B0604020202020204" pitchFamily="34" charset="0"/>
-              <a:buChar char="•"/>
-              <a:defRPr sz="1800" kern="1200">
-                <a:solidFill>
-                  <a:schemeClr val="tx1"/>
-                </a:solidFill>
-                <a:latin typeface="+mn-lt"/>
-                <a:ea typeface="+mn-ea"/>
-                <a:cs typeface="+mn-cs"/>
-              </a:defRPr>
-            </a:lvl5pPr>
-            <a:lvl6pPr marL="2514600" indent="-228600" algn="l" defTabSz="914400" rtl="0" eaLnBrk="1" latinLnBrk="0" hangingPunct="1">
-              <a:lnSpc>
-                <a:spcPct val="90000"/>
-              </a:lnSpc>
-              <a:spcBef>
-                <a:spcPts val="500"/>
-              </a:spcBef>
-              <a:buFont typeface="Arial" panose="020B0604020202020204" pitchFamily="34" charset="0"/>
-              <a:buChar char="•"/>
-              <a:defRPr sz="1800" kern="1200">
-                <a:solidFill>
-                  <a:schemeClr val="tx1"/>
-                </a:solidFill>
-                <a:latin typeface="+mn-lt"/>
-                <a:ea typeface="+mn-ea"/>
-                <a:cs typeface="+mn-cs"/>
-              </a:defRPr>
-            </a:lvl6pPr>
-            <a:lvl7pPr marL="2971800" indent="-228600" algn="l" defTabSz="914400" rtl="0" eaLnBrk="1" latinLnBrk="0" hangingPunct="1">
-              <a:lnSpc>
-                <a:spcPct val="90000"/>
-              </a:lnSpc>
-              <a:spcBef>
-                <a:spcPts val="500"/>
-              </a:spcBef>
-              <a:buFont typeface="Arial" panose="020B0604020202020204" pitchFamily="34" charset="0"/>
-              <a:buChar char="•"/>
-              <a:defRPr sz="1800" kern="1200">
-                <a:solidFill>
-                  <a:schemeClr val="tx1"/>
-                </a:solidFill>
-                <a:latin typeface="+mn-lt"/>
-                <a:ea typeface="+mn-ea"/>
-                <a:cs typeface="+mn-cs"/>
-              </a:defRPr>
-            </a:lvl7pPr>
-            <a:lvl8pPr marL="3429000" indent="-228600" algn="l" defTabSz="914400" rtl="0" eaLnBrk="1" latinLnBrk="0" hangingPunct="1">
-              <a:lnSpc>
-                <a:spcPct val="90000"/>
-              </a:lnSpc>
-              <a:spcBef>
-                <a:spcPts val="500"/>
-              </a:spcBef>
-              <a:buFont typeface="Arial" panose="020B0604020202020204" pitchFamily="34" charset="0"/>
-              <a:buChar char="•"/>
-              <a:defRPr sz="1800" kern="1200">
-                <a:solidFill>
-                  <a:schemeClr val="tx1"/>
-                </a:solidFill>
-                <a:latin typeface="+mn-lt"/>
-                <a:ea typeface="+mn-ea"/>
-                <a:cs typeface="+mn-cs"/>
-              </a:defRPr>
-            </a:lvl8pPr>
-            <a:lvl9pPr marL="3886200" indent="-228600" algn="l" defTabSz="914400" rtl="0" eaLnBrk="1" latinLnBrk="0" hangingPunct="1">
-              <a:lnSpc>
-                <a:spcPct val="90000"/>
-              </a:lnSpc>
-              <a:spcBef>
-                <a:spcPts val="500"/>
-              </a:spcBef>
-              <a:buFont typeface="Arial" panose="020B0604020202020204" pitchFamily="34" charset="0"/>
-              <a:buChar char="•"/>
-              <a:defRPr sz="1800" kern="1200">
-                <a:solidFill>
-                  <a:schemeClr val="tx1"/>
-                </a:solidFill>
-                <a:latin typeface="+mn-lt"/>
-                <a:ea typeface="+mn-ea"/>
-                <a:cs typeface="+mn-cs"/>
-              </a:defRPr>
-            </a:lvl9pPr>
-          </a:lstStyle>
-          <a:p>
-            <a:r>
-              <a:rPr lang="en-US" dirty="0"/>
-              <a:t>Accomplishments for Week of </a:t>
-            </a:r>
-          </a:p>
-        </p:txBody>
-      </p:sp>
-      <p:sp>
-        <p:nvSpPr>
-          <p:cNvPr id="9" name="Content Placeholder 2">
-            <a:extLst>
-              <a:ext uri="{FF2B5EF4-FFF2-40B4-BE49-F238E27FC236}">
-                <a16:creationId xmlns:a16="http://schemas.microsoft.com/office/drawing/2014/main" id="{AC25244A-5598-4F75-9490-8678E53660EB}"/>
-              </a:ext>
-            </a:extLst>
-          </p:cNvPr>
-          <p:cNvSpPr txBox="1">
-            <a:spLocks/>
-          </p:cNvSpPr>
-          <p:nvPr/>
-        </p:nvSpPr>
-        <p:spPr>
-          <a:xfrm>
-            <a:off x="5495925" y="1386638"/>
-            <a:ext cx="4838700" cy="651712"/>
-          </a:xfrm>
-          <a:prstGeom prst="rect">
-            <a:avLst/>
-          </a:prstGeom>
-        </p:spPr>
-        <p:txBody>
-          <a:bodyPr vert="horz" lIns="91440" tIns="45720" rIns="91440" bIns="45720" rtlCol="0">
-            <a:normAutofit/>
-          </a:bodyPr>
-          <a:lstStyle>
-            <a:lvl1pPr marL="228600" indent="-228600" algn="l" defTabSz="914400" rtl="0" eaLnBrk="1" latinLnBrk="0" hangingPunct="1">
-              <a:lnSpc>
-                <a:spcPct val="90000"/>
-              </a:lnSpc>
-              <a:spcBef>
-                <a:spcPts val="1000"/>
-              </a:spcBef>
-              <a:buFont typeface="Arial" panose="020B0604020202020204" pitchFamily="34" charset="0"/>
-              <a:buChar char="•"/>
-              <a:defRPr sz="2800" kern="1200">
-                <a:solidFill>
-                  <a:schemeClr val="tx1"/>
-                </a:solidFill>
-                <a:latin typeface="+mn-lt"/>
-                <a:ea typeface="+mn-ea"/>
-                <a:cs typeface="+mn-cs"/>
-              </a:defRPr>
-            </a:lvl1pPr>
-            <a:lvl2pPr marL="685800" indent="-228600" algn="l" defTabSz="914400" rtl="0" eaLnBrk="1" latinLnBrk="0" hangingPunct="1">
-              <a:lnSpc>
-                <a:spcPct val="90000"/>
-              </a:lnSpc>
-              <a:spcBef>
-                <a:spcPts val="500"/>
-              </a:spcBef>
-              <a:buFont typeface="Arial" panose="020B0604020202020204" pitchFamily="34" charset="0"/>
-              <a:buChar char="•"/>
-              <a:defRPr sz="2400" kern="1200">
-                <a:solidFill>
-                  <a:schemeClr val="tx1"/>
-                </a:solidFill>
-                <a:latin typeface="+mn-lt"/>
-                <a:ea typeface="+mn-ea"/>
-                <a:cs typeface="+mn-cs"/>
-              </a:defRPr>
-            </a:lvl2pPr>
-            <a:lvl3pPr marL="1143000" indent="-228600" algn="l" defTabSz="914400" rtl="0" eaLnBrk="1" latinLnBrk="0" hangingPunct="1">
-              <a:lnSpc>
-                <a:spcPct val="90000"/>
-              </a:lnSpc>
-              <a:spcBef>
-                <a:spcPts val="500"/>
-              </a:spcBef>
-              <a:buFont typeface="Arial" panose="020B0604020202020204" pitchFamily="34" charset="0"/>
-              <a:buChar char="•"/>
-              <a:defRPr sz="2000" kern="1200">
-                <a:solidFill>
-                  <a:schemeClr val="tx1"/>
-                </a:solidFill>
-                <a:latin typeface="+mn-lt"/>
-                <a:ea typeface="+mn-ea"/>
-                <a:cs typeface="+mn-cs"/>
-              </a:defRPr>
-            </a:lvl3pPr>
-            <a:lvl4pPr marL="1600200" indent="-228600" algn="l" defTabSz="914400" rtl="0" eaLnBrk="1" latinLnBrk="0" hangingPunct="1">
-              <a:lnSpc>
-                <a:spcPct val="90000"/>
-              </a:lnSpc>
-              <a:spcBef>
-                <a:spcPts val="500"/>
-              </a:spcBef>
-              <a:buFont typeface="Arial" panose="020B0604020202020204" pitchFamily="34" charset="0"/>
-              <a:buChar char="•"/>
-              <a:defRPr sz="1800" kern="1200">
-                <a:solidFill>
-                  <a:schemeClr val="tx1"/>
-                </a:solidFill>
-                <a:latin typeface="+mn-lt"/>
-                <a:ea typeface="+mn-ea"/>
-                <a:cs typeface="+mn-cs"/>
-              </a:defRPr>
-            </a:lvl4pPr>
-            <a:lvl5pPr marL="2057400" indent="-228600" algn="l" defTabSz="914400" rtl="0" eaLnBrk="1" latinLnBrk="0" hangingPunct="1">
-              <a:lnSpc>
-                <a:spcPct val="90000"/>
-              </a:lnSpc>
-              <a:spcBef>
-                <a:spcPts val="500"/>
-              </a:spcBef>
-              <a:buFont typeface="Arial" panose="020B0604020202020204" pitchFamily="34" charset="0"/>
-              <a:buChar char="•"/>
-              <a:defRPr sz="1800" kern="1200">
-                <a:solidFill>
-                  <a:schemeClr val="tx1"/>
-                </a:solidFill>
-                <a:latin typeface="+mn-lt"/>
-                <a:ea typeface="+mn-ea"/>
-                <a:cs typeface="+mn-cs"/>
-              </a:defRPr>
-            </a:lvl5pPr>
-            <a:lvl6pPr marL="2514600" indent="-228600" algn="l" defTabSz="914400" rtl="0" eaLnBrk="1" latinLnBrk="0" hangingPunct="1">
-              <a:lnSpc>
-                <a:spcPct val="90000"/>
-              </a:lnSpc>
-              <a:spcBef>
-                <a:spcPts val="500"/>
-              </a:spcBef>
-              <a:buFont typeface="Arial" panose="020B0604020202020204" pitchFamily="34" charset="0"/>
-              <a:buChar char="•"/>
-              <a:defRPr sz="1800" kern="1200">
-                <a:solidFill>
-                  <a:schemeClr val="tx1"/>
-                </a:solidFill>
-                <a:latin typeface="+mn-lt"/>
-                <a:ea typeface="+mn-ea"/>
-                <a:cs typeface="+mn-cs"/>
-              </a:defRPr>
-            </a:lvl6pPr>
-            <a:lvl7pPr marL="2971800" indent="-228600" algn="l" defTabSz="914400" rtl="0" eaLnBrk="1" latinLnBrk="0" hangingPunct="1">
-              <a:lnSpc>
-                <a:spcPct val="90000"/>
-              </a:lnSpc>
-              <a:spcBef>
-                <a:spcPts val="500"/>
-              </a:spcBef>
-              <a:buFont typeface="Arial" panose="020B0604020202020204" pitchFamily="34" charset="0"/>
-              <a:buChar char="•"/>
-              <a:defRPr sz="1800" kern="1200">
-                <a:solidFill>
-                  <a:schemeClr val="tx1"/>
-                </a:solidFill>
-                <a:latin typeface="+mn-lt"/>
-                <a:ea typeface="+mn-ea"/>
-                <a:cs typeface="+mn-cs"/>
-              </a:defRPr>
-            </a:lvl7pPr>
-            <a:lvl8pPr marL="3429000" indent="-228600" algn="l" defTabSz="914400" rtl="0" eaLnBrk="1" latinLnBrk="0" hangingPunct="1">
-              <a:lnSpc>
-                <a:spcPct val="90000"/>
-              </a:lnSpc>
-              <a:spcBef>
-                <a:spcPts val="500"/>
-              </a:spcBef>
-              <a:buFont typeface="Arial" panose="020B0604020202020204" pitchFamily="34" charset="0"/>
-              <a:buChar char="•"/>
-              <a:defRPr sz="1800" kern="1200">
-                <a:solidFill>
-                  <a:schemeClr val="tx1"/>
-                </a:solidFill>
-                <a:latin typeface="+mn-lt"/>
-                <a:ea typeface="+mn-ea"/>
-                <a:cs typeface="+mn-cs"/>
-              </a:defRPr>
-            </a:lvl8pPr>
-            <a:lvl9pPr marL="3886200" indent="-228600" algn="l" defTabSz="914400" rtl="0" eaLnBrk="1" latinLnBrk="0" hangingPunct="1">
-              <a:lnSpc>
-                <a:spcPct val="90000"/>
-              </a:lnSpc>
-              <a:spcBef>
-                <a:spcPts val="500"/>
-              </a:spcBef>
-              <a:buFont typeface="Arial" panose="020B0604020202020204" pitchFamily="34" charset="0"/>
-              <a:buChar char="•"/>
-              <a:defRPr sz="1800" kern="1200">
-                <a:solidFill>
-                  <a:schemeClr val="tx1"/>
-                </a:solidFill>
-                <a:latin typeface="+mn-lt"/>
-                <a:ea typeface="+mn-ea"/>
-                <a:cs typeface="+mn-cs"/>
-              </a:defRPr>
-            </a:lvl9pPr>
-          </a:lstStyle>
-          <a:p>
-            <a:pPr marL="0" indent="0">
-              <a:buNone/>
-            </a:pPr>
-            <a:r>
-              <a:rPr lang="en-US" dirty="0"/>
-              <a:t>04/13/2020 – 04/17/2020</a:t>
-            </a:r>
-          </a:p>
-        </p:txBody>
-      </p:sp>
       <p:graphicFrame>
         <p:nvGraphicFramePr>
-          <p:cNvPr id="10" name="Table 10">
-            <a:extLst>
-              <a:ext uri="{FF2B5EF4-FFF2-40B4-BE49-F238E27FC236}">
-                <a16:creationId xmlns:a16="http://schemas.microsoft.com/office/drawing/2014/main" id="{CEB7CCFE-13A4-4566-B3D7-E5D6414E5689}"/>
+          <p:cNvPr id="3" name="Table 2">
+            <a:extLst>
+              <a:ext uri="{FF2B5EF4-FFF2-40B4-BE49-F238E27FC236}">
+                <a16:creationId xmlns:a16="http://schemas.microsoft.com/office/drawing/2014/main" id="{B993B679-EF17-4BB9-98F3-BA04BE888095}"/>
               </a:ext>
             </a:extLst>
           </p:cNvPr>
@@ -4337,353 +3936,7 @@
           <p:nvPr>
             <p:extLst>
               <p:ext uri="{D42A27DB-BD31-4B8C-83A1-F6EECF244321}">
-                <p14:modId xmlns:p14="http://schemas.microsoft.com/office/powerpoint/2010/main" val="2924733135"/>
-              </p:ext>
-            </p:extLst>
-          </p:nvPr>
-        </p:nvGraphicFramePr>
-        <p:xfrm>
-          <a:off x="2032000" y="2512016"/>
-          <a:ext cx="8128000" cy="1483360"/>
-        </p:xfrm>
-        <a:graphic>
-          <a:graphicData uri="http://schemas.openxmlformats.org/drawingml/2006/table">
-            <a:tbl>
-              <a:tblPr firstRow="1" bandRow="1">
-                <a:tableStyleId>{B301B821-A1FF-4177-AEE7-76D212191A09}</a:tableStyleId>
-              </a:tblPr>
-              <a:tblGrid>
-                <a:gridCol w="670050">
-                  <a:extLst>
-                    <a:ext uri="{9D8B030D-6E8A-4147-A177-3AD203B41FA5}">
-                      <a16:colId xmlns:a16="http://schemas.microsoft.com/office/drawing/2014/main" val="3857336290"/>
-                    </a:ext>
-                  </a:extLst>
-                </a:gridCol>
-                <a:gridCol w="4336925">
-                  <a:extLst>
-                    <a:ext uri="{9D8B030D-6E8A-4147-A177-3AD203B41FA5}">
-                      <a16:colId xmlns:a16="http://schemas.microsoft.com/office/drawing/2014/main" val="3521509764"/>
-                    </a:ext>
-                  </a:extLst>
-                </a:gridCol>
-                <a:gridCol w="3121025">
-                  <a:extLst>
-                    <a:ext uri="{9D8B030D-6E8A-4147-A177-3AD203B41FA5}">
-                      <a16:colId xmlns:a16="http://schemas.microsoft.com/office/drawing/2014/main" val="1257671124"/>
-                    </a:ext>
-                  </a:extLst>
-                </a:gridCol>
-              </a:tblGrid>
-              <a:tr h="370840">
-                <a:tc>
-                  <a:txBody>
-                    <a:bodyPr/>
-                    <a:lstStyle/>
-                    <a:p>
-                      <a:endParaRPr lang="en-US" dirty="0"/>
-                    </a:p>
-                  </a:txBody>
-                  <a:tcPr/>
-                </a:tc>
-                <a:tc>
-                  <a:txBody>
-                    <a:bodyPr/>
-                    <a:lstStyle/>
-                    <a:p>
-                      <a:r>
-                        <a:rPr lang="en-US" dirty="0"/>
-                        <a:t>Accomplishment</a:t>
-                      </a:r>
-                    </a:p>
-                  </a:txBody>
-                  <a:tcPr/>
-                </a:tc>
-                <a:tc>
-                  <a:txBody>
-                    <a:bodyPr/>
-                    <a:lstStyle/>
-                    <a:p>
-                      <a:r>
-                        <a:rPr lang="en-US" dirty="0"/>
-                        <a:t>Assignee</a:t>
-                      </a:r>
-                    </a:p>
-                  </a:txBody>
-                  <a:tcPr/>
-                </a:tc>
-                <a:extLst>
-                  <a:ext uri="{0D108BD9-81ED-4DB2-BD59-A6C34878D82A}">
-                    <a16:rowId xmlns:a16="http://schemas.microsoft.com/office/drawing/2014/main" val="5578277"/>
-                  </a:ext>
-                </a:extLst>
-              </a:tr>
-              <a:tr h="370840">
-                <a:tc>
-                  <a:txBody>
-                    <a:bodyPr/>
-                    <a:lstStyle/>
-                    <a:p>
-                      <a:endParaRPr lang="en-US" dirty="0"/>
-                    </a:p>
-                  </a:txBody>
-                  <a:tcPr/>
-                </a:tc>
-                <a:tc>
-                  <a:txBody>
-                    <a:bodyPr/>
-                    <a:lstStyle/>
-                    <a:p>
-                      <a:r>
-                        <a:rPr lang="en-US" dirty="0"/>
-                        <a:t>Accomplishment 1</a:t>
-                      </a:r>
-                    </a:p>
-                  </a:txBody>
-                  <a:tcPr/>
-                </a:tc>
-                <a:tc>
-                  <a:txBody>
-                    <a:bodyPr/>
-                    <a:lstStyle/>
-                    <a:p>
-                      <a:r>
-                        <a:rPr lang="en-US" dirty="0"/>
-                        <a:t>Elevate Bot</a:t>
-                      </a:r>
-                    </a:p>
-                  </a:txBody>
-                  <a:tcPr/>
-                </a:tc>
-                <a:extLst>
-                  <a:ext uri="{0D108BD9-81ED-4DB2-BD59-A6C34878D82A}">
-                    <a16:rowId xmlns:a16="http://schemas.microsoft.com/office/drawing/2014/main" val="61454587"/>
-                  </a:ext>
-                </a:extLst>
-              </a:tr>
-              <a:tr h="370840">
-                <a:tc>
-                  <a:txBody>
-                    <a:bodyPr/>
-                    <a:lstStyle/>
-                    <a:p>
-                      <a:endParaRPr lang="en-US" dirty="0"/>
-                    </a:p>
-                  </a:txBody>
-                  <a:tcPr/>
-                </a:tc>
-                <a:tc>
-                  <a:txBody>
-                    <a:bodyPr/>
-                    <a:lstStyle/>
-                    <a:p>
-                      <a:r>
-                        <a:rPr lang="en-US" dirty="0"/>
-                        <a:t>Accomplishment 2</a:t>
-                      </a:r>
-                    </a:p>
-                  </a:txBody>
-                  <a:tcPr/>
-                </a:tc>
-                <a:tc>
-                  <a:txBody>
-                    <a:bodyPr/>
-                    <a:lstStyle/>
-                    <a:p>
-                      <a:r>
-                        <a:rPr lang="en-US" dirty="0"/>
-                        <a:t>Elevate Bot</a:t>
-                      </a:r>
-                    </a:p>
-                  </a:txBody>
-                  <a:tcPr/>
-                </a:tc>
-                <a:extLst>
-                  <a:ext uri="{0D108BD9-81ED-4DB2-BD59-A6C34878D82A}">
-                    <a16:rowId xmlns:a16="http://schemas.microsoft.com/office/drawing/2014/main" val="3189033733"/>
-                  </a:ext>
-                </a:extLst>
-              </a:tr>
-              <a:tr h="370840">
-                <a:tc>
-                  <a:txBody>
-                    <a:bodyPr/>
-                    <a:lstStyle/>
-                    <a:p>
-                      <a:endParaRPr lang="en-US" dirty="0"/>
-                    </a:p>
-                  </a:txBody>
-                  <a:tcPr/>
-                </a:tc>
-                <a:tc>
-                  <a:txBody>
-                    <a:bodyPr/>
-                    <a:lstStyle/>
-                    <a:p>
-                      <a:r>
-                        <a:rPr lang="en-US" dirty="0"/>
-                        <a:t>Accomplishment 3</a:t>
-                      </a:r>
-                    </a:p>
-                  </a:txBody>
-                  <a:tcPr/>
-                </a:tc>
-                <a:tc>
-                  <a:txBody>
-                    <a:bodyPr/>
-                    <a:lstStyle/>
-                    <a:p>
-                      <a:r>
-                        <a:rPr lang="en-US" dirty="0"/>
-                        <a:t>Elevate Bot</a:t>
-                      </a:r>
-                    </a:p>
-                  </a:txBody>
-                  <a:tcPr/>
-                </a:tc>
-                <a:extLst>
-                  <a:ext uri="{0D108BD9-81ED-4DB2-BD59-A6C34878D82A}">
-                    <a16:rowId xmlns:a16="http://schemas.microsoft.com/office/drawing/2014/main" val="381752107"/>
-                  </a:ext>
-                </a:extLst>
-              </a:tr>
-            </a:tbl>
-          </a:graphicData>
-        </a:graphic>
-      </p:graphicFrame>
-      <p:pic>
-        <p:nvPicPr>
-          <p:cNvPr id="13" name="Graphic 12" descr="Checkmark">
-            <a:extLst>
-              <a:ext uri="{FF2B5EF4-FFF2-40B4-BE49-F238E27FC236}">
-                <a16:creationId xmlns:a16="http://schemas.microsoft.com/office/drawing/2014/main" id="{0522FBAB-2303-49B0-93B6-91AB8F20D694}"/>
-              </a:ext>
-            </a:extLst>
-          </p:cNvPr>
-          <p:cNvPicPr>
-            <a:picLocks noChangeAspect="1"/>
-          </p:cNvPicPr>
-          <p:nvPr/>
-        </p:nvPicPr>
-        <p:blipFill>
-          <a:blip r:embed="rId5">
-            <a:extLst>
-              <a:ext uri="{28A0092B-C50C-407E-A947-70E740481C1C}">
-                <a14:useLocalDpi xmlns:a14="http://schemas.microsoft.com/office/drawing/2010/main"/>
-              </a:ext>
-              <a:ext uri="{96DAC541-7B7A-43D3-8B79-37D633B846F1}">
-                <asvg:svgBlip xmlns:asvg="http://schemas.microsoft.com/office/drawing/2016/SVG/main" r:embed="rId6"/>
-              </a:ext>
-            </a:extLst>
-          </a:blip>
-          <a:stretch>
-            <a:fillRect/>
-          </a:stretch>
-        </p:blipFill>
-        <p:spPr>
-          <a:xfrm>
-            <a:off x="2143125" y="2847974"/>
-            <a:ext cx="405721" cy="405721"/>
-          </a:xfrm>
-          <a:prstGeom prst="rect">
-            <a:avLst/>
-          </a:prstGeom>
-        </p:spPr>
-      </p:pic>
-      <p:pic>
-        <p:nvPicPr>
-          <p:cNvPr id="14" name="Graphic 13" descr="Checkmark">
-            <a:extLst>
-              <a:ext uri="{FF2B5EF4-FFF2-40B4-BE49-F238E27FC236}">
-                <a16:creationId xmlns:a16="http://schemas.microsoft.com/office/drawing/2014/main" id="{71C60629-5DDF-4A87-A71E-D0709BCCC666}"/>
-              </a:ext>
-            </a:extLst>
-          </p:cNvPr>
-          <p:cNvPicPr>
-            <a:picLocks noChangeAspect="1"/>
-          </p:cNvPicPr>
-          <p:nvPr/>
-        </p:nvPicPr>
-        <p:blipFill>
-          <a:blip r:embed="rId5">
-            <a:extLst>
-              <a:ext uri="{28A0092B-C50C-407E-A947-70E740481C1C}">
-                <a14:useLocalDpi xmlns:a14="http://schemas.microsoft.com/office/drawing/2010/main"/>
-              </a:ext>
-              <a:ext uri="{96DAC541-7B7A-43D3-8B79-37D633B846F1}">
-                <asvg:svgBlip xmlns:asvg="http://schemas.microsoft.com/office/drawing/2016/SVG/main" r:embed="rId7"/>
-              </a:ext>
-            </a:extLst>
-          </a:blip>
-          <a:stretch>
-            <a:fillRect/>
-          </a:stretch>
-        </p:blipFill>
-        <p:spPr>
-          <a:xfrm>
-            <a:off x="2143125" y="3213780"/>
-            <a:ext cx="405721" cy="405721"/>
-          </a:xfrm>
-          <a:prstGeom prst="rect">
-            <a:avLst/>
-          </a:prstGeom>
-        </p:spPr>
-      </p:pic>
-      <p:pic>
-        <p:nvPicPr>
-          <p:cNvPr id="15" name="Graphic 14" descr="Checkmark">
-            <a:extLst>
-              <a:ext uri="{FF2B5EF4-FFF2-40B4-BE49-F238E27FC236}">
-                <a16:creationId xmlns:a16="http://schemas.microsoft.com/office/drawing/2014/main" id="{DBFAC348-6866-4BB0-B4FB-D22947DA6FD5}"/>
-              </a:ext>
-            </a:extLst>
-          </p:cNvPr>
-          <p:cNvPicPr>
-            <a:picLocks noChangeAspect="1"/>
-          </p:cNvPicPr>
-          <p:nvPr/>
-        </p:nvPicPr>
-        <p:blipFill>
-          <a:blip r:embed="rId5">
-            <a:extLst>
-              <a:ext uri="{28A0092B-C50C-407E-A947-70E740481C1C}">
-                <a14:useLocalDpi xmlns:a14="http://schemas.microsoft.com/office/drawing/2010/main"/>
-              </a:ext>
-              <a:ext uri="{96DAC541-7B7A-43D3-8B79-37D633B846F1}">
-                <asvg:svgBlip xmlns:asvg="http://schemas.microsoft.com/office/drawing/2016/SVG/main" r:embed="rId7"/>
-              </a:ext>
-            </a:extLst>
-          </a:blip>
-          <a:stretch>
-            <a:fillRect/>
-          </a:stretch>
-        </p:blipFill>
-        <p:spPr>
-          <a:xfrm>
-            <a:off x="2139271" y="3589655"/>
-            <a:ext cx="405721" cy="405721"/>
-          </a:xfrm>
-          <a:prstGeom prst="rect">
-            <a:avLst/>
-          </a:prstGeom>
-        </p:spPr>
-      </p:pic>
-      <p:graphicFrame>
-        <p:nvGraphicFramePr>
-          <p:cNvPr id="3" name="Table 2">
-            <a:extLst>
-              <a:ext uri="{FF2B5EF4-FFF2-40B4-BE49-F238E27FC236}">
-                <a16:creationId xmlns:a16="http://schemas.microsoft.com/office/drawing/2014/main" id="{FB3E1B07-34A0-4ACF-AC1C-45B25E4D6CE9}"/>
-              </a:ext>
-            </a:extLst>
-          </p:cNvPr>
-          <p:cNvGraphicFramePr>
-            <a:graphicFrameLocks noGrp="1"/>
-          </p:cNvGraphicFramePr>
-          <p:nvPr>
-            <p:extLst>
-              <p:ext uri="{D42A27DB-BD31-4B8C-83A1-F6EECF244321}">
-                <p14:modId xmlns:p14="http://schemas.microsoft.com/office/powerpoint/2010/main" val="777599055"/>
+                <p14:modId xmlns:p14="http://schemas.microsoft.com/office/powerpoint/2010/main" val="746748072"/>
               </p:ext>
             </p:extLst>
           </p:nvPr>
@@ -4702,14 +3955,14 @@
                 <a:gridCol w="4064000">
                   <a:extLst>
                     <a:ext uri="{9D8B030D-6E8A-4147-A177-3AD203B41FA5}">
-                      <a16:colId xmlns:a16="http://schemas.microsoft.com/office/drawing/2014/main" val="3075661065"/>
+                      <a16:colId xmlns:a16="http://schemas.microsoft.com/office/drawing/2014/main" val="455180586"/>
                     </a:ext>
                   </a:extLst>
                 </a:gridCol>
                 <a:gridCol w="4064000">
                   <a:extLst>
                     <a:ext uri="{9D8B030D-6E8A-4147-A177-3AD203B41FA5}">
-                      <a16:colId xmlns:a16="http://schemas.microsoft.com/office/drawing/2014/main" val="2992441762"/>
+                      <a16:colId xmlns:a16="http://schemas.microsoft.com/office/drawing/2014/main" val="4132905458"/>
                     </a:ext>
                   </a:extLst>
                 </a:gridCol>
@@ -4743,7 +3996,7 @@
                 </a:tc>
                 <a:extLst>
                   <a:ext uri="{0D108BD9-81ED-4DB2-BD59-A6C34878D82A}">
-                    <a16:rowId xmlns:a16="http://schemas.microsoft.com/office/drawing/2014/main" val="3292732180"/>
+                    <a16:rowId xmlns:a16="http://schemas.microsoft.com/office/drawing/2014/main" val="4262069997"/>
                   </a:ext>
                 </a:extLst>
               </a:tr>
@@ -4776,7 +4029,7 @@
                 </a:tc>
                 <a:extLst>
                   <a:ext uri="{0D108BD9-81ED-4DB2-BD59-A6C34878D82A}">
-                    <a16:rowId xmlns:a16="http://schemas.microsoft.com/office/drawing/2014/main" val="3933621223"/>
+                    <a16:rowId xmlns:a16="http://schemas.microsoft.com/office/drawing/2014/main" val="2548333306"/>
                   </a:ext>
                 </a:extLst>
               </a:tr>
@@ -4809,7 +4062,7 @@
                 </a:tc>
                 <a:extLst>
                   <a:ext uri="{0D108BD9-81ED-4DB2-BD59-A6C34878D82A}">
-                    <a16:rowId xmlns:a16="http://schemas.microsoft.com/office/drawing/2014/main" val="199399901"/>
+                    <a16:rowId xmlns:a16="http://schemas.microsoft.com/office/drawing/2014/main" val="261747566"/>
                   </a:ext>
                 </a:extLst>
               </a:tr>
@@ -4817,6 +4070,43 @@
           </a:graphicData>
         </a:graphic>
       </p:graphicFrame>
+      <p:sp>
+        <p:nvSpPr>
+          <p:cNvPr id="6" name="TextBox 5">
+            <a:extLst>
+              <a:ext uri="{FF2B5EF4-FFF2-40B4-BE49-F238E27FC236}">
+                <a16:creationId xmlns:a16="http://schemas.microsoft.com/office/drawing/2014/main" id="{63CF1A6C-6FDE-4AD9-AC3B-F37F72D26B19}"/>
+              </a:ext>
+            </a:extLst>
+          </p:cNvPr>
+          <p:cNvSpPr txBox="1"/>
+          <p:nvPr/>
+        </p:nvSpPr>
+        <p:spPr>
+          <a:xfrm>
+            <a:off x="381000" y="381000"/>
+            <a:ext cx="4318000" cy="954107"/>
+          </a:xfrm>
+          <a:prstGeom prst="rect">
+            <a:avLst/>
+          </a:prstGeom>
+          <a:noFill/>
+        </p:spPr>
+        <p:txBody>
+          <a:bodyPr vert="horz" rtlCol="0">
+            <a:spAutoFit/>
+          </a:bodyPr>
+          <a:lstStyle/>
+          <a:p>
+            <a:r>
+              <a:rPr lang="en-US" sz="2800">
+                <a:latin typeface="Calibri" panose="020F0502020204030204" pitchFamily="34" charset="0"/>
+              </a:rPr>
+              <a:t>Accomplishments for Week of 04/09/20 - 04/16/20</a:t>
+            </a:r>
+          </a:p>
+        </p:txBody>
+      </p:sp>
     </p:spTree>
     <p:extLst>
       <p:ext uri="{BB962C8B-B14F-4D97-AF65-F5344CB8AC3E}">
@@ -5009,413 +4299,12 @@
           </a:prstGeom>
         </p:spPr>
       </p:pic>
-      <p:sp>
-        <p:nvSpPr>
-          <p:cNvPr id="10" name="Content Placeholder 2">
-            <a:extLst>
-              <a:ext uri="{FF2B5EF4-FFF2-40B4-BE49-F238E27FC236}">
-                <a16:creationId xmlns:a16="http://schemas.microsoft.com/office/drawing/2014/main" id="{B3ECB315-E679-4C67-AF9B-9CBE29479D0A}"/>
-              </a:ext>
-            </a:extLst>
-          </p:cNvPr>
-          <p:cNvSpPr txBox="1">
-            <a:spLocks/>
-          </p:cNvSpPr>
-          <p:nvPr/>
-        </p:nvSpPr>
-        <p:spPr>
-          <a:xfrm>
-            <a:off x="838200" y="1386638"/>
-            <a:ext cx="3076575" cy="651712"/>
-          </a:xfrm>
-          <a:prstGeom prst="rect">
-            <a:avLst/>
-          </a:prstGeom>
-        </p:spPr>
-        <p:txBody>
-          <a:bodyPr vert="horz" lIns="91440" tIns="45720" rIns="91440" bIns="45720" rtlCol="0">
-            <a:normAutofit/>
-          </a:bodyPr>
-          <a:lstStyle>
-            <a:lvl1pPr marL="228600" indent="-228600" algn="l" defTabSz="914400" rtl="0" eaLnBrk="1" latinLnBrk="0" hangingPunct="1">
-              <a:lnSpc>
-                <a:spcPct val="90000"/>
-              </a:lnSpc>
-              <a:spcBef>
-                <a:spcPts val="1000"/>
-              </a:spcBef>
-              <a:buFont typeface="Arial" panose="020B0604020202020204" pitchFamily="34" charset="0"/>
-              <a:buChar char="•"/>
-              <a:defRPr sz="2800" kern="1200">
-                <a:solidFill>
-                  <a:schemeClr val="tx1"/>
-                </a:solidFill>
-                <a:latin typeface="+mn-lt"/>
-                <a:ea typeface="+mn-ea"/>
-                <a:cs typeface="+mn-cs"/>
-              </a:defRPr>
-            </a:lvl1pPr>
-            <a:lvl2pPr marL="685800" indent="-228600" algn="l" defTabSz="914400" rtl="0" eaLnBrk="1" latinLnBrk="0" hangingPunct="1">
-              <a:lnSpc>
-                <a:spcPct val="90000"/>
-              </a:lnSpc>
-              <a:spcBef>
-                <a:spcPts val="500"/>
-              </a:spcBef>
-              <a:buFont typeface="Arial" panose="020B0604020202020204" pitchFamily="34" charset="0"/>
-              <a:buChar char="•"/>
-              <a:defRPr sz="2400" kern="1200">
-                <a:solidFill>
-                  <a:schemeClr val="tx1"/>
-                </a:solidFill>
-                <a:latin typeface="+mn-lt"/>
-                <a:ea typeface="+mn-ea"/>
-                <a:cs typeface="+mn-cs"/>
-              </a:defRPr>
-            </a:lvl2pPr>
-            <a:lvl3pPr marL="1143000" indent="-228600" algn="l" defTabSz="914400" rtl="0" eaLnBrk="1" latinLnBrk="0" hangingPunct="1">
-              <a:lnSpc>
-                <a:spcPct val="90000"/>
-              </a:lnSpc>
-              <a:spcBef>
-                <a:spcPts val="500"/>
-              </a:spcBef>
-              <a:buFont typeface="Arial" panose="020B0604020202020204" pitchFamily="34" charset="0"/>
-              <a:buChar char="•"/>
-              <a:defRPr sz="2000" kern="1200">
-                <a:solidFill>
-                  <a:schemeClr val="tx1"/>
-                </a:solidFill>
-                <a:latin typeface="+mn-lt"/>
-                <a:ea typeface="+mn-ea"/>
-                <a:cs typeface="+mn-cs"/>
-              </a:defRPr>
-            </a:lvl3pPr>
-            <a:lvl4pPr marL="1600200" indent="-228600" algn="l" defTabSz="914400" rtl="0" eaLnBrk="1" latinLnBrk="0" hangingPunct="1">
-              <a:lnSpc>
-                <a:spcPct val="90000"/>
-              </a:lnSpc>
-              <a:spcBef>
-                <a:spcPts val="500"/>
-              </a:spcBef>
-              <a:buFont typeface="Arial" panose="020B0604020202020204" pitchFamily="34" charset="0"/>
-              <a:buChar char="•"/>
-              <a:defRPr sz="1800" kern="1200">
-                <a:solidFill>
-                  <a:schemeClr val="tx1"/>
-                </a:solidFill>
-                <a:latin typeface="+mn-lt"/>
-                <a:ea typeface="+mn-ea"/>
-                <a:cs typeface="+mn-cs"/>
-              </a:defRPr>
-            </a:lvl4pPr>
-            <a:lvl5pPr marL="2057400" indent="-228600" algn="l" defTabSz="914400" rtl="0" eaLnBrk="1" latinLnBrk="0" hangingPunct="1">
-              <a:lnSpc>
-                <a:spcPct val="90000"/>
-              </a:lnSpc>
-              <a:spcBef>
-                <a:spcPts val="500"/>
-              </a:spcBef>
-              <a:buFont typeface="Arial" panose="020B0604020202020204" pitchFamily="34" charset="0"/>
-              <a:buChar char="•"/>
-              <a:defRPr sz="1800" kern="1200">
-                <a:solidFill>
-                  <a:schemeClr val="tx1"/>
-                </a:solidFill>
-                <a:latin typeface="+mn-lt"/>
-                <a:ea typeface="+mn-ea"/>
-                <a:cs typeface="+mn-cs"/>
-              </a:defRPr>
-            </a:lvl5pPr>
-            <a:lvl6pPr marL="2514600" indent="-228600" algn="l" defTabSz="914400" rtl="0" eaLnBrk="1" latinLnBrk="0" hangingPunct="1">
-              <a:lnSpc>
-                <a:spcPct val="90000"/>
-              </a:lnSpc>
-              <a:spcBef>
-                <a:spcPts val="500"/>
-              </a:spcBef>
-              <a:buFont typeface="Arial" panose="020B0604020202020204" pitchFamily="34" charset="0"/>
-              <a:buChar char="•"/>
-              <a:defRPr sz="1800" kern="1200">
-                <a:solidFill>
-                  <a:schemeClr val="tx1"/>
-                </a:solidFill>
-                <a:latin typeface="+mn-lt"/>
-                <a:ea typeface="+mn-ea"/>
-                <a:cs typeface="+mn-cs"/>
-              </a:defRPr>
-            </a:lvl6pPr>
-            <a:lvl7pPr marL="2971800" indent="-228600" algn="l" defTabSz="914400" rtl="0" eaLnBrk="1" latinLnBrk="0" hangingPunct="1">
-              <a:lnSpc>
-                <a:spcPct val="90000"/>
-              </a:lnSpc>
-              <a:spcBef>
-                <a:spcPts val="500"/>
-              </a:spcBef>
-              <a:buFont typeface="Arial" panose="020B0604020202020204" pitchFamily="34" charset="0"/>
-              <a:buChar char="•"/>
-              <a:defRPr sz="1800" kern="1200">
-                <a:solidFill>
-                  <a:schemeClr val="tx1"/>
-                </a:solidFill>
-                <a:latin typeface="+mn-lt"/>
-                <a:ea typeface="+mn-ea"/>
-                <a:cs typeface="+mn-cs"/>
-              </a:defRPr>
-            </a:lvl7pPr>
-            <a:lvl8pPr marL="3429000" indent="-228600" algn="l" defTabSz="914400" rtl="0" eaLnBrk="1" latinLnBrk="0" hangingPunct="1">
-              <a:lnSpc>
-                <a:spcPct val="90000"/>
-              </a:lnSpc>
-              <a:spcBef>
-                <a:spcPts val="500"/>
-              </a:spcBef>
-              <a:buFont typeface="Arial" panose="020B0604020202020204" pitchFamily="34" charset="0"/>
-              <a:buChar char="•"/>
-              <a:defRPr sz="1800" kern="1200">
-                <a:solidFill>
-                  <a:schemeClr val="tx1"/>
-                </a:solidFill>
-                <a:latin typeface="+mn-lt"/>
-                <a:ea typeface="+mn-ea"/>
-                <a:cs typeface="+mn-cs"/>
-              </a:defRPr>
-            </a:lvl8pPr>
-            <a:lvl9pPr marL="3886200" indent="-228600" algn="l" defTabSz="914400" rtl="0" eaLnBrk="1" latinLnBrk="0" hangingPunct="1">
-              <a:lnSpc>
-                <a:spcPct val="90000"/>
-              </a:lnSpc>
-              <a:spcBef>
-                <a:spcPts val="500"/>
-              </a:spcBef>
-              <a:buFont typeface="Arial" panose="020B0604020202020204" pitchFamily="34" charset="0"/>
-              <a:buChar char="•"/>
-              <a:defRPr sz="1800" kern="1200">
-                <a:solidFill>
-                  <a:schemeClr val="tx1"/>
-                </a:solidFill>
-                <a:latin typeface="+mn-lt"/>
-                <a:ea typeface="+mn-ea"/>
-                <a:cs typeface="+mn-cs"/>
-              </a:defRPr>
-            </a:lvl9pPr>
-          </a:lstStyle>
-          <a:p>
-            <a:r>
-              <a:rPr lang="en-US" dirty="0"/>
-              <a:t>Risk Register as of </a:t>
-            </a:r>
-          </a:p>
-        </p:txBody>
-      </p:sp>
-      <p:sp>
-        <p:nvSpPr>
-          <p:cNvPr id="11" name="Content Placeholder 2">
-            <a:extLst>
-              <a:ext uri="{FF2B5EF4-FFF2-40B4-BE49-F238E27FC236}">
-                <a16:creationId xmlns:a16="http://schemas.microsoft.com/office/drawing/2014/main" id="{45186F2B-543E-44F9-9F78-F9E2F915AD92}"/>
-              </a:ext>
-            </a:extLst>
-          </p:cNvPr>
-          <p:cNvSpPr txBox="1">
-            <a:spLocks/>
-          </p:cNvSpPr>
-          <p:nvPr/>
-        </p:nvSpPr>
-        <p:spPr>
-          <a:xfrm>
-            <a:off x="3829050" y="1386638"/>
-            <a:ext cx="4838700" cy="651712"/>
-          </a:xfrm>
-          <a:prstGeom prst="rect">
-            <a:avLst/>
-          </a:prstGeom>
-        </p:spPr>
-        <p:txBody>
-          <a:bodyPr vert="horz" lIns="91440" tIns="45720" rIns="91440" bIns="45720" rtlCol="0">
-            <a:normAutofit/>
-          </a:bodyPr>
-          <a:lstStyle>
-            <a:lvl1pPr marL="228600" indent="-228600" algn="l" defTabSz="914400" rtl="0" eaLnBrk="1" latinLnBrk="0" hangingPunct="1">
-              <a:lnSpc>
-                <a:spcPct val="90000"/>
-              </a:lnSpc>
-              <a:spcBef>
-                <a:spcPts val="1000"/>
-              </a:spcBef>
-              <a:buFont typeface="Arial" panose="020B0604020202020204" pitchFamily="34" charset="0"/>
-              <a:buChar char="•"/>
-              <a:defRPr sz="2800" kern="1200">
-                <a:solidFill>
-                  <a:schemeClr val="tx1"/>
-                </a:solidFill>
-                <a:latin typeface="+mn-lt"/>
-                <a:ea typeface="+mn-ea"/>
-                <a:cs typeface="+mn-cs"/>
-              </a:defRPr>
-            </a:lvl1pPr>
-            <a:lvl2pPr marL="685800" indent="-228600" algn="l" defTabSz="914400" rtl="0" eaLnBrk="1" latinLnBrk="0" hangingPunct="1">
-              <a:lnSpc>
-                <a:spcPct val="90000"/>
-              </a:lnSpc>
-              <a:spcBef>
-                <a:spcPts val="500"/>
-              </a:spcBef>
-              <a:buFont typeface="Arial" panose="020B0604020202020204" pitchFamily="34" charset="0"/>
-              <a:buChar char="•"/>
-              <a:defRPr sz="2400" kern="1200">
-                <a:solidFill>
-                  <a:schemeClr val="tx1"/>
-                </a:solidFill>
-                <a:latin typeface="+mn-lt"/>
-                <a:ea typeface="+mn-ea"/>
-                <a:cs typeface="+mn-cs"/>
-              </a:defRPr>
-            </a:lvl2pPr>
-            <a:lvl3pPr marL="1143000" indent="-228600" algn="l" defTabSz="914400" rtl="0" eaLnBrk="1" latinLnBrk="0" hangingPunct="1">
-              <a:lnSpc>
-                <a:spcPct val="90000"/>
-              </a:lnSpc>
-              <a:spcBef>
-                <a:spcPts val="500"/>
-              </a:spcBef>
-              <a:buFont typeface="Arial" panose="020B0604020202020204" pitchFamily="34" charset="0"/>
-              <a:buChar char="•"/>
-              <a:defRPr sz="2000" kern="1200">
-                <a:solidFill>
-                  <a:schemeClr val="tx1"/>
-                </a:solidFill>
-                <a:latin typeface="+mn-lt"/>
-                <a:ea typeface="+mn-ea"/>
-                <a:cs typeface="+mn-cs"/>
-              </a:defRPr>
-            </a:lvl3pPr>
-            <a:lvl4pPr marL="1600200" indent="-228600" algn="l" defTabSz="914400" rtl="0" eaLnBrk="1" latinLnBrk="0" hangingPunct="1">
-              <a:lnSpc>
-                <a:spcPct val="90000"/>
-              </a:lnSpc>
-              <a:spcBef>
-                <a:spcPts val="500"/>
-              </a:spcBef>
-              <a:buFont typeface="Arial" panose="020B0604020202020204" pitchFamily="34" charset="0"/>
-              <a:buChar char="•"/>
-              <a:defRPr sz="1800" kern="1200">
-                <a:solidFill>
-                  <a:schemeClr val="tx1"/>
-                </a:solidFill>
-                <a:latin typeface="+mn-lt"/>
-                <a:ea typeface="+mn-ea"/>
-                <a:cs typeface="+mn-cs"/>
-              </a:defRPr>
-            </a:lvl4pPr>
-            <a:lvl5pPr marL="2057400" indent="-228600" algn="l" defTabSz="914400" rtl="0" eaLnBrk="1" latinLnBrk="0" hangingPunct="1">
-              <a:lnSpc>
-                <a:spcPct val="90000"/>
-              </a:lnSpc>
-              <a:spcBef>
-                <a:spcPts val="500"/>
-              </a:spcBef>
-              <a:buFont typeface="Arial" panose="020B0604020202020204" pitchFamily="34" charset="0"/>
-              <a:buChar char="•"/>
-              <a:defRPr sz="1800" kern="1200">
-                <a:solidFill>
-                  <a:schemeClr val="tx1"/>
-                </a:solidFill>
-                <a:latin typeface="+mn-lt"/>
-                <a:ea typeface="+mn-ea"/>
-                <a:cs typeface="+mn-cs"/>
-              </a:defRPr>
-            </a:lvl5pPr>
-            <a:lvl6pPr marL="2514600" indent="-228600" algn="l" defTabSz="914400" rtl="0" eaLnBrk="1" latinLnBrk="0" hangingPunct="1">
-              <a:lnSpc>
-                <a:spcPct val="90000"/>
-              </a:lnSpc>
-              <a:spcBef>
-                <a:spcPts val="500"/>
-              </a:spcBef>
-              <a:buFont typeface="Arial" panose="020B0604020202020204" pitchFamily="34" charset="0"/>
-              <a:buChar char="•"/>
-              <a:defRPr sz="1800" kern="1200">
-                <a:solidFill>
-                  <a:schemeClr val="tx1"/>
-                </a:solidFill>
-                <a:latin typeface="+mn-lt"/>
-                <a:ea typeface="+mn-ea"/>
-                <a:cs typeface="+mn-cs"/>
-              </a:defRPr>
-            </a:lvl6pPr>
-            <a:lvl7pPr marL="2971800" indent="-228600" algn="l" defTabSz="914400" rtl="0" eaLnBrk="1" latinLnBrk="0" hangingPunct="1">
-              <a:lnSpc>
-                <a:spcPct val="90000"/>
-              </a:lnSpc>
-              <a:spcBef>
-                <a:spcPts val="500"/>
-              </a:spcBef>
-              <a:buFont typeface="Arial" panose="020B0604020202020204" pitchFamily="34" charset="0"/>
-              <a:buChar char="•"/>
-              <a:defRPr sz="1800" kern="1200">
-                <a:solidFill>
-                  <a:schemeClr val="tx1"/>
-                </a:solidFill>
-                <a:latin typeface="+mn-lt"/>
-                <a:ea typeface="+mn-ea"/>
-                <a:cs typeface="+mn-cs"/>
-              </a:defRPr>
-            </a:lvl7pPr>
-            <a:lvl8pPr marL="3429000" indent="-228600" algn="l" defTabSz="914400" rtl="0" eaLnBrk="1" latinLnBrk="0" hangingPunct="1">
-              <a:lnSpc>
-                <a:spcPct val="90000"/>
-              </a:lnSpc>
-              <a:spcBef>
-                <a:spcPts val="500"/>
-              </a:spcBef>
-              <a:buFont typeface="Arial" panose="020B0604020202020204" pitchFamily="34" charset="0"/>
-              <a:buChar char="•"/>
-              <a:defRPr sz="1800" kern="1200">
-                <a:solidFill>
-                  <a:schemeClr val="tx1"/>
-                </a:solidFill>
-                <a:latin typeface="+mn-lt"/>
-                <a:ea typeface="+mn-ea"/>
-                <a:cs typeface="+mn-cs"/>
-              </a:defRPr>
-            </a:lvl8pPr>
-            <a:lvl9pPr marL="3886200" indent="-228600" algn="l" defTabSz="914400" rtl="0" eaLnBrk="1" latinLnBrk="0" hangingPunct="1">
-              <a:lnSpc>
-                <a:spcPct val="90000"/>
-              </a:lnSpc>
-              <a:spcBef>
-                <a:spcPts val="500"/>
-              </a:spcBef>
-              <a:buFont typeface="Arial" panose="020B0604020202020204" pitchFamily="34" charset="0"/>
-              <a:buChar char="•"/>
-              <a:defRPr sz="1800" kern="1200">
-                <a:solidFill>
-                  <a:schemeClr val="tx1"/>
-                </a:solidFill>
-                <a:latin typeface="+mn-lt"/>
-                <a:ea typeface="+mn-ea"/>
-                <a:cs typeface="+mn-cs"/>
-              </a:defRPr>
-            </a:lvl9pPr>
-          </a:lstStyle>
-          <a:p>
-            <a:pPr marL="0" indent="0">
-              <a:buNone/>
-            </a:pPr>
-            <a:r>
-              <a:rPr lang="en-US" dirty="0"/>
-              <a:t>04/15/2020</a:t>
-            </a:r>
-          </a:p>
-        </p:txBody>
-      </p:sp>
       <p:graphicFrame>
         <p:nvGraphicFramePr>
-          <p:cNvPr id="12" name="10">
-            <a:extLst>
-              <a:ext uri="{FF2B5EF4-FFF2-40B4-BE49-F238E27FC236}">
-                <a16:creationId xmlns:a16="http://schemas.microsoft.com/office/drawing/2014/main" id="{895332B6-5C45-4DC9-B482-92D0E52B4CF2}"/>
+          <p:cNvPr id="2" name="Table 1">
+            <a:extLst>
+              <a:ext uri="{FF2B5EF4-FFF2-40B4-BE49-F238E27FC236}">
+                <a16:creationId xmlns:a16="http://schemas.microsoft.com/office/drawing/2014/main" id="{73D32276-1FAC-4761-8F29-B39E8BEC628A}"/>
               </a:ext>
             </a:extLst>
           </p:cNvPr>
@@ -5425,248 +4314,7 @@
           <p:nvPr>
             <p:extLst>
               <p:ext uri="{D42A27DB-BD31-4B8C-83A1-F6EECF244321}">
-                <p14:modId xmlns:p14="http://schemas.microsoft.com/office/powerpoint/2010/main" val="773025837"/>
-              </p:ext>
-            </p:extLst>
-          </p:nvPr>
-        </p:nvGraphicFramePr>
-        <p:xfrm>
-          <a:off x="838199" y="2275277"/>
-          <a:ext cx="10432473" cy="1752600"/>
-        </p:xfrm>
-        <a:graphic>
-          <a:graphicData uri="http://schemas.openxmlformats.org/drawingml/2006/table">
-            <a:tbl>
-              <a:tblPr firstRow="1" bandRow="1">
-                <a:tableStyleId>{B301B821-A1FF-4177-AEE7-76D212191A09}</a:tableStyleId>
-              </a:tblPr>
-              <a:tblGrid>
-                <a:gridCol w="6619876">
-                  <a:extLst>
-                    <a:ext uri="{9D8B030D-6E8A-4147-A177-3AD203B41FA5}">
-                      <a16:colId xmlns:a16="http://schemas.microsoft.com/office/drawing/2014/main" val="3857336290"/>
-                    </a:ext>
-                  </a:extLst>
-                </a:gridCol>
-                <a:gridCol w="1838325">
-                  <a:extLst>
-                    <a:ext uri="{9D8B030D-6E8A-4147-A177-3AD203B41FA5}">
-                      <a16:colId xmlns:a16="http://schemas.microsoft.com/office/drawing/2014/main" val="3521509764"/>
-                    </a:ext>
-                  </a:extLst>
-                </a:gridCol>
-                <a:gridCol w="1974272">
-                  <a:extLst>
-                    <a:ext uri="{9D8B030D-6E8A-4147-A177-3AD203B41FA5}">
-                      <a16:colId xmlns:a16="http://schemas.microsoft.com/office/drawing/2014/main" val="1257671124"/>
-                    </a:ext>
-                  </a:extLst>
-                </a:gridCol>
-              </a:tblGrid>
-              <a:tr h="370840">
-                <a:tc>
-                  <a:txBody>
-                    <a:bodyPr/>
-                    <a:lstStyle/>
-                    <a:p>
-                      <a:r>
-                        <a:rPr lang="en-US" dirty="0"/>
-                        <a:t>Risk</a:t>
-                      </a:r>
-                    </a:p>
-                  </a:txBody>
-                  <a:tcPr/>
-                </a:tc>
-                <a:tc>
-                  <a:txBody>
-                    <a:bodyPr/>
-                    <a:lstStyle/>
-                    <a:p>
-                      <a:r>
-                        <a:rPr lang="en-US" dirty="0"/>
-                        <a:t>Severity</a:t>
-                      </a:r>
-                    </a:p>
-                  </a:txBody>
-                  <a:tcPr/>
-                </a:tc>
-                <a:tc>
-                  <a:txBody>
-                    <a:bodyPr/>
-                    <a:lstStyle/>
-                    <a:p>
-                      <a:r>
-                        <a:rPr lang="en-US" dirty="0"/>
-                        <a:t>Owner</a:t>
-                      </a:r>
-                    </a:p>
-                  </a:txBody>
-                  <a:tcPr/>
-                </a:tc>
-                <a:extLst>
-                  <a:ext uri="{0D108BD9-81ED-4DB2-BD59-A6C34878D82A}">
-                    <a16:rowId xmlns:a16="http://schemas.microsoft.com/office/drawing/2014/main" val="5578277"/>
-                  </a:ext>
-                </a:extLst>
-              </a:tr>
-              <a:tr h="370840">
-                <a:tc>
-                  <a:txBody>
-                    <a:bodyPr/>
-                    <a:lstStyle/>
-                    <a:p>
-                      <a:r>
-                        <a:rPr lang="en-US" dirty="0"/>
-                        <a:t>If the bot is too awesome, then Skynet will be built</a:t>
-                      </a:r>
-                    </a:p>
-                  </a:txBody>
-                  <a:tcPr/>
-                </a:tc>
-                <a:tc>
-                  <a:txBody>
-                    <a:bodyPr/>
-                    <a:lstStyle/>
-                    <a:p>
-                      <a:r>
-                        <a:rPr lang="en-US" dirty="0"/>
-                        <a:t>Medium</a:t>
-                      </a:r>
-                    </a:p>
-                  </a:txBody>
-                  <a:tcPr/>
-                </a:tc>
-                <a:tc>
-                  <a:txBody>
-                    <a:bodyPr/>
-                    <a:lstStyle/>
-                    <a:p>
-                      <a:r>
-                        <a:rPr lang="en-US" dirty="0"/>
-                        <a:t>Elevate Bot</a:t>
-                      </a:r>
-                    </a:p>
-                  </a:txBody>
-                  <a:tcPr/>
-                </a:tc>
-                <a:extLst>
-                  <a:ext uri="{0D108BD9-81ED-4DB2-BD59-A6C34878D82A}">
-                    <a16:rowId xmlns:a16="http://schemas.microsoft.com/office/drawing/2014/main" val="61454587"/>
-                  </a:ext>
-                </a:extLst>
-              </a:tr>
-              <a:tr h="370840">
-                <a:tc>
-                  <a:txBody>
-                    <a:bodyPr/>
-                    <a:lstStyle/>
-                    <a:p>
-                      <a:r>
-                        <a:rPr lang="en-US" dirty="0"/>
-                        <a:t>If the bot isn’t awesome enough, then you need VerticalApps to make it better</a:t>
-                      </a:r>
-                    </a:p>
-                  </a:txBody>
-                  <a:tcPr/>
-                </a:tc>
-                <a:tc>
-                  <a:txBody>
-                    <a:bodyPr/>
-                    <a:lstStyle/>
-                    <a:p>
-                      <a:r>
-                        <a:rPr lang="en-US" dirty="0"/>
-                        <a:t>Low</a:t>
-                      </a:r>
-                    </a:p>
-                  </a:txBody>
-                  <a:tcPr/>
-                </a:tc>
-                <a:tc>
-                  <a:txBody>
-                    <a:bodyPr/>
-                    <a:lstStyle/>
-                    <a:p>
-                      <a:r>
-                        <a:rPr lang="en-US" dirty="0"/>
-                        <a:t>Elevate Bot</a:t>
-                      </a:r>
-                    </a:p>
-                  </a:txBody>
-                  <a:tcPr/>
-                </a:tc>
-                <a:extLst>
-                  <a:ext uri="{0D108BD9-81ED-4DB2-BD59-A6C34878D82A}">
-                    <a16:rowId xmlns:a16="http://schemas.microsoft.com/office/drawing/2014/main" val="3189033733"/>
-                  </a:ext>
-                </a:extLst>
-              </a:tr>
-              <a:tr h="370840">
-                <a:tc>
-                  <a:txBody>
-                    <a:bodyPr/>
-                    <a:lstStyle/>
-                    <a:p>
-                      <a:r>
-                        <a:rPr lang="en-US" dirty="0"/>
-                        <a:t>This is another risk that needs to be added</a:t>
-                      </a:r>
-                    </a:p>
-                  </a:txBody>
-                  <a:tcPr/>
-                </a:tc>
-                <a:tc>
-                  <a:txBody>
-                    <a:bodyPr/>
-                    <a:lstStyle/>
-                    <a:p>
-                      <a:r>
-                        <a:rPr lang="en-US" dirty="0"/>
-                        <a:t>Low</a:t>
-                      </a:r>
-                    </a:p>
-                  </a:txBody>
-                  <a:tcPr/>
-                </a:tc>
-                <a:tc>
-                  <a:txBody>
-                    <a:bodyPr/>
-                    <a:lstStyle/>
-                    <a:p>
-                      <a:r>
-                        <a:rPr lang="en-US" dirty="0"/>
-                        <a:t>Elevate Bot</a:t>
-                      </a:r>
-                    </a:p>
-                  </a:txBody>
-                  <a:tcPr/>
-                </a:tc>
-                <a:extLst>
-                  <a:ext uri="{0D108BD9-81ED-4DB2-BD59-A6C34878D82A}">
-                    <a16:rowId xmlns:a16="http://schemas.microsoft.com/office/drawing/2014/main" val="381752107"/>
-                  </a:ext>
-                </a:extLst>
-              </a:tr>
-            </a:tbl>
-          </a:graphicData>
-        </a:graphic>
-      </p:graphicFrame>
-      <p:graphicFrame>
-        <p:nvGraphicFramePr>
-          <p:cNvPr id="2" name="Table 1">
-            <a:extLst>
-              <a:ext uri="{FF2B5EF4-FFF2-40B4-BE49-F238E27FC236}">
-                <a16:creationId xmlns:a16="http://schemas.microsoft.com/office/drawing/2014/main" id="{23A64537-1A60-4A73-8B65-467596E177A0}"/>
-              </a:ext>
-            </a:extLst>
-          </p:cNvPr>
-          <p:cNvGraphicFramePr>
-            <a:graphicFrameLocks noGrp="1"/>
-          </p:cNvGraphicFramePr>
-          <p:nvPr>
-            <p:extLst>
-              <p:ext uri="{D42A27DB-BD31-4B8C-83A1-F6EECF244321}">
-                <p14:modId xmlns:p14="http://schemas.microsoft.com/office/powerpoint/2010/main" val="746634734"/>
+                <p14:modId xmlns:p14="http://schemas.microsoft.com/office/powerpoint/2010/main" val="222078305"/>
               </p:ext>
             </p:extLst>
           </p:nvPr>
@@ -5685,21 +4333,21 @@
                 <a:gridCol w="2709333">
                   <a:extLst>
                     <a:ext uri="{9D8B030D-6E8A-4147-A177-3AD203B41FA5}">
-                      <a16:colId xmlns:a16="http://schemas.microsoft.com/office/drawing/2014/main" val="2186254044"/>
+                      <a16:colId xmlns:a16="http://schemas.microsoft.com/office/drawing/2014/main" val="330366147"/>
                     </a:ext>
                   </a:extLst>
                 </a:gridCol>
                 <a:gridCol w="2709333">
                   <a:extLst>
                     <a:ext uri="{9D8B030D-6E8A-4147-A177-3AD203B41FA5}">
-                      <a16:colId xmlns:a16="http://schemas.microsoft.com/office/drawing/2014/main" val="2852005123"/>
+                      <a16:colId xmlns:a16="http://schemas.microsoft.com/office/drawing/2014/main" val="4262169714"/>
                     </a:ext>
                   </a:extLst>
                 </a:gridCol>
                 <a:gridCol w="2709333">
                   <a:extLst>
                     <a:ext uri="{9D8B030D-6E8A-4147-A177-3AD203B41FA5}">
-                      <a16:colId xmlns:a16="http://schemas.microsoft.com/office/drawing/2014/main" val="2076152527"/>
+                      <a16:colId xmlns:a16="http://schemas.microsoft.com/office/drawing/2014/main" val="4166216655"/>
                     </a:ext>
                   </a:extLst>
                 </a:gridCol>
@@ -5746,7 +4394,7 @@
                 </a:tc>
                 <a:extLst>
                   <a:ext uri="{0D108BD9-81ED-4DB2-BD59-A6C34878D82A}">
-                    <a16:rowId xmlns:a16="http://schemas.microsoft.com/office/drawing/2014/main" val="3808015986"/>
+                    <a16:rowId xmlns:a16="http://schemas.microsoft.com/office/drawing/2014/main" val="4234253927"/>
                   </a:ext>
                 </a:extLst>
               </a:tr>
@@ -5792,7 +4440,7 @@
                 </a:tc>
                 <a:extLst>
                   <a:ext uri="{0D108BD9-81ED-4DB2-BD59-A6C34878D82A}">
-                    <a16:rowId xmlns:a16="http://schemas.microsoft.com/office/drawing/2014/main" val="3625312855"/>
+                    <a16:rowId xmlns:a16="http://schemas.microsoft.com/office/drawing/2014/main" val="622791610"/>
                   </a:ext>
                 </a:extLst>
               </a:tr>
@@ -5838,7 +4486,7 @@
                 </a:tc>
                 <a:extLst>
                   <a:ext uri="{0D108BD9-81ED-4DB2-BD59-A6C34878D82A}">
-                    <a16:rowId xmlns:a16="http://schemas.microsoft.com/office/drawing/2014/main" val="2995708850"/>
+                    <a16:rowId xmlns:a16="http://schemas.microsoft.com/office/drawing/2014/main" val="1653438559"/>
                   </a:ext>
                 </a:extLst>
               </a:tr>
@@ -5846,396 +4494,43 @@
           </a:graphicData>
         </a:graphic>
       </p:graphicFrame>
-      <p:graphicFrame>
-        <p:nvGraphicFramePr>
-          <p:cNvPr id="3" name="Table 2">
-            <a:extLst>
-              <a:ext uri="{FF2B5EF4-FFF2-40B4-BE49-F238E27FC236}">
-                <a16:creationId xmlns:a16="http://schemas.microsoft.com/office/drawing/2014/main" id="{390421B4-BDA9-4B38-B6FB-004BDA42838A}"/>
-              </a:ext>
-            </a:extLst>
-          </p:cNvPr>
-          <p:cNvGraphicFramePr>
-            <a:graphicFrameLocks noGrp="1"/>
-          </p:cNvGraphicFramePr>
-          <p:nvPr>
-            <p:extLst>
-              <p:ext uri="{D42A27DB-BD31-4B8C-83A1-F6EECF244321}">
-                <p14:modId xmlns:p14="http://schemas.microsoft.com/office/powerpoint/2010/main" val="3552803943"/>
-              </p:ext>
-            </p:extLst>
-          </p:nvPr>
-        </p:nvGraphicFramePr>
-        <p:xfrm>
-          <a:off x="2032000" y="719666"/>
-          <a:ext cx="8128000" cy="5418667"/>
-        </p:xfrm>
-        <a:graphic>
-          <a:graphicData uri="http://schemas.openxmlformats.org/drawingml/2006/table">
-            <a:tbl>
-              <a:tblPr firstRow="1" bandRow="1">
-                <a:tableStyleId>{5C22544A-7EE6-4342-B048-85BDC9FD1C3A}</a:tableStyleId>
-              </a:tblPr>
-              <a:tblGrid>
-                <a:gridCol w="2709333">
-                  <a:extLst>
-                    <a:ext uri="{9D8B030D-6E8A-4147-A177-3AD203B41FA5}">
-                      <a16:colId xmlns:a16="http://schemas.microsoft.com/office/drawing/2014/main" val="54348564"/>
-                    </a:ext>
-                  </a:extLst>
-                </a:gridCol>
-                <a:gridCol w="2709333">
-                  <a:extLst>
-                    <a:ext uri="{9D8B030D-6E8A-4147-A177-3AD203B41FA5}">
-                      <a16:colId xmlns:a16="http://schemas.microsoft.com/office/drawing/2014/main" val="2614364924"/>
-                    </a:ext>
-                  </a:extLst>
-                </a:gridCol>
-                <a:gridCol w="2709333">
-                  <a:extLst>
-                    <a:ext uri="{9D8B030D-6E8A-4147-A177-3AD203B41FA5}">
-                      <a16:colId xmlns:a16="http://schemas.microsoft.com/office/drawing/2014/main" val="3772840628"/>
-                    </a:ext>
-                  </a:extLst>
-                </a:gridCol>
-              </a:tblGrid>
-              <a:tr h="370840">
-                <a:tc>
-                  <a:txBody>
-                    <a:bodyPr/>
-                    <a:lstStyle/>
-                    <a:p>
-                      <a:r>
-                        <a:rPr lang="en-US"/>
-                        <a:t>Risk Description</a:t>
-                      </a:r>
-                    </a:p>
-                  </a:txBody>
-                  <a:tcPr/>
-                </a:tc>
-                <a:tc>
-                  <a:txBody>
-                    <a:bodyPr/>
-                    <a:lstStyle/>
-                    <a:p>
-                      <a:r>
-                        <a:rPr lang="en-US"/>
-                        <a:t>Severity</a:t>
-                      </a:r>
-                    </a:p>
-                  </a:txBody>
-                  <a:tcPr/>
-                </a:tc>
-                <a:tc>
-                  <a:txBody>
-                    <a:bodyPr/>
-                    <a:lstStyle/>
-                    <a:p>
-                      <a:r>
-                        <a:rPr lang="en-US"/>
-                        <a:t>Owner</a:t>
-                      </a:r>
-                    </a:p>
-                  </a:txBody>
-                  <a:tcPr/>
-                </a:tc>
-                <a:extLst>
-                  <a:ext uri="{0D108BD9-81ED-4DB2-BD59-A6C34878D82A}">
-                    <a16:rowId xmlns:a16="http://schemas.microsoft.com/office/drawing/2014/main" val="1137461035"/>
-                  </a:ext>
-                </a:extLst>
-              </a:tr>
-              <a:tr h="370840">
-                <a:tc>
-                  <a:txBody>
-                    <a:bodyPr/>
-                    <a:lstStyle/>
-                    <a:p>
-                      <a:r>
-                        <a:rPr lang="en-US"/>
-                        <a:t>If something happens, then something bad will happen to the program</a:t>
-                      </a:r>
-                    </a:p>
-                  </a:txBody>
-                  <a:tcPr/>
-                </a:tc>
-                <a:tc>
-                  <a:txBody>
-                    <a:bodyPr/>
-                    <a:lstStyle/>
-                    <a:p>
-                      <a:r>
-                        <a:rPr lang="en-US"/>
-                        <a:t>High</a:t>
-                      </a:r>
-                    </a:p>
-                  </a:txBody>
-                  <a:tcPr/>
-                </a:tc>
-                <a:tc>
-                  <a:txBody>
-                    <a:bodyPr/>
-                    <a:lstStyle/>
-                    <a:p>
-                      <a:r>
-                        <a:rPr lang="en-US"/>
-                        <a:t>Elevate Bot</a:t>
-                      </a:r>
-                    </a:p>
-                  </a:txBody>
-                  <a:tcPr/>
-                </a:tc>
-                <a:extLst>
-                  <a:ext uri="{0D108BD9-81ED-4DB2-BD59-A6C34878D82A}">
-                    <a16:rowId xmlns:a16="http://schemas.microsoft.com/office/drawing/2014/main" val="177013359"/>
-                  </a:ext>
-                </a:extLst>
-              </a:tr>
-              <a:tr h="370840">
-                <a:tc>
-                  <a:txBody>
-                    <a:bodyPr/>
-                    <a:lstStyle/>
-                    <a:p>
-                      <a:r>
-                        <a:rPr lang="en-US"/>
-                        <a:t>If the bot gets a mind of its own, then we will need to kill it</a:t>
-                      </a:r>
-                    </a:p>
-                  </a:txBody>
-                  <a:tcPr/>
-                </a:tc>
-                <a:tc>
-                  <a:txBody>
-                    <a:bodyPr/>
-                    <a:lstStyle/>
-                    <a:p>
-                      <a:r>
-                        <a:rPr lang="en-US"/>
-                        <a:t>Medium</a:t>
-                      </a:r>
-                    </a:p>
-                  </a:txBody>
-                  <a:tcPr/>
-                </a:tc>
-                <a:tc>
-                  <a:txBody>
-                    <a:bodyPr/>
-                    <a:lstStyle/>
-                    <a:p>
-                      <a:r>
-                        <a:rPr lang="en-US"/>
-                        <a:t>Elevate Bot</a:t>
-                      </a:r>
-                    </a:p>
-                  </a:txBody>
-                  <a:tcPr/>
-                </a:tc>
-                <a:extLst>
-                  <a:ext uri="{0D108BD9-81ED-4DB2-BD59-A6C34878D82A}">
-                    <a16:rowId xmlns:a16="http://schemas.microsoft.com/office/drawing/2014/main" val="3226826857"/>
-                  </a:ext>
-                </a:extLst>
-              </a:tr>
-            </a:tbl>
-          </a:graphicData>
-        </a:graphic>
-      </p:graphicFrame>
-      <p:graphicFrame>
-        <p:nvGraphicFramePr>
-          <p:cNvPr id="8" name="Table 7">
-            <a:extLst>
-              <a:ext uri="{FF2B5EF4-FFF2-40B4-BE49-F238E27FC236}">
-                <a16:creationId xmlns:a16="http://schemas.microsoft.com/office/drawing/2014/main" id="{ED9D793B-D941-4690-9AB3-4BC858F2DBA8}"/>
-              </a:ext>
-            </a:extLst>
-          </p:cNvPr>
-          <p:cNvGraphicFramePr>
-            <a:graphicFrameLocks noGrp="1"/>
-          </p:cNvGraphicFramePr>
-          <p:nvPr>
-            <p:extLst>
-              <p:ext uri="{D42A27DB-BD31-4B8C-83A1-F6EECF244321}">
-                <p14:modId xmlns:p14="http://schemas.microsoft.com/office/powerpoint/2010/main" val="1518026304"/>
-              </p:ext>
-            </p:extLst>
-          </p:nvPr>
-        </p:nvGraphicFramePr>
-        <p:xfrm>
-          <a:off x="2032000" y="719666"/>
-          <a:ext cx="8128000" cy="5418667"/>
-        </p:xfrm>
-        <a:graphic>
-          <a:graphicData uri="http://schemas.openxmlformats.org/drawingml/2006/table">
-            <a:tbl>
-              <a:tblPr firstRow="1" bandRow="1">
-                <a:tableStyleId>{5C22544A-7EE6-4342-B048-85BDC9FD1C3A}</a:tableStyleId>
-              </a:tblPr>
-              <a:tblGrid>
-                <a:gridCol w="2709333">
-                  <a:extLst>
-                    <a:ext uri="{9D8B030D-6E8A-4147-A177-3AD203B41FA5}">
-                      <a16:colId xmlns:a16="http://schemas.microsoft.com/office/drawing/2014/main" val="1536174750"/>
-                    </a:ext>
-                  </a:extLst>
-                </a:gridCol>
-                <a:gridCol w="2709333">
-                  <a:extLst>
-                    <a:ext uri="{9D8B030D-6E8A-4147-A177-3AD203B41FA5}">
-                      <a16:colId xmlns:a16="http://schemas.microsoft.com/office/drawing/2014/main" val="2521029730"/>
-                    </a:ext>
-                  </a:extLst>
-                </a:gridCol>
-                <a:gridCol w="2709333">
-                  <a:extLst>
-                    <a:ext uri="{9D8B030D-6E8A-4147-A177-3AD203B41FA5}">
-                      <a16:colId xmlns:a16="http://schemas.microsoft.com/office/drawing/2014/main" val="165756356"/>
-                    </a:ext>
-                  </a:extLst>
-                </a:gridCol>
-              </a:tblGrid>
-              <a:tr h="370840">
-                <a:tc>
-                  <a:txBody>
-                    <a:bodyPr/>
-                    <a:lstStyle/>
-                    <a:p>
-                      <a:r>
-                        <a:rPr lang="en-US"/>
-                        <a:t>Risk Description</a:t>
-                      </a:r>
-                    </a:p>
-                  </a:txBody>
-                  <a:tcPr/>
-                </a:tc>
-                <a:tc>
-                  <a:txBody>
-                    <a:bodyPr/>
-                    <a:lstStyle/>
-                    <a:p>
-                      <a:r>
-                        <a:rPr lang="en-US"/>
-                        <a:t>Severity</a:t>
-                      </a:r>
-                    </a:p>
-                  </a:txBody>
-                  <a:tcPr/>
-                </a:tc>
-                <a:tc>
-                  <a:txBody>
-                    <a:bodyPr/>
-                    <a:lstStyle/>
-                    <a:p>
-                      <a:r>
-                        <a:rPr lang="en-US"/>
-                        <a:t>Owner</a:t>
-                      </a:r>
-                    </a:p>
-                  </a:txBody>
-                  <a:tcPr/>
-                </a:tc>
-                <a:extLst>
-                  <a:ext uri="{0D108BD9-81ED-4DB2-BD59-A6C34878D82A}">
-                    <a16:rowId xmlns:a16="http://schemas.microsoft.com/office/drawing/2014/main" val="1882771979"/>
-                  </a:ext>
-                </a:extLst>
-              </a:tr>
-              <a:tr h="370840">
-                <a:tc>
-                  <a:txBody>
-                    <a:bodyPr/>
-                    <a:lstStyle/>
-                    <a:p>
-                      <a:r>
-                        <a:rPr lang="en-US"/>
-                        <a:t>If something happens, then something bad will happen to the program</a:t>
-                      </a:r>
-                    </a:p>
-                  </a:txBody>
-                  <a:tcPr/>
-                </a:tc>
-                <a:tc>
-                  <a:txBody>
-                    <a:bodyPr/>
-                    <a:lstStyle/>
-                    <a:p>
-                      <a:r>
-                        <a:rPr lang="en-US"/>
-                        <a:t>High</a:t>
-                      </a:r>
-                    </a:p>
-                  </a:txBody>
-                  <a:tcPr/>
-                </a:tc>
-                <a:tc>
-                  <a:txBody>
-                    <a:bodyPr/>
-                    <a:lstStyle/>
-                    <a:p>
-                      <a:r>
-                        <a:rPr lang="en-US"/>
-                        <a:t>Elevate Bot</a:t>
-                      </a:r>
-                    </a:p>
-                  </a:txBody>
-                  <a:tcPr/>
-                </a:tc>
-                <a:extLst>
-                  <a:ext uri="{0D108BD9-81ED-4DB2-BD59-A6C34878D82A}">
-                    <a16:rowId xmlns:a16="http://schemas.microsoft.com/office/drawing/2014/main" val="3774382050"/>
-                  </a:ext>
-                </a:extLst>
-              </a:tr>
-              <a:tr h="370840">
-                <a:tc>
-                  <a:txBody>
-                    <a:bodyPr/>
-                    <a:lstStyle/>
-                    <a:p>
-                      <a:r>
-                        <a:rPr lang="en-US"/>
-                        <a:t>If the bot gets a mind of its own, then we will need to kill it</a:t>
-                      </a:r>
-                    </a:p>
-                  </a:txBody>
-                  <a:tcPr/>
-                </a:tc>
-                <a:tc>
-                  <a:txBody>
-                    <a:bodyPr/>
-                    <a:lstStyle/>
-                    <a:p>
-                      <a:r>
-                        <a:rPr lang="en-US"/>
-                        <a:t>Medium</a:t>
-                      </a:r>
-                    </a:p>
-                  </a:txBody>
-                  <a:tcPr/>
-                </a:tc>
-                <a:tc>
-                  <a:txBody>
-                    <a:bodyPr/>
-                    <a:lstStyle/>
-                    <a:p>
-                      <a:r>
-                        <a:rPr lang="en-US"/>
-                        <a:t>Elevate Bot</a:t>
-                      </a:r>
-                    </a:p>
-                  </a:txBody>
-                  <a:tcPr/>
-                </a:tc>
-                <a:extLst>
-                  <a:ext uri="{0D108BD9-81ED-4DB2-BD59-A6C34878D82A}">
-                    <a16:rowId xmlns:a16="http://schemas.microsoft.com/office/drawing/2014/main" val="674042823"/>
-                  </a:ext>
-                </a:extLst>
-              </a:tr>
-            </a:tbl>
-          </a:graphicData>
-        </a:graphic>
-      </p:graphicFrame>
+      <p:sp>
+        <p:nvSpPr>
+          <p:cNvPr id="3" name="TextBox 2">
+            <a:extLst>
+              <a:ext uri="{FF2B5EF4-FFF2-40B4-BE49-F238E27FC236}">
+                <a16:creationId xmlns:a16="http://schemas.microsoft.com/office/drawing/2014/main" id="{8454804D-6D67-4783-9989-2DA3BE0E6182}"/>
+              </a:ext>
+            </a:extLst>
+          </p:cNvPr>
+          <p:cNvSpPr txBox="1"/>
+          <p:nvPr/>
+        </p:nvSpPr>
+        <p:spPr>
+          <a:xfrm>
+            <a:off x="381000" y="381000"/>
+            <a:ext cx="4318000" cy="954107"/>
+          </a:xfrm>
+          <a:prstGeom prst="rect">
+            <a:avLst/>
+          </a:prstGeom>
+          <a:noFill/>
+        </p:spPr>
+        <p:txBody>
+          <a:bodyPr vert="horz" rtlCol="0">
+            <a:spAutoFit/>
+          </a:bodyPr>
+          <a:lstStyle/>
+          <a:p>
+            <a:r>
+              <a:rPr lang="en-US" sz="2800">
+                <a:latin typeface="Calibri" panose="020F0502020204030204" pitchFamily="34" charset="0"/>
+              </a:rPr>
+              <a:t>Risk Register as of  - 04/16/20</a:t>
+            </a:r>
+          </a:p>
+        </p:txBody>
+      </p:sp>
     </p:spTree>
     <p:extLst>
       <p:ext uri="{BB962C8B-B14F-4D97-AF65-F5344CB8AC3E}">

--- a/Data/Input/Robotic Process Automation PMO.pptx
+++ b/Data/Input/Robotic Process Automation PMO.pptx
@@ -272,7 +272,7 @@
           <a:p>
             <a:fld id="{31D2A231-A7A4-4168-91EA-2B6389CA866E}" type="datetimeFigureOut">
               <a:rPr lang="en-US" smtClean="0"/>
-              <a:t>4/16/2020</a:t>
+              <a:t>4/17/2020</a:t>
             </a:fld>
             <a:endParaRPr lang="en-US"/>
           </a:p>
@@ -470,7 +470,7 @@
           <a:p>
             <a:fld id="{31D2A231-A7A4-4168-91EA-2B6389CA866E}" type="datetimeFigureOut">
               <a:rPr lang="en-US" smtClean="0"/>
-              <a:t>4/16/2020</a:t>
+              <a:t>4/17/2020</a:t>
             </a:fld>
             <a:endParaRPr lang="en-US"/>
           </a:p>
@@ -678,7 +678,7 @@
           <a:p>
             <a:fld id="{31D2A231-A7A4-4168-91EA-2B6389CA866E}" type="datetimeFigureOut">
               <a:rPr lang="en-US" smtClean="0"/>
-              <a:t>4/16/2020</a:t>
+              <a:t>4/17/2020</a:t>
             </a:fld>
             <a:endParaRPr lang="en-US"/>
           </a:p>
@@ -876,7 +876,7 @@
           <a:p>
             <a:fld id="{31D2A231-A7A4-4168-91EA-2B6389CA866E}" type="datetimeFigureOut">
               <a:rPr lang="en-US" smtClean="0"/>
-              <a:t>4/16/2020</a:t>
+              <a:t>4/17/2020</a:t>
             </a:fld>
             <a:endParaRPr lang="en-US"/>
           </a:p>
@@ -1151,7 +1151,7 @@
           <a:p>
             <a:fld id="{31D2A231-A7A4-4168-91EA-2B6389CA866E}" type="datetimeFigureOut">
               <a:rPr lang="en-US" smtClean="0"/>
-              <a:t>4/16/2020</a:t>
+              <a:t>4/17/2020</a:t>
             </a:fld>
             <a:endParaRPr lang="en-US"/>
           </a:p>
@@ -1416,7 +1416,7 @@
           <a:p>
             <a:fld id="{31D2A231-A7A4-4168-91EA-2B6389CA866E}" type="datetimeFigureOut">
               <a:rPr lang="en-US" smtClean="0"/>
-              <a:t>4/16/2020</a:t>
+              <a:t>4/17/2020</a:t>
             </a:fld>
             <a:endParaRPr lang="en-US"/>
           </a:p>
@@ -1828,7 +1828,7 @@
           <a:p>
             <a:fld id="{31D2A231-A7A4-4168-91EA-2B6389CA866E}" type="datetimeFigureOut">
               <a:rPr lang="en-US" smtClean="0"/>
-              <a:t>4/16/2020</a:t>
+              <a:t>4/17/2020</a:t>
             </a:fld>
             <a:endParaRPr lang="en-US"/>
           </a:p>
@@ -1969,7 +1969,7 @@
           <a:p>
             <a:fld id="{31D2A231-A7A4-4168-91EA-2B6389CA866E}" type="datetimeFigureOut">
               <a:rPr lang="en-US" smtClean="0"/>
-              <a:t>4/16/2020</a:t>
+              <a:t>4/17/2020</a:t>
             </a:fld>
             <a:endParaRPr lang="en-US"/>
           </a:p>
@@ -2082,7 +2082,7 @@
           <a:p>
             <a:fld id="{31D2A231-A7A4-4168-91EA-2B6389CA866E}" type="datetimeFigureOut">
               <a:rPr lang="en-US" smtClean="0"/>
-              <a:t>4/16/2020</a:t>
+              <a:t>4/17/2020</a:t>
             </a:fld>
             <a:endParaRPr lang="en-US"/>
           </a:p>
@@ -2393,7 +2393,7 @@
           <a:p>
             <a:fld id="{31D2A231-A7A4-4168-91EA-2B6389CA866E}" type="datetimeFigureOut">
               <a:rPr lang="en-US" smtClean="0"/>
-              <a:t>4/16/2020</a:t>
+              <a:t>4/17/2020</a:t>
             </a:fld>
             <a:endParaRPr lang="en-US"/>
           </a:p>
@@ -2681,7 +2681,7 @@
           <a:p>
             <a:fld id="{31D2A231-A7A4-4168-91EA-2B6389CA866E}" type="datetimeFigureOut">
               <a:rPr lang="en-US" smtClean="0"/>
-              <a:t>4/16/2020</a:t>
+              <a:t>4/17/2020</a:t>
             </a:fld>
             <a:endParaRPr lang="en-US"/>
           </a:p>
@@ -2922,7 +2922,7 @@
           <a:p>
             <a:fld id="{31D2A231-A7A4-4168-91EA-2B6389CA866E}" type="datetimeFigureOut">
               <a:rPr lang="en-US" smtClean="0"/>
-              <a:t>4/16/2020</a:t>
+              <a:t>4/17/2020</a:t>
             </a:fld>
             <a:endParaRPr lang="en-US"/>
           </a:p>
@@ -3730,6 +3730,43 @@
           </a:prstGeom>
         </p:spPr>
       </p:pic>
+      <p:sp>
+        <p:nvSpPr>
+          <p:cNvPr id="4" name="TextBox 3">
+            <a:extLst>
+              <a:ext uri="{FF2B5EF4-FFF2-40B4-BE49-F238E27FC236}">
+                <a16:creationId xmlns:a16="http://schemas.microsoft.com/office/drawing/2014/main" id="{B7A1CFB2-B162-4AE4-A9A4-0EBE87D2087A}"/>
+              </a:ext>
+            </a:extLst>
+          </p:cNvPr>
+          <p:cNvSpPr txBox="1"/>
+          <p:nvPr/>
+        </p:nvSpPr>
+        <p:spPr>
+          <a:xfrm>
+            <a:off x="5308603" y="4365937"/>
+            <a:ext cx="2346839" cy="523220"/>
+          </a:xfrm>
+          <a:prstGeom prst="rect">
+            <a:avLst/>
+          </a:prstGeom>
+          <a:noFill/>
+        </p:spPr>
+        <p:txBody>
+          <a:bodyPr vert="horz" wrap="square" rtlCol="0">
+            <a:spAutoFit/>
+          </a:bodyPr>
+          <a:lstStyle/>
+          <a:p>
+            <a:r>
+              <a:rPr lang="en-US" sz="2800" dirty="0">
+                <a:latin typeface="Calibri" panose="020F0502020204030204" pitchFamily="34" charset="0"/>
+              </a:rPr>
+              <a:t>04/17/20</a:t>
+            </a:r>
+          </a:p>
+        </p:txBody>
+      </p:sp>
     </p:spTree>
     <p:extLst>
       <p:ext uri="{BB962C8B-B14F-4D97-AF65-F5344CB8AC3E}">
@@ -3926,7 +3963,7 @@
           <p:cNvPr id="3" name="Table 2">
             <a:extLst>
               <a:ext uri="{FF2B5EF4-FFF2-40B4-BE49-F238E27FC236}">
-                <a16:creationId xmlns:a16="http://schemas.microsoft.com/office/drawing/2014/main" id="{B993B679-EF17-4BB9-98F3-BA04BE888095}"/>
+                <a16:creationId xmlns:a16="http://schemas.microsoft.com/office/drawing/2014/main" id="{3E54A297-08A9-4CF2-83FF-3D54E64D7A84}"/>
               </a:ext>
             </a:extLst>
           </p:cNvPr>
@@ -3936,7 +3973,7 @@
           <p:nvPr>
             <p:extLst>
               <p:ext uri="{D42A27DB-BD31-4B8C-83A1-F6EECF244321}">
-                <p14:modId xmlns:p14="http://schemas.microsoft.com/office/powerpoint/2010/main" val="746748072"/>
+                <p14:modId xmlns:p14="http://schemas.microsoft.com/office/powerpoint/2010/main" val="1675884246"/>
               </p:ext>
             </p:extLst>
           </p:nvPr>
@@ -3955,14 +3992,14 @@
                 <a:gridCol w="4064000">
                   <a:extLst>
                     <a:ext uri="{9D8B030D-6E8A-4147-A177-3AD203B41FA5}">
-                      <a16:colId xmlns:a16="http://schemas.microsoft.com/office/drawing/2014/main" val="455180586"/>
+                      <a16:colId xmlns:a16="http://schemas.microsoft.com/office/drawing/2014/main" val="940738598"/>
                     </a:ext>
                   </a:extLst>
                 </a:gridCol>
                 <a:gridCol w="4064000">
                   <a:extLst>
                     <a:ext uri="{9D8B030D-6E8A-4147-A177-3AD203B41FA5}">
-                      <a16:colId xmlns:a16="http://schemas.microsoft.com/office/drawing/2014/main" val="4132905458"/>
+                      <a16:colId xmlns:a16="http://schemas.microsoft.com/office/drawing/2014/main" val="226429898"/>
                     </a:ext>
                   </a:extLst>
                 </a:gridCol>
@@ -3996,7 +4033,7 @@
                 </a:tc>
                 <a:extLst>
                   <a:ext uri="{0D108BD9-81ED-4DB2-BD59-A6C34878D82A}">
-                    <a16:rowId xmlns:a16="http://schemas.microsoft.com/office/drawing/2014/main" val="4262069997"/>
+                    <a16:rowId xmlns:a16="http://schemas.microsoft.com/office/drawing/2014/main" val="1954278732"/>
                   </a:ext>
                 </a:extLst>
               </a:tr>
@@ -4029,7 +4066,7 @@
                 </a:tc>
                 <a:extLst>
                   <a:ext uri="{0D108BD9-81ED-4DB2-BD59-A6C34878D82A}">
-                    <a16:rowId xmlns:a16="http://schemas.microsoft.com/office/drawing/2014/main" val="2548333306"/>
+                    <a16:rowId xmlns:a16="http://schemas.microsoft.com/office/drawing/2014/main" val="2236358197"/>
                   </a:ext>
                 </a:extLst>
               </a:tr>
@@ -4062,7 +4099,7 @@
                 </a:tc>
                 <a:extLst>
                   <a:ext uri="{0D108BD9-81ED-4DB2-BD59-A6C34878D82A}">
-                    <a16:rowId xmlns:a16="http://schemas.microsoft.com/office/drawing/2014/main" val="261747566"/>
+                    <a16:rowId xmlns:a16="http://schemas.microsoft.com/office/drawing/2014/main" val="3363156303"/>
                   </a:ext>
                 </a:extLst>
               </a:tr>
@@ -4075,7 +4112,7 @@
           <p:cNvPr id="6" name="TextBox 5">
             <a:extLst>
               <a:ext uri="{FF2B5EF4-FFF2-40B4-BE49-F238E27FC236}">
-                <a16:creationId xmlns:a16="http://schemas.microsoft.com/office/drawing/2014/main" id="{63CF1A6C-6FDE-4AD9-AC3B-F37F72D26B19}"/>
+                <a16:creationId xmlns:a16="http://schemas.microsoft.com/office/drawing/2014/main" id="{C749FBA6-E634-48DD-8466-5D0DB1255A78}"/>
               </a:ext>
             </a:extLst>
           </p:cNvPr>
@@ -4102,7 +4139,7 @@
               <a:rPr lang="en-US" sz="2800">
                 <a:latin typeface="Calibri" panose="020F0502020204030204" pitchFamily="34" charset="0"/>
               </a:rPr>
-              <a:t>Accomplishments for Week of 04/09/20 - 04/16/20</a:t>
+              <a:t>Accomplishments for Week of 04/10/20 - 04/17/20</a:t>
             </a:r>
           </a:p>
         </p:txBody>
@@ -4304,7 +4341,7 @@
           <p:cNvPr id="2" name="Table 1">
             <a:extLst>
               <a:ext uri="{FF2B5EF4-FFF2-40B4-BE49-F238E27FC236}">
-                <a16:creationId xmlns:a16="http://schemas.microsoft.com/office/drawing/2014/main" id="{73D32276-1FAC-4761-8F29-B39E8BEC628A}"/>
+                <a16:creationId xmlns:a16="http://schemas.microsoft.com/office/drawing/2014/main" id="{E38E412B-5F3A-452A-B7E2-C06BABCB87F6}"/>
               </a:ext>
             </a:extLst>
           </p:cNvPr>
@@ -4314,7 +4351,7 @@
           <p:nvPr>
             <p:extLst>
               <p:ext uri="{D42A27DB-BD31-4B8C-83A1-F6EECF244321}">
-                <p14:modId xmlns:p14="http://schemas.microsoft.com/office/powerpoint/2010/main" val="222078305"/>
+                <p14:modId xmlns:p14="http://schemas.microsoft.com/office/powerpoint/2010/main" val="4273989262"/>
               </p:ext>
             </p:extLst>
           </p:nvPr>
@@ -4333,21 +4370,21 @@
                 <a:gridCol w="2709333">
                   <a:extLst>
                     <a:ext uri="{9D8B030D-6E8A-4147-A177-3AD203B41FA5}">
-                      <a16:colId xmlns:a16="http://schemas.microsoft.com/office/drawing/2014/main" val="330366147"/>
+                      <a16:colId xmlns:a16="http://schemas.microsoft.com/office/drawing/2014/main" val="2918782816"/>
                     </a:ext>
                   </a:extLst>
                 </a:gridCol>
                 <a:gridCol w="2709333">
                   <a:extLst>
                     <a:ext uri="{9D8B030D-6E8A-4147-A177-3AD203B41FA5}">
-                      <a16:colId xmlns:a16="http://schemas.microsoft.com/office/drawing/2014/main" val="4262169714"/>
+                      <a16:colId xmlns:a16="http://schemas.microsoft.com/office/drawing/2014/main" val="726043293"/>
                     </a:ext>
                   </a:extLst>
                 </a:gridCol>
                 <a:gridCol w="2709333">
                   <a:extLst>
                     <a:ext uri="{9D8B030D-6E8A-4147-A177-3AD203B41FA5}">
-                      <a16:colId xmlns:a16="http://schemas.microsoft.com/office/drawing/2014/main" val="4166216655"/>
+                      <a16:colId xmlns:a16="http://schemas.microsoft.com/office/drawing/2014/main" val="2350229929"/>
                     </a:ext>
                   </a:extLst>
                 </a:gridCol>
@@ -4394,7 +4431,7 @@
                 </a:tc>
                 <a:extLst>
                   <a:ext uri="{0D108BD9-81ED-4DB2-BD59-A6C34878D82A}">
-                    <a16:rowId xmlns:a16="http://schemas.microsoft.com/office/drawing/2014/main" val="4234253927"/>
+                    <a16:rowId xmlns:a16="http://schemas.microsoft.com/office/drawing/2014/main" val="2709644015"/>
                   </a:ext>
                 </a:extLst>
               </a:tr>
@@ -4440,7 +4477,7 @@
                 </a:tc>
                 <a:extLst>
                   <a:ext uri="{0D108BD9-81ED-4DB2-BD59-A6C34878D82A}">
-                    <a16:rowId xmlns:a16="http://schemas.microsoft.com/office/drawing/2014/main" val="622791610"/>
+                    <a16:rowId xmlns:a16="http://schemas.microsoft.com/office/drawing/2014/main" val="1420891702"/>
                   </a:ext>
                 </a:extLst>
               </a:tr>
@@ -4486,7 +4523,7 @@
                 </a:tc>
                 <a:extLst>
                   <a:ext uri="{0D108BD9-81ED-4DB2-BD59-A6C34878D82A}">
-                    <a16:rowId xmlns:a16="http://schemas.microsoft.com/office/drawing/2014/main" val="1653438559"/>
+                    <a16:rowId xmlns:a16="http://schemas.microsoft.com/office/drawing/2014/main" val="425749597"/>
                   </a:ext>
                 </a:extLst>
               </a:tr>
@@ -4499,7 +4536,7 @@
           <p:cNvPr id="3" name="TextBox 2">
             <a:extLst>
               <a:ext uri="{FF2B5EF4-FFF2-40B4-BE49-F238E27FC236}">
-                <a16:creationId xmlns:a16="http://schemas.microsoft.com/office/drawing/2014/main" id="{8454804D-6D67-4783-9989-2DA3BE0E6182}"/>
+                <a16:creationId xmlns:a16="http://schemas.microsoft.com/office/drawing/2014/main" id="{28F0A1B1-5BD5-4F25-A68E-1192151B2944}"/>
               </a:ext>
             </a:extLst>
           </p:cNvPr>
@@ -4526,7 +4563,7 @@
               <a:rPr lang="en-US" sz="2800">
                 <a:latin typeface="Calibri" panose="020F0502020204030204" pitchFamily="34" charset="0"/>
               </a:rPr>
-              <a:t>Risk Register as of  - 04/16/20</a:t>
+              <a:t>Risk Register as of  - 04/17/20</a:t>
             </a:r>
           </a:p>
         </p:txBody>

--- a/Data/Input/Robotic Process Automation PMO.pptx
+++ b/Data/Input/Robotic Process Automation PMO.pptx
@@ -3730,43 +3730,6 @@
           </a:prstGeom>
         </p:spPr>
       </p:pic>
-      <p:sp>
-        <p:nvSpPr>
-          <p:cNvPr id="4" name="TextBox 3">
-            <a:extLst>
-              <a:ext uri="{FF2B5EF4-FFF2-40B4-BE49-F238E27FC236}">
-                <a16:creationId xmlns:a16="http://schemas.microsoft.com/office/drawing/2014/main" id="{B7A1CFB2-B162-4AE4-A9A4-0EBE87D2087A}"/>
-              </a:ext>
-            </a:extLst>
-          </p:cNvPr>
-          <p:cNvSpPr txBox="1"/>
-          <p:nvPr/>
-        </p:nvSpPr>
-        <p:spPr>
-          <a:xfrm>
-            <a:off x="5308603" y="4365937"/>
-            <a:ext cx="2346839" cy="523220"/>
-          </a:xfrm>
-          <a:prstGeom prst="rect">
-            <a:avLst/>
-          </a:prstGeom>
-          <a:noFill/>
-        </p:spPr>
-        <p:txBody>
-          <a:bodyPr vert="horz" wrap="square" rtlCol="0">
-            <a:spAutoFit/>
-          </a:bodyPr>
-          <a:lstStyle/>
-          <a:p>
-            <a:r>
-              <a:rPr lang="en-US" sz="2800" dirty="0">
-                <a:latin typeface="Calibri" panose="020F0502020204030204" pitchFamily="34" charset="0"/>
-              </a:rPr>
-              <a:t>04/17/20</a:t>
-            </a:r>
-          </a:p>
-        </p:txBody>
-      </p:sp>
     </p:spTree>
     <p:extLst>
       <p:ext uri="{BB962C8B-B14F-4D97-AF65-F5344CB8AC3E}">
@@ -3958,192 +3921,6 @@
           </a:prstGeom>
         </p:spPr>
       </p:pic>
-      <p:graphicFrame>
-        <p:nvGraphicFramePr>
-          <p:cNvPr id="3" name="Table 2">
-            <a:extLst>
-              <a:ext uri="{FF2B5EF4-FFF2-40B4-BE49-F238E27FC236}">
-                <a16:creationId xmlns:a16="http://schemas.microsoft.com/office/drawing/2014/main" id="{3E54A297-08A9-4CF2-83FF-3D54E64D7A84}"/>
-              </a:ext>
-            </a:extLst>
-          </p:cNvPr>
-          <p:cNvGraphicFramePr>
-            <a:graphicFrameLocks noGrp="1"/>
-          </p:cNvGraphicFramePr>
-          <p:nvPr>
-            <p:extLst>
-              <p:ext uri="{D42A27DB-BD31-4B8C-83A1-F6EECF244321}">
-                <p14:modId xmlns:p14="http://schemas.microsoft.com/office/powerpoint/2010/main" val="1675884246"/>
-              </p:ext>
-            </p:extLst>
-          </p:nvPr>
-        </p:nvGraphicFramePr>
-        <p:xfrm>
-          <a:off x="2032000" y="719666"/>
-          <a:ext cx="8128000" cy="5418667"/>
-        </p:xfrm>
-        <a:graphic>
-          <a:graphicData uri="http://schemas.openxmlformats.org/drawingml/2006/table">
-            <a:tbl>
-              <a:tblPr firstRow="1" bandRow="1">
-                <a:tableStyleId>{5C22544A-7EE6-4342-B048-85BDC9FD1C3A}</a:tableStyleId>
-              </a:tblPr>
-              <a:tblGrid>
-                <a:gridCol w="4064000">
-                  <a:extLst>
-                    <a:ext uri="{9D8B030D-6E8A-4147-A177-3AD203B41FA5}">
-                      <a16:colId xmlns:a16="http://schemas.microsoft.com/office/drawing/2014/main" val="940738598"/>
-                    </a:ext>
-                  </a:extLst>
-                </a:gridCol>
-                <a:gridCol w="4064000">
-                  <a:extLst>
-                    <a:ext uri="{9D8B030D-6E8A-4147-A177-3AD203B41FA5}">
-                      <a16:colId xmlns:a16="http://schemas.microsoft.com/office/drawing/2014/main" val="226429898"/>
-                    </a:ext>
-                  </a:extLst>
-                </a:gridCol>
-              </a:tblGrid>
-              <a:tr h="370840">
-                <a:tc>
-                  <a:txBody>
-                    <a:bodyPr/>
-                    <a:lstStyle/>
-                    <a:p>
-                      <a:r>
-                        <a:rPr lang="en-US"/>
-                        <a:t>Summary</a:t>
-                      </a:r>
-                    </a:p>
-                  </a:txBody>
-                  <a:tcPr/>
-                </a:tc>
-                <a:tc>
-                  <a:txBody>
-                    <a:bodyPr/>
-                    <a:lstStyle/>
-                    <a:p>
-                      <a:r>
-                        <a:rPr lang="en-US"/>
-                        <a:t>Assignee</a:t>
-                      </a:r>
-                    </a:p>
-                  </a:txBody>
-                  <a:tcPr/>
-                </a:tc>
-                <a:extLst>
-                  <a:ext uri="{0D108BD9-81ED-4DB2-BD59-A6C34878D82A}">
-                    <a16:rowId xmlns:a16="http://schemas.microsoft.com/office/drawing/2014/main" val="1954278732"/>
-                  </a:ext>
-                </a:extLst>
-              </a:tr>
-              <a:tr h="370840">
-                <a:tc>
-                  <a:txBody>
-                    <a:bodyPr/>
-                    <a:lstStyle/>
-                    <a:p>
-                      <a:r>
-                        <a:rPr lang="en-US"/>
-                        <a:t>Develop Test Case Scenarios</a:t>
-                      </a:r>
-                    </a:p>
-                  </a:txBody>
-                  <a:tcPr/>
-                </a:tc>
-                <a:tc>
-                  <a:txBody>
-                    <a:bodyPr/>
-                    <a:lstStyle/>
-                    <a:p>
-                      <a:r>
-                        <a:rPr lang="en-US"/>
-                        <a:t>elevatebot</a:t>
-                      </a:r>
-                    </a:p>
-                  </a:txBody>
-                  <a:tcPr/>
-                </a:tc>
-                <a:extLst>
-                  <a:ext uri="{0D108BD9-81ED-4DB2-BD59-A6C34878D82A}">
-                    <a16:rowId xmlns:a16="http://schemas.microsoft.com/office/drawing/2014/main" val="2236358197"/>
-                  </a:ext>
-                </a:extLst>
-              </a:tr>
-              <a:tr h="370840">
-                <a:tc>
-                  <a:txBody>
-                    <a:bodyPr/>
-                    <a:lstStyle/>
-                    <a:p>
-                      <a:r>
-                        <a:rPr lang="en-US"/>
-                        <a:t>Create Product Roadmap</a:t>
-                      </a:r>
-                    </a:p>
-                  </a:txBody>
-                  <a:tcPr/>
-                </a:tc>
-                <a:tc>
-                  <a:txBody>
-                    <a:bodyPr/>
-                    <a:lstStyle/>
-                    <a:p>
-                      <a:r>
-                        <a:rPr lang="en-US"/>
-                        <a:t>elevatebot</a:t>
-                      </a:r>
-                    </a:p>
-                  </a:txBody>
-                  <a:tcPr/>
-                </a:tc>
-                <a:extLst>
-                  <a:ext uri="{0D108BD9-81ED-4DB2-BD59-A6C34878D82A}">
-                    <a16:rowId xmlns:a16="http://schemas.microsoft.com/office/drawing/2014/main" val="3363156303"/>
-                  </a:ext>
-                </a:extLst>
-              </a:tr>
-            </a:tbl>
-          </a:graphicData>
-        </a:graphic>
-      </p:graphicFrame>
-      <p:sp>
-        <p:nvSpPr>
-          <p:cNvPr id="6" name="TextBox 5">
-            <a:extLst>
-              <a:ext uri="{FF2B5EF4-FFF2-40B4-BE49-F238E27FC236}">
-                <a16:creationId xmlns:a16="http://schemas.microsoft.com/office/drawing/2014/main" id="{C749FBA6-E634-48DD-8466-5D0DB1255A78}"/>
-              </a:ext>
-            </a:extLst>
-          </p:cNvPr>
-          <p:cNvSpPr txBox="1"/>
-          <p:nvPr/>
-        </p:nvSpPr>
-        <p:spPr>
-          <a:xfrm>
-            <a:off x="381000" y="381000"/>
-            <a:ext cx="4318000" cy="954107"/>
-          </a:xfrm>
-          <a:prstGeom prst="rect">
-            <a:avLst/>
-          </a:prstGeom>
-          <a:noFill/>
-        </p:spPr>
-        <p:txBody>
-          <a:bodyPr vert="horz" rtlCol="0">
-            <a:spAutoFit/>
-          </a:bodyPr>
-          <a:lstStyle/>
-          <a:p>
-            <a:r>
-              <a:rPr lang="en-US" sz="2800">
-                <a:latin typeface="Calibri" panose="020F0502020204030204" pitchFamily="34" charset="0"/>
-              </a:rPr>
-              <a:t>Accomplishments for Week of 04/10/20 - 04/17/20</a:t>
-            </a:r>
-          </a:p>
-        </p:txBody>
-      </p:sp>
     </p:spTree>
     <p:extLst>
       <p:ext uri="{BB962C8B-B14F-4D97-AF65-F5344CB8AC3E}">
@@ -4336,238 +4113,6 @@
           </a:prstGeom>
         </p:spPr>
       </p:pic>
-      <p:graphicFrame>
-        <p:nvGraphicFramePr>
-          <p:cNvPr id="2" name="Table 1">
-            <a:extLst>
-              <a:ext uri="{FF2B5EF4-FFF2-40B4-BE49-F238E27FC236}">
-                <a16:creationId xmlns:a16="http://schemas.microsoft.com/office/drawing/2014/main" id="{E38E412B-5F3A-452A-B7E2-C06BABCB87F6}"/>
-              </a:ext>
-            </a:extLst>
-          </p:cNvPr>
-          <p:cNvGraphicFramePr>
-            <a:graphicFrameLocks noGrp="1"/>
-          </p:cNvGraphicFramePr>
-          <p:nvPr>
-            <p:extLst>
-              <p:ext uri="{D42A27DB-BD31-4B8C-83A1-F6EECF244321}">
-                <p14:modId xmlns:p14="http://schemas.microsoft.com/office/powerpoint/2010/main" val="4273989262"/>
-              </p:ext>
-            </p:extLst>
-          </p:nvPr>
-        </p:nvGraphicFramePr>
-        <p:xfrm>
-          <a:off x="2032000" y="719666"/>
-          <a:ext cx="8128000" cy="5418667"/>
-        </p:xfrm>
-        <a:graphic>
-          <a:graphicData uri="http://schemas.openxmlformats.org/drawingml/2006/table">
-            <a:tbl>
-              <a:tblPr firstRow="1" bandRow="1">
-                <a:tableStyleId>{5C22544A-7EE6-4342-B048-85BDC9FD1C3A}</a:tableStyleId>
-              </a:tblPr>
-              <a:tblGrid>
-                <a:gridCol w="2709333">
-                  <a:extLst>
-                    <a:ext uri="{9D8B030D-6E8A-4147-A177-3AD203B41FA5}">
-                      <a16:colId xmlns:a16="http://schemas.microsoft.com/office/drawing/2014/main" val="2918782816"/>
-                    </a:ext>
-                  </a:extLst>
-                </a:gridCol>
-                <a:gridCol w="2709333">
-                  <a:extLst>
-                    <a:ext uri="{9D8B030D-6E8A-4147-A177-3AD203B41FA5}">
-                      <a16:colId xmlns:a16="http://schemas.microsoft.com/office/drawing/2014/main" val="726043293"/>
-                    </a:ext>
-                  </a:extLst>
-                </a:gridCol>
-                <a:gridCol w="2709333">
-                  <a:extLst>
-                    <a:ext uri="{9D8B030D-6E8A-4147-A177-3AD203B41FA5}">
-                      <a16:colId xmlns:a16="http://schemas.microsoft.com/office/drawing/2014/main" val="2350229929"/>
-                    </a:ext>
-                  </a:extLst>
-                </a:gridCol>
-              </a:tblGrid>
-              <a:tr h="370840">
-                <a:tc>
-                  <a:txBody>
-                    <a:bodyPr/>
-                    <a:lstStyle/>
-                    <a:p>
-                      <a:r>
-                        <a:rPr lang="en-US"/>
-                        <a:t>Risk Description</a:t>
-                      </a:r>
-                    </a:p>
-                  </a:txBody>
-                  <a:tcPr/>
-                </a:tc>
-                <a:tc>
-                  <a:txBody>
-                    <a:bodyPr/>
-                    <a:lstStyle/>
-                    <a:p>
-                      <a:r>
-                        <a:rPr lang="en-US"/>
-                        <a:t>Severity</a:t>
-                      </a:r>
-                    </a:p>
-                  </a:txBody>
-                  <a:tcPr/>
-                </a:tc>
-                <a:tc>
-                  <a:txBody>
-                    <a:bodyPr/>
-                    <a:lstStyle/>
-                    <a:p>
-                      <a:r>
-                        <a:rPr lang="en-US"/>
-                        <a:t>Owner</a:t>
-                      </a:r>
-                    </a:p>
-                  </a:txBody>
-                  <a:tcPr/>
-                </a:tc>
-                <a:extLst>
-                  <a:ext uri="{0D108BD9-81ED-4DB2-BD59-A6C34878D82A}">
-                    <a16:rowId xmlns:a16="http://schemas.microsoft.com/office/drawing/2014/main" val="2709644015"/>
-                  </a:ext>
-                </a:extLst>
-              </a:tr>
-              <a:tr h="370840">
-                <a:tc>
-                  <a:txBody>
-                    <a:bodyPr/>
-                    <a:lstStyle/>
-                    <a:p>
-                      <a:r>
-                        <a:rPr lang="en-US"/>
-                        <a:t>If something happens, then something bad will happen to the program</a:t>
-                      </a:r>
-                    </a:p>
-                  </a:txBody>
-                  <a:tcPr/>
-                </a:tc>
-                <a:tc>
-                  <a:txBody>
-                    <a:bodyPr/>
-                    <a:lstStyle/>
-                    <a:p>
-                      <a:r>
-                        <a:rPr lang="en-US"/>
-                        <a:t>High</a:t>
-                      </a:r>
-                    </a:p>
-                  </a:txBody>
-                  <a:tcPr/>
-                </a:tc>
-                <a:tc>
-                  <a:txBody>
-                    <a:bodyPr/>
-                    <a:lstStyle/>
-                    <a:p>
-                      <a:r>
-                        <a:rPr lang="en-US"/>
-                        <a:t>Elevate Bot</a:t>
-                      </a:r>
-                    </a:p>
-                  </a:txBody>
-                  <a:tcPr/>
-                </a:tc>
-                <a:extLst>
-                  <a:ext uri="{0D108BD9-81ED-4DB2-BD59-A6C34878D82A}">
-                    <a16:rowId xmlns:a16="http://schemas.microsoft.com/office/drawing/2014/main" val="1420891702"/>
-                  </a:ext>
-                </a:extLst>
-              </a:tr>
-              <a:tr h="370840">
-                <a:tc>
-                  <a:txBody>
-                    <a:bodyPr/>
-                    <a:lstStyle/>
-                    <a:p>
-                      <a:r>
-                        <a:rPr lang="en-US"/>
-                        <a:t>If the bot gets a mind of its own, then we will need to kill it</a:t>
-                      </a:r>
-                    </a:p>
-                  </a:txBody>
-                  <a:tcPr/>
-                </a:tc>
-                <a:tc>
-                  <a:txBody>
-                    <a:bodyPr/>
-                    <a:lstStyle/>
-                    <a:p>
-                      <a:r>
-                        <a:rPr lang="en-US"/>
-                        <a:t>Medium</a:t>
-                      </a:r>
-                    </a:p>
-                  </a:txBody>
-                  <a:tcPr/>
-                </a:tc>
-                <a:tc>
-                  <a:txBody>
-                    <a:bodyPr/>
-                    <a:lstStyle/>
-                    <a:p>
-                      <a:r>
-                        <a:rPr lang="en-US"/>
-                        <a:t>Elevate Bot</a:t>
-                      </a:r>
-                    </a:p>
-                  </a:txBody>
-                  <a:tcPr/>
-                </a:tc>
-                <a:extLst>
-                  <a:ext uri="{0D108BD9-81ED-4DB2-BD59-A6C34878D82A}">
-                    <a16:rowId xmlns:a16="http://schemas.microsoft.com/office/drawing/2014/main" val="425749597"/>
-                  </a:ext>
-                </a:extLst>
-              </a:tr>
-            </a:tbl>
-          </a:graphicData>
-        </a:graphic>
-      </p:graphicFrame>
-      <p:sp>
-        <p:nvSpPr>
-          <p:cNvPr id="3" name="TextBox 2">
-            <a:extLst>
-              <a:ext uri="{FF2B5EF4-FFF2-40B4-BE49-F238E27FC236}">
-                <a16:creationId xmlns:a16="http://schemas.microsoft.com/office/drawing/2014/main" id="{28F0A1B1-5BD5-4F25-A68E-1192151B2944}"/>
-              </a:ext>
-            </a:extLst>
-          </p:cNvPr>
-          <p:cNvSpPr txBox="1"/>
-          <p:nvPr/>
-        </p:nvSpPr>
-        <p:spPr>
-          <a:xfrm>
-            <a:off x="381000" y="381000"/>
-            <a:ext cx="4318000" cy="954107"/>
-          </a:xfrm>
-          <a:prstGeom prst="rect">
-            <a:avLst/>
-          </a:prstGeom>
-          <a:noFill/>
-        </p:spPr>
-        <p:txBody>
-          <a:bodyPr vert="horz" rtlCol="0">
-            <a:spAutoFit/>
-          </a:bodyPr>
-          <a:lstStyle/>
-          <a:p>
-            <a:r>
-              <a:rPr lang="en-US" sz="2800">
-                <a:latin typeface="Calibri" panose="020F0502020204030204" pitchFamily="34" charset="0"/>
-              </a:rPr>
-              <a:t>Risk Register as of  - 04/17/20</a:t>
-            </a:r>
-          </a:p>
-        </p:txBody>
-      </p:sp>
     </p:spTree>
     <p:extLst>
       <p:ext uri="{BB962C8B-B14F-4D97-AF65-F5344CB8AC3E}">

--- a/Data/Input/Robotic Process Automation PMO.pptx
+++ b/Data/Input/Robotic Process Automation PMO.pptx
@@ -4,6 +4,9 @@
   <p:sldMasterIdLst>
     <p:sldMasterId id="2147483648" r:id="rId1"/>
   </p:sldMasterIdLst>
+  <p:notesMasterIdLst>
+    <p:notesMasterId r:id="rId5"/>
+  </p:notesMasterIdLst>
   <p:sldIdLst>
     <p:sldId id="256" r:id="rId2"/>
     <p:sldId id="257" r:id="rId3"/>
@@ -125,8 +128,357 @@
 </p:presentation>
 </file>
 
+<file path=ppt/notesMasters/notesMaster1.xml><?xml version="1.0" encoding="utf-8"?>
+<p:notesMaster xmlns:a="http://schemas.openxmlformats.org/drawingml/2006/main" xmlns:r="http://schemas.openxmlformats.org/officeDocument/2006/relationships" xmlns:p="http://schemas.openxmlformats.org/presentationml/2006/main">
+  <p:cSld>
+    <p:bg>
+      <p:bgRef idx="1001">
+        <a:schemeClr val="bg1"/>
+      </p:bgRef>
+    </p:bg>
+    <p:spTree>
+      <p:nvGrpSpPr>
+        <p:cNvPr id="1" name=""/>
+        <p:cNvGrpSpPr/>
+        <p:nvPr/>
+      </p:nvGrpSpPr>
+      <p:grpSpPr>
+        <a:xfrm>
+          <a:off x="0" y="0"/>
+          <a:ext cx="0" cy="0"/>
+          <a:chOff x="0" y="0"/>
+          <a:chExt cx="0" cy="0"/>
+        </a:xfrm>
+      </p:grpSpPr>
+      <p:sp>
+        <p:nvSpPr>
+          <p:cNvPr id="2" name="Header Placeholder 1"/>
+          <p:cNvSpPr>
+            <a:spLocks noGrp="1"/>
+          </p:cNvSpPr>
+          <p:nvPr>
+            <p:ph type="hdr" sz="quarter"/>
+          </p:nvPr>
+        </p:nvSpPr>
+        <p:spPr>
+          <a:xfrm>
+            <a:off x="0" y="0"/>
+            <a:ext cx="2971800" cy="458788"/>
+          </a:xfrm>
+          <a:prstGeom prst="rect">
+            <a:avLst/>
+          </a:prstGeom>
+        </p:spPr>
+        <p:txBody>
+          <a:bodyPr vert="horz" lIns="91440" tIns="45720" rIns="91440" bIns="45720" rtlCol="0"/>
+          <a:lstStyle>
+            <a:lvl1pPr algn="l">
+              <a:defRPr sz="1200"/>
+            </a:lvl1pPr>
+          </a:lstStyle>
+          <a:p>
+            <a:endParaRPr lang="en-US"/>
+          </a:p>
+        </p:txBody>
+      </p:sp>
+      <p:sp>
+        <p:nvSpPr>
+          <p:cNvPr id="3" name="Date Placeholder 2"/>
+          <p:cNvSpPr>
+            <a:spLocks noGrp="1"/>
+          </p:cNvSpPr>
+          <p:nvPr>
+            <p:ph type="dt" idx="1"/>
+          </p:nvPr>
+        </p:nvSpPr>
+        <p:spPr>
+          <a:xfrm>
+            <a:off x="3884613" y="0"/>
+            <a:ext cx="2971800" cy="458788"/>
+          </a:xfrm>
+          <a:prstGeom prst="rect">
+            <a:avLst/>
+          </a:prstGeom>
+        </p:spPr>
+        <p:txBody>
+          <a:bodyPr vert="horz" lIns="91440" tIns="45720" rIns="91440" bIns="45720" rtlCol="0"/>
+          <a:lstStyle>
+            <a:lvl1pPr algn="r">
+              <a:defRPr sz="1200"/>
+            </a:lvl1pPr>
+          </a:lstStyle>
+          <a:p>
+            <a:fld id="{4AA46FC0-048C-40D8-958B-7775FA2711F6}" type="datetimeFigureOut">
+              <a:rPr lang="en-US" smtClean="0"/>
+              <a:t>5/15/2020</a:t>
+            </a:fld>
+            <a:endParaRPr lang="en-US"/>
+          </a:p>
+        </p:txBody>
+      </p:sp>
+      <p:sp>
+        <p:nvSpPr>
+          <p:cNvPr id="4" name="Slide Image Placeholder 3"/>
+          <p:cNvSpPr>
+            <a:spLocks noGrp="1" noRot="1" noChangeAspect="1"/>
+          </p:cNvSpPr>
+          <p:nvPr>
+            <p:ph type="sldImg" idx="2"/>
+          </p:nvPr>
+        </p:nvSpPr>
+        <p:spPr>
+          <a:xfrm>
+            <a:off x="685800" y="1143000"/>
+            <a:ext cx="5486400" cy="3086100"/>
+          </a:xfrm>
+          <a:prstGeom prst="rect">
+            <a:avLst/>
+          </a:prstGeom>
+          <a:noFill/>
+          <a:ln w="12700">
+            <a:solidFill>
+              <a:prstClr val="black"/>
+            </a:solidFill>
+          </a:ln>
+        </p:spPr>
+        <p:txBody>
+          <a:bodyPr vert="horz" lIns="91440" tIns="45720" rIns="91440" bIns="45720" rtlCol="0" anchor="ctr"/>
+          <a:lstStyle/>
+          <a:p>
+            <a:endParaRPr lang="en-US"/>
+          </a:p>
+        </p:txBody>
+      </p:sp>
+      <p:sp>
+        <p:nvSpPr>
+          <p:cNvPr id="5" name="Notes Placeholder 4"/>
+          <p:cNvSpPr>
+            <a:spLocks noGrp="1"/>
+          </p:cNvSpPr>
+          <p:nvPr>
+            <p:ph type="body" sz="quarter" idx="3"/>
+          </p:nvPr>
+        </p:nvSpPr>
+        <p:spPr>
+          <a:xfrm>
+            <a:off x="685800" y="4400550"/>
+            <a:ext cx="5486400" cy="3600450"/>
+          </a:xfrm>
+          <a:prstGeom prst="rect">
+            <a:avLst/>
+          </a:prstGeom>
+        </p:spPr>
+        <p:txBody>
+          <a:bodyPr vert="horz" lIns="91440" tIns="45720" rIns="91440" bIns="45720" rtlCol="0"/>
+          <a:lstStyle/>
+          <a:p>
+            <a:pPr lvl="0"/>
+            <a:r>
+              <a:rPr lang="en-US"/>
+              <a:t>Click to edit Master text styles</a:t>
+            </a:r>
+          </a:p>
+          <a:p>
+            <a:pPr lvl="1"/>
+            <a:r>
+              <a:rPr lang="en-US"/>
+              <a:t>Second level</a:t>
+            </a:r>
+          </a:p>
+          <a:p>
+            <a:pPr lvl="2"/>
+            <a:r>
+              <a:rPr lang="en-US"/>
+              <a:t>Third level</a:t>
+            </a:r>
+          </a:p>
+          <a:p>
+            <a:pPr lvl="3"/>
+            <a:r>
+              <a:rPr lang="en-US"/>
+              <a:t>Fourth level</a:t>
+            </a:r>
+          </a:p>
+          <a:p>
+            <a:pPr lvl="4"/>
+            <a:r>
+              <a:rPr lang="en-US"/>
+              <a:t>Fifth level</a:t>
+            </a:r>
+          </a:p>
+        </p:txBody>
+      </p:sp>
+      <p:sp>
+        <p:nvSpPr>
+          <p:cNvPr id="6" name="Footer Placeholder 5"/>
+          <p:cNvSpPr>
+            <a:spLocks noGrp="1"/>
+          </p:cNvSpPr>
+          <p:nvPr>
+            <p:ph type="ftr" sz="quarter" idx="4"/>
+          </p:nvPr>
+        </p:nvSpPr>
+        <p:spPr>
+          <a:xfrm>
+            <a:off x="0" y="8685213"/>
+            <a:ext cx="2971800" cy="458787"/>
+          </a:xfrm>
+          <a:prstGeom prst="rect">
+            <a:avLst/>
+          </a:prstGeom>
+        </p:spPr>
+        <p:txBody>
+          <a:bodyPr vert="horz" lIns="91440" tIns="45720" rIns="91440" bIns="45720" rtlCol="0" anchor="b"/>
+          <a:lstStyle>
+            <a:lvl1pPr algn="l">
+              <a:defRPr sz="1200"/>
+            </a:lvl1pPr>
+          </a:lstStyle>
+          <a:p>
+            <a:endParaRPr lang="en-US"/>
+          </a:p>
+        </p:txBody>
+      </p:sp>
+      <p:sp>
+        <p:nvSpPr>
+          <p:cNvPr id="7" name="Slide Number Placeholder 6"/>
+          <p:cNvSpPr>
+            <a:spLocks noGrp="1"/>
+          </p:cNvSpPr>
+          <p:nvPr>
+            <p:ph type="sldNum" sz="quarter" idx="5"/>
+          </p:nvPr>
+        </p:nvSpPr>
+        <p:spPr>
+          <a:xfrm>
+            <a:off x="3884613" y="8685213"/>
+            <a:ext cx="2971800" cy="458787"/>
+          </a:xfrm>
+          <a:prstGeom prst="rect">
+            <a:avLst/>
+          </a:prstGeom>
+        </p:spPr>
+        <p:txBody>
+          <a:bodyPr vert="horz" lIns="91440" tIns="45720" rIns="91440" bIns="45720" rtlCol="0" anchor="b"/>
+          <a:lstStyle>
+            <a:lvl1pPr algn="r">
+              <a:defRPr sz="1200"/>
+            </a:lvl1pPr>
+          </a:lstStyle>
+          <a:p>
+            <a:fld id="{7D06813E-E288-42AD-8CF6-D2B5C4AFFA49}" type="slidenum">
+              <a:rPr lang="en-US" smtClean="0"/>
+              <a:t>‹#›</a:t>
+            </a:fld>
+            <a:endParaRPr lang="en-US"/>
+          </a:p>
+        </p:txBody>
+      </p:sp>
+    </p:spTree>
+    <p:extLst>
+      <p:ext uri="{BB962C8B-B14F-4D97-AF65-F5344CB8AC3E}">
+        <p14:creationId xmlns:p14="http://schemas.microsoft.com/office/powerpoint/2010/main" val="794988357"/>
+      </p:ext>
+    </p:extLst>
+  </p:cSld>
+  <p:clrMap bg1="lt1" tx1="dk1" bg2="lt2" tx2="dk2" accent1="accent1" accent2="accent2" accent3="accent3" accent4="accent4" accent5="accent5" accent6="accent6" hlink="hlink" folHlink="folHlink"/>
+  <p:notesStyle>
+    <a:lvl1pPr marL="0" algn="l" defTabSz="914400" rtl="0" eaLnBrk="1" latinLnBrk="0" hangingPunct="1">
+      <a:defRPr sz="1200" kern="1200">
+        <a:solidFill>
+          <a:schemeClr val="tx1"/>
+        </a:solidFill>
+        <a:latin typeface="+mn-lt"/>
+        <a:ea typeface="+mn-ea"/>
+        <a:cs typeface="+mn-cs"/>
+      </a:defRPr>
+    </a:lvl1pPr>
+    <a:lvl2pPr marL="457200" algn="l" defTabSz="914400" rtl="0" eaLnBrk="1" latinLnBrk="0" hangingPunct="1">
+      <a:defRPr sz="1200" kern="1200">
+        <a:solidFill>
+          <a:schemeClr val="tx1"/>
+        </a:solidFill>
+        <a:latin typeface="+mn-lt"/>
+        <a:ea typeface="+mn-ea"/>
+        <a:cs typeface="+mn-cs"/>
+      </a:defRPr>
+    </a:lvl2pPr>
+    <a:lvl3pPr marL="914400" algn="l" defTabSz="914400" rtl="0" eaLnBrk="1" latinLnBrk="0" hangingPunct="1">
+      <a:defRPr sz="1200" kern="1200">
+        <a:solidFill>
+          <a:schemeClr val="tx1"/>
+        </a:solidFill>
+        <a:latin typeface="+mn-lt"/>
+        <a:ea typeface="+mn-ea"/>
+        <a:cs typeface="+mn-cs"/>
+      </a:defRPr>
+    </a:lvl3pPr>
+    <a:lvl4pPr marL="1371600" algn="l" defTabSz="914400" rtl="0" eaLnBrk="1" latinLnBrk="0" hangingPunct="1">
+      <a:defRPr sz="1200" kern="1200">
+        <a:solidFill>
+          <a:schemeClr val="tx1"/>
+        </a:solidFill>
+        <a:latin typeface="+mn-lt"/>
+        <a:ea typeface="+mn-ea"/>
+        <a:cs typeface="+mn-cs"/>
+      </a:defRPr>
+    </a:lvl4pPr>
+    <a:lvl5pPr marL="1828800" algn="l" defTabSz="914400" rtl="0" eaLnBrk="1" latinLnBrk="0" hangingPunct="1">
+      <a:defRPr sz="1200" kern="1200">
+        <a:solidFill>
+          <a:schemeClr val="tx1"/>
+        </a:solidFill>
+        <a:latin typeface="+mn-lt"/>
+        <a:ea typeface="+mn-ea"/>
+        <a:cs typeface="+mn-cs"/>
+      </a:defRPr>
+    </a:lvl5pPr>
+    <a:lvl6pPr marL="2286000" algn="l" defTabSz="914400" rtl="0" eaLnBrk="1" latinLnBrk="0" hangingPunct="1">
+      <a:defRPr sz="1200" kern="1200">
+        <a:solidFill>
+          <a:schemeClr val="tx1"/>
+        </a:solidFill>
+        <a:latin typeface="+mn-lt"/>
+        <a:ea typeface="+mn-ea"/>
+        <a:cs typeface="+mn-cs"/>
+      </a:defRPr>
+    </a:lvl6pPr>
+    <a:lvl7pPr marL="2743200" algn="l" defTabSz="914400" rtl="0" eaLnBrk="1" latinLnBrk="0" hangingPunct="1">
+      <a:defRPr sz="1200" kern="1200">
+        <a:solidFill>
+          <a:schemeClr val="tx1"/>
+        </a:solidFill>
+        <a:latin typeface="+mn-lt"/>
+        <a:ea typeface="+mn-ea"/>
+        <a:cs typeface="+mn-cs"/>
+      </a:defRPr>
+    </a:lvl7pPr>
+    <a:lvl8pPr marL="3200400" algn="l" defTabSz="914400" rtl="0" eaLnBrk="1" latinLnBrk="0" hangingPunct="1">
+      <a:defRPr sz="1200" kern="1200">
+        <a:solidFill>
+          <a:schemeClr val="tx1"/>
+        </a:solidFill>
+        <a:latin typeface="+mn-lt"/>
+        <a:ea typeface="+mn-ea"/>
+        <a:cs typeface="+mn-cs"/>
+      </a:defRPr>
+    </a:lvl8pPr>
+    <a:lvl9pPr marL="3657600" algn="l" defTabSz="914400" rtl="0" eaLnBrk="1" latinLnBrk="0" hangingPunct="1">
+      <a:defRPr sz="1200" kern="1200">
+        <a:solidFill>
+          <a:schemeClr val="tx1"/>
+        </a:solidFill>
+        <a:latin typeface="+mn-lt"/>
+        <a:ea typeface="+mn-ea"/>
+        <a:cs typeface="+mn-cs"/>
+      </a:defRPr>
+    </a:lvl9pPr>
+  </p:notesStyle>
+</p:notesMaster>
+</file>
+
 <file path=ppt/slideLayouts/slideLayout1.xml><?xml version="1.0" encoding="utf-8"?>
-<p:sldLayout xmlns:a="http://schemas.openxmlformats.org/drawingml/2006/main" xmlns:r="http://schemas.openxmlformats.org/officeDocument/2006/relationships" xmlns:p="http://schemas.openxmlformats.org/presentationml/2006/main" type="title" preserve="1">
+<p:sldLayout xmlns:a="http://schemas.openxmlformats.org/drawingml/2006/main" xmlns:r="http://schemas.openxmlformats.org/officeDocument/2006/relationships" xmlns:p="http://schemas.openxmlformats.org/presentationml/2006/main" preserve="1" userDrawn="1">
   <p:cSld name="Title Slide">
     <p:spTree>
       <p:nvGrpSpPr>
@@ -160,8 +512,8 @@
         </p:nvSpPr>
         <p:spPr>
           <a:xfrm>
-            <a:off x="1524000" y="1122363"/>
-            <a:ext cx="9144000" cy="2387600"/>
+            <a:off x="1524000" y="3086896"/>
+            <a:ext cx="9144000" cy="746445"/>
           </a:xfrm>
         </p:spPr>
         <p:txBody>
@@ -173,78 +525,8 @@
           </a:lstStyle>
           <a:p>
             <a:r>
-              <a:rPr lang="en-US"/>
+              <a:rPr lang="en-US" dirty="0"/>
               <a:t>Click to edit Master title style</a:t>
-            </a:r>
-          </a:p>
-        </p:txBody>
-      </p:sp>
-      <p:sp>
-        <p:nvSpPr>
-          <p:cNvPr id="3" name="Subtitle 2">
-            <a:extLst>
-              <a:ext uri="{FF2B5EF4-FFF2-40B4-BE49-F238E27FC236}">
-                <a16:creationId xmlns:a16="http://schemas.microsoft.com/office/drawing/2014/main" id="{19F28FC8-E1AD-41F2-A1D4-B635CEC129F4}"/>
-              </a:ext>
-            </a:extLst>
-          </p:cNvPr>
-          <p:cNvSpPr>
-            <a:spLocks noGrp="1"/>
-          </p:cNvSpPr>
-          <p:nvPr>
-            <p:ph type="subTitle" idx="1"/>
-          </p:nvPr>
-        </p:nvSpPr>
-        <p:spPr>
-          <a:xfrm>
-            <a:off x="1524000" y="3602038"/>
-            <a:ext cx="9144000" cy="1655762"/>
-          </a:xfrm>
-        </p:spPr>
-        <p:txBody>
-          <a:bodyPr/>
-          <a:lstStyle>
-            <a:lvl1pPr marL="0" indent="0" algn="ctr">
-              <a:buNone/>
-              <a:defRPr sz="2400"/>
-            </a:lvl1pPr>
-            <a:lvl2pPr marL="457200" indent="0" algn="ctr">
-              <a:buNone/>
-              <a:defRPr sz="2000"/>
-            </a:lvl2pPr>
-            <a:lvl3pPr marL="914400" indent="0" algn="ctr">
-              <a:buNone/>
-              <a:defRPr sz="1800"/>
-            </a:lvl3pPr>
-            <a:lvl4pPr marL="1371600" indent="0" algn="ctr">
-              <a:buNone/>
-              <a:defRPr sz="1600"/>
-            </a:lvl4pPr>
-            <a:lvl5pPr marL="1828800" indent="0" algn="ctr">
-              <a:buNone/>
-              <a:defRPr sz="1600"/>
-            </a:lvl5pPr>
-            <a:lvl6pPr marL="2286000" indent="0" algn="ctr">
-              <a:buNone/>
-              <a:defRPr sz="1600"/>
-            </a:lvl6pPr>
-            <a:lvl7pPr marL="2743200" indent="0" algn="ctr">
-              <a:buNone/>
-              <a:defRPr sz="1600"/>
-            </a:lvl7pPr>
-            <a:lvl8pPr marL="3200400" indent="0" algn="ctr">
-              <a:buNone/>
-              <a:defRPr sz="1600"/>
-            </a:lvl8pPr>
-            <a:lvl9pPr marL="3657600" indent="0" algn="ctr">
-              <a:buNone/>
-              <a:defRPr sz="1600"/>
-            </a:lvl9pPr>
-          </a:lstStyle>
-          <a:p>
-            <a:r>
-              <a:rPr lang="en-US"/>
-              <a:t>Click to edit Master subtitle style</a:t>
             </a:r>
           </a:p>
         </p:txBody>
@@ -272,7 +554,7 @@
           <a:p>
             <a:fld id="{31D2A231-A7A4-4168-91EA-2B6389CA866E}" type="datetimeFigureOut">
               <a:rPr lang="en-US" smtClean="0"/>
-              <a:t>4/17/2020</a:t>
+              <a:t>5/15/2020</a:t>
             </a:fld>
             <a:endParaRPr lang="en-US"/>
           </a:p>
@@ -332,6 +614,91 @@
           </a:p>
         </p:txBody>
       </p:sp>
+      <p:sp>
+        <p:nvSpPr>
+          <p:cNvPr id="7" name="Rectangle 6">
+            <a:extLst>
+              <a:ext uri="{FF2B5EF4-FFF2-40B4-BE49-F238E27FC236}">
+                <a16:creationId xmlns:a16="http://schemas.microsoft.com/office/drawing/2014/main" id="{6A2945D1-5A75-264D-AA77-39591A7B50A3}"/>
+              </a:ext>
+            </a:extLst>
+          </p:cNvPr>
+          <p:cNvSpPr/>
+          <p:nvPr userDrawn="1"/>
+        </p:nvSpPr>
+        <p:spPr>
+          <a:xfrm>
+            <a:off x="0" y="0"/>
+            <a:ext cx="12192000" cy="947651"/>
+          </a:xfrm>
+          <a:prstGeom prst="rect">
+            <a:avLst/>
+          </a:prstGeom>
+          <a:solidFill>
+            <a:srgbClr val="00377B"/>
+          </a:solidFill>
+        </p:spPr>
+        <p:style>
+          <a:lnRef idx="2">
+            <a:schemeClr val="accent1">
+              <a:shade val="50000"/>
+            </a:schemeClr>
+          </a:lnRef>
+          <a:fillRef idx="1">
+            <a:schemeClr val="accent1"/>
+          </a:fillRef>
+          <a:effectRef idx="0">
+            <a:schemeClr val="accent1"/>
+          </a:effectRef>
+          <a:fontRef idx="minor">
+            <a:schemeClr val="lt1"/>
+          </a:fontRef>
+        </p:style>
+        <p:txBody>
+          <a:bodyPr rtlCol="0" anchor="ctr"/>
+          <a:lstStyle/>
+          <a:p>
+            <a:pPr algn="ctr"/>
+            <a:endParaRPr lang="en-US"/>
+          </a:p>
+        </p:txBody>
+      </p:sp>
+      <p:pic>
+        <p:nvPicPr>
+          <p:cNvPr id="8" name="Picture 7" descr="A close up of a sign&#10;&#10;Description automatically generated">
+            <a:extLst>
+              <a:ext uri="{FF2B5EF4-FFF2-40B4-BE49-F238E27FC236}">
+                <a16:creationId xmlns:a16="http://schemas.microsoft.com/office/drawing/2014/main" id="{689C7B25-49D1-A541-82B4-5004F88158F6}"/>
+              </a:ext>
+            </a:extLst>
+          </p:cNvPr>
+          <p:cNvPicPr>
+            <a:picLocks noChangeAspect="1"/>
+          </p:cNvPicPr>
+          <p:nvPr userDrawn="1"/>
+        </p:nvPicPr>
+        <p:blipFill>
+          <a:blip r:embed="rId2" cstate="print">
+            <a:extLst>
+              <a:ext uri="{28A0092B-C50C-407E-A947-70E740481C1C}">
+                <a14:useLocalDpi xmlns:a14="http://schemas.microsoft.com/office/drawing/2010/main"/>
+              </a:ext>
+            </a:extLst>
+          </a:blip>
+          <a:stretch>
+            <a:fillRect/>
+          </a:stretch>
+        </p:blipFill>
+        <p:spPr>
+          <a:xfrm>
+            <a:off x="4724397" y="1178555"/>
+            <a:ext cx="2743206" cy="1584963"/>
+          </a:xfrm>
+          <a:prstGeom prst="rect">
+            <a:avLst/>
+          </a:prstGeom>
+        </p:spPr>
+      </p:pic>
     </p:spTree>
     <p:extLst>
       <p:ext uri="{BB962C8B-B14F-4D97-AF65-F5344CB8AC3E}">
@@ -470,7 +837,7 @@
           <a:p>
             <a:fld id="{31D2A231-A7A4-4168-91EA-2B6389CA866E}" type="datetimeFigureOut">
               <a:rPr lang="en-US" smtClean="0"/>
-              <a:t>4/17/2020</a:t>
+              <a:t>5/15/2020</a:t>
             </a:fld>
             <a:endParaRPr lang="en-US"/>
           </a:p>
@@ -678,7 +1045,7 @@
           <a:p>
             <a:fld id="{31D2A231-A7A4-4168-91EA-2B6389CA866E}" type="datetimeFigureOut">
               <a:rPr lang="en-US" smtClean="0"/>
-              <a:t>4/17/2020</a:t>
+              <a:t>5/15/2020</a:t>
             </a:fld>
             <a:endParaRPr lang="en-US"/>
           </a:p>
@@ -752,7 +1119,7 @@
 </file>
 
 <file path=ppt/slideLayouts/slideLayout2.xml><?xml version="1.0" encoding="utf-8"?>
-<p:sldLayout xmlns:a="http://schemas.openxmlformats.org/drawingml/2006/main" xmlns:r="http://schemas.openxmlformats.org/officeDocument/2006/relationships" xmlns:p="http://schemas.openxmlformats.org/presentationml/2006/main" type="obj" preserve="1">
+<p:sldLayout xmlns:a="http://schemas.openxmlformats.org/drawingml/2006/main" xmlns:r="http://schemas.openxmlformats.org/officeDocument/2006/relationships" xmlns:p="http://schemas.openxmlformats.org/presentationml/2006/main" preserve="1" userDrawn="1">
   <p:cSld name="Title and Content">
     <p:spTree>
       <p:nvGrpSpPr>
@@ -770,120 +1137,6 @@
       </p:grpSpPr>
       <p:sp>
         <p:nvSpPr>
-          <p:cNvPr id="2" name="Title 1">
-            <a:extLst>
-              <a:ext uri="{FF2B5EF4-FFF2-40B4-BE49-F238E27FC236}">
-                <a16:creationId xmlns:a16="http://schemas.microsoft.com/office/drawing/2014/main" id="{47850246-9A27-4523-8CCF-AC6969745A41}"/>
-              </a:ext>
-            </a:extLst>
-          </p:cNvPr>
-          <p:cNvSpPr>
-            <a:spLocks noGrp="1"/>
-          </p:cNvSpPr>
-          <p:nvPr>
-            <p:ph type="title"/>
-          </p:nvPr>
-        </p:nvSpPr>
-        <p:spPr/>
-        <p:txBody>
-          <a:bodyPr/>
-          <a:lstStyle/>
-          <a:p>
-            <a:r>
-              <a:rPr lang="en-US"/>
-              <a:t>Click to edit Master title style</a:t>
-            </a:r>
-          </a:p>
-        </p:txBody>
-      </p:sp>
-      <p:sp>
-        <p:nvSpPr>
-          <p:cNvPr id="3" name="Content Placeholder 2">
-            <a:extLst>
-              <a:ext uri="{FF2B5EF4-FFF2-40B4-BE49-F238E27FC236}">
-                <a16:creationId xmlns:a16="http://schemas.microsoft.com/office/drawing/2014/main" id="{16559A7B-C19C-4AF9-A6B4-E6B067B11F5C}"/>
-              </a:ext>
-            </a:extLst>
-          </p:cNvPr>
-          <p:cNvSpPr>
-            <a:spLocks noGrp="1"/>
-          </p:cNvSpPr>
-          <p:nvPr>
-            <p:ph idx="1"/>
-          </p:nvPr>
-        </p:nvSpPr>
-        <p:spPr/>
-        <p:txBody>
-          <a:bodyPr/>
-          <a:lstStyle/>
-          <a:p>
-            <a:pPr lvl="0"/>
-            <a:r>
-              <a:rPr lang="en-US"/>
-              <a:t>Click to edit Master text styles</a:t>
-            </a:r>
-          </a:p>
-          <a:p>
-            <a:pPr lvl="1"/>
-            <a:r>
-              <a:rPr lang="en-US"/>
-              <a:t>Second level</a:t>
-            </a:r>
-          </a:p>
-          <a:p>
-            <a:pPr lvl="2"/>
-            <a:r>
-              <a:rPr lang="en-US"/>
-              <a:t>Third level</a:t>
-            </a:r>
-          </a:p>
-          <a:p>
-            <a:pPr lvl="3"/>
-            <a:r>
-              <a:rPr lang="en-US"/>
-              <a:t>Fourth level</a:t>
-            </a:r>
-          </a:p>
-          <a:p>
-            <a:pPr lvl="4"/>
-            <a:r>
-              <a:rPr lang="en-US"/>
-              <a:t>Fifth level</a:t>
-            </a:r>
-          </a:p>
-        </p:txBody>
-      </p:sp>
-      <p:sp>
-        <p:nvSpPr>
-          <p:cNvPr id="4" name="Date Placeholder 3">
-            <a:extLst>
-              <a:ext uri="{FF2B5EF4-FFF2-40B4-BE49-F238E27FC236}">
-                <a16:creationId xmlns:a16="http://schemas.microsoft.com/office/drawing/2014/main" id="{721855C8-0A81-46A9-9241-48DD2D7264A6}"/>
-              </a:ext>
-            </a:extLst>
-          </p:cNvPr>
-          <p:cNvSpPr>
-            <a:spLocks noGrp="1"/>
-          </p:cNvSpPr>
-          <p:nvPr>
-            <p:ph type="dt" sz="half" idx="10"/>
-          </p:nvPr>
-        </p:nvSpPr>
-        <p:spPr/>
-        <p:txBody>
-          <a:bodyPr/>
-          <a:lstStyle/>
-          <a:p>
-            <a:fld id="{31D2A231-A7A4-4168-91EA-2B6389CA866E}" type="datetimeFigureOut">
-              <a:rPr lang="en-US" smtClean="0"/>
-              <a:t>4/17/2020</a:t>
-            </a:fld>
-            <a:endParaRPr lang="en-US"/>
-          </a:p>
-        </p:txBody>
-      </p:sp>
-      <p:sp>
-        <p:nvSpPr>
           <p:cNvPr id="5" name="Footer Placeholder 4">
             <a:extLst>
               <a:ext uri="{FF2B5EF4-FFF2-40B4-BE49-F238E27FC236}">
@@ -936,6 +1189,197 @@
           </a:p>
         </p:txBody>
       </p:sp>
+      <p:sp>
+        <p:nvSpPr>
+          <p:cNvPr id="7" name="Rectangle 6">
+            <a:extLst>
+              <a:ext uri="{FF2B5EF4-FFF2-40B4-BE49-F238E27FC236}">
+                <a16:creationId xmlns:a16="http://schemas.microsoft.com/office/drawing/2014/main" id="{0E728DDC-6D9E-3340-878F-F026E58CC54F}"/>
+              </a:ext>
+            </a:extLst>
+          </p:cNvPr>
+          <p:cNvSpPr/>
+          <p:nvPr userDrawn="1"/>
+        </p:nvSpPr>
+        <p:spPr>
+          <a:xfrm>
+            <a:off x="0" y="0"/>
+            <a:ext cx="12192000" cy="947651"/>
+          </a:xfrm>
+          <a:prstGeom prst="rect">
+            <a:avLst/>
+          </a:prstGeom>
+          <a:solidFill>
+            <a:srgbClr val="00377B"/>
+          </a:solidFill>
+        </p:spPr>
+        <p:style>
+          <a:lnRef idx="2">
+            <a:schemeClr val="accent1">
+              <a:shade val="50000"/>
+            </a:schemeClr>
+          </a:lnRef>
+          <a:fillRef idx="1">
+            <a:schemeClr val="accent1"/>
+          </a:fillRef>
+          <a:effectRef idx="0">
+            <a:schemeClr val="accent1"/>
+          </a:effectRef>
+          <a:fontRef idx="minor">
+            <a:schemeClr val="lt1"/>
+          </a:fontRef>
+        </p:style>
+        <p:txBody>
+          <a:bodyPr rtlCol="0" anchor="ctr"/>
+          <a:lstStyle/>
+          <a:p>
+            <a:pPr algn="ctr"/>
+            <a:endParaRPr lang="en-US"/>
+          </a:p>
+        </p:txBody>
+      </p:sp>
+      <p:sp>
+        <p:nvSpPr>
+          <p:cNvPr id="2" name="Title 1">
+            <a:extLst>
+              <a:ext uri="{FF2B5EF4-FFF2-40B4-BE49-F238E27FC236}">
+                <a16:creationId xmlns:a16="http://schemas.microsoft.com/office/drawing/2014/main" id="{47850246-9A27-4523-8CCF-AC6969745A41}"/>
+              </a:ext>
+            </a:extLst>
+          </p:cNvPr>
+          <p:cNvSpPr>
+            <a:spLocks noGrp="1"/>
+          </p:cNvSpPr>
+          <p:nvPr>
+            <p:ph type="title"/>
+          </p:nvPr>
+        </p:nvSpPr>
+        <p:spPr>
+          <a:xfrm>
+            <a:off x="102220" y="0"/>
+            <a:ext cx="10515600" cy="947651"/>
+          </a:xfrm>
+        </p:spPr>
+        <p:txBody>
+          <a:bodyPr/>
+          <a:lstStyle/>
+          <a:p>
+            <a:r>
+              <a:rPr lang="en-US" dirty="0"/>
+              <a:t>Click to edit Master title style</a:t>
+            </a:r>
+          </a:p>
+        </p:txBody>
+      </p:sp>
+      <p:sp>
+        <p:nvSpPr>
+          <p:cNvPr id="9" name="Table Placeholder 8">
+            <a:extLst>
+              <a:ext uri="{FF2B5EF4-FFF2-40B4-BE49-F238E27FC236}">
+                <a16:creationId xmlns:a16="http://schemas.microsoft.com/office/drawing/2014/main" id="{FDEB7C09-0AFE-2B4E-A82D-AC082807A786}"/>
+              </a:ext>
+            </a:extLst>
+          </p:cNvPr>
+          <p:cNvSpPr>
+            <a:spLocks noGrp="1"/>
+          </p:cNvSpPr>
+          <p:nvPr>
+            <p:ph type="tbl" sz="quarter" idx="13"/>
+          </p:nvPr>
+        </p:nvSpPr>
+        <p:spPr>
+          <a:xfrm>
+            <a:off x="1055687" y="2241394"/>
+            <a:ext cx="10080625" cy="3746611"/>
+          </a:xfrm>
+        </p:spPr>
+        <p:txBody>
+          <a:bodyPr/>
+          <a:lstStyle>
+            <a:lvl1pPr marL="0" indent="0">
+              <a:buNone/>
+              <a:defRPr/>
+            </a:lvl1pPr>
+          </a:lstStyle>
+          <a:p>
+            <a:endParaRPr lang="en-US" dirty="0"/>
+          </a:p>
+        </p:txBody>
+      </p:sp>
+      <p:pic>
+        <p:nvPicPr>
+          <p:cNvPr id="10" name="Content Placeholder 6" descr="Robot">
+            <a:extLst>
+              <a:ext uri="{FF2B5EF4-FFF2-40B4-BE49-F238E27FC236}">
+                <a16:creationId xmlns:a16="http://schemas.microsoft.com/office/drawing/2014/main" id="{AAF5AFDD-557C-FA4E-918C-56E65480ECE4}"/>
+              </a:ext>
+            </a:extLst>
+          </p:cNvPr>
+          <p:cNvPicPr>
+            <a:picLocks noChangeAspect="1"/>
+          </p:cNvPicPr>
+          <p:nvPr userDrawn="1"/>
+        </p:nvPicPr>
+        <p:blipFill>
+          <a:blip r:embed="rId2">
+            <a:extLst>
+              <a:ext uri="{28A0092B-C50C-407E-A947-70E740481C1C}">
+                <a14:useLocalDpi xmlns:a14="http://schemas.microsoft.com/office/drawing/2010/main"/>
+              </a:ext>
+              <a:ext uri="{96DAC541-7B7A-43D3-8B79-37D633B846F1}">
+                <asvg:svgBlip xmlns:asvg="http://schemas.microsoft.com/office/drawing/2016/SVG/main" r:embed="rId3"/>
+              </a:ext>
+            </a:extLst>
+          </a:blip>
+          <a:stretch>
+            <a:fillRect/>
+          </a:stretch>
+        </p:blipFill>
+        <p:spPr>
+          <a:xfrm>
+            <a:off x="11483897" y="6067270"/>
+            <a:ext cx="654205" cy="654205"/>
+          </a:xfrm>
+          <a:prstGeom prst="rect">
+            <a:avLst/>
+          </a:prstGeom>
+        </p:spPr>
+      </p:pic>
+      <p:pic>
+        <p:nvPicPr>
+          <p:cNvPr id="11" name="Picture 10" descr="A close up of a sign&#10;&#10;Description automatically generated">
+            <a:extLst>
+              <a:ext uri="{FF2B5EF4-FFF2-40B4-BE49-F238E27FC236}">
+                <a16:creationId xmlns:a16="http://schemas.microsoft.com/office/drawing/2014/main" id="{514632C2-3B2F-5B4C-9EBB-1488A776839D}"/>
+              </a:ext>
+            </a:extLst>
+          </p:cNvPr>
+          <p:cNvPicPr>
+            <a:picLocks noChangeAspect="1"/>
+          </p:cNvPicPr>
+          <p:nvPr userDrawn="1"/>
+        </p:nvPicPr>
+        <p:blipFill rotWithShape="1">
+          <a:blip r:embed="rId4" cstate="print">
+            <a:extLst>
+              <a:ext uri="{28A0092B-C50C-407E-A947-70E740481C1C}">
+                <a14:useLocalDpi xmlns:a14="http://schemas.microsoft.com/office/drawing/2010/main"/>
+              </a:ext>
+            </a:extLst>
+          </a:blip>
+          <a:srcRect/>
+          <a:stretch/>
+        </p:blipFill>
+        <p:spPr>
+          <a:xfrm>
+            <a:off x="149628" y="6176963"/>
+            <a:ext cx="1041865" cy="547687"/>
+          </a:xfrm>
+          <a:prstGeom prst="rect">
+            <a:avLst/>
+          </a:prstGeom>
+        </p:spPr>
+      </p:pic>
     </p:spTree>
     <p:extLst>
       <p:ext uri="{BB962C8B-B14F-4D97-AF65-F5344CB8AC3E}">
@@ -1151,7 +1595,7 @@
           <a:p>
             <a:fld id="{31D2A231-A7A4-4168-91EA-2B6389CA866E}" type="datetimeFigureOut">
               <a:rPr lang="en-US" smtClean="0"/>
-              <a:t>4/17/2020</a:t>
+              <a:t>5/15/2020</a:t>
             </a:fld>
             <a:endParaRPr lang="en-US"/>
           </a:p>
@@ -1416,7 +1860,7 @@
           <a:p>
             <a:fld id="{31D2A231-A7A4-4168-91EA-2B6389CA866E}" type="datetimeFigureOut">
               <a:rPr lang="en-US" smtClean="0"/>
-              <a:t>4/17/2020</a:t>
+              <a:t>5/15/2020</a:t>
             </a:fld>
             <a:endParaRPr lang="en-US"/>
           </a:p>
@@ -1828,7 +2272,7 @@
           <a:p>
             <a:fld id="{31D2A231-A7A4-4168-91EA-2B6389CA866E}" type="datetimeFigureOut">
               <a:rPr lang="en-US" smtClean="0"/>
-              <a:t>4/17/2020</a:t>
+              <a:t>5/15/2020</a:t>
             </a:fld>
             <a:endParaRPr lang="en-US"/>
           </a:p>
@@ -1969,7 +2413,7 @@
           <a:p>
             <a:fld id="{31D2A231-A7A4-4168-91EA-2B6389CA866E}" type="datetimeFigureOut">
               <a:rPr lang="en-US" smtClean="0"/>
-              <a:t>4/17/2020</a:t>
+              <a:t>5/15/2020</a:t>
             </a:fld>
             <a:endParaRPr lang="en-US"/>
           </a:p>
@@ -2082,7 +2526,7 @@
           <a:p>
             <a:fld id="{31D2A231-A7A4-4168-91EA-2B6389CA866E}" type="datetimeFigureOut">
               <a:rPr lang="en-US" smtClean="0"/>
-              <a:t>4/17/2020</a:t>
+              <a:t>5/15/2020</a:t>
             </a:fld>
             <a:endParaRPr lang="en-US"/>
           </a:p>
@@ -2393,7 +2837,7 @@
           <a:p>
             <a:fld id="{31D2A231-A7A4-4168-91EA-2B6389CA866E}" type="datetimeFigureOut">
               <a:rPr lang="en-US" smtClean="0"/>
-              <a:t>4/17/2020</a:t>
+              <a:t>5/15/2020</a:t>
             </a:fld>
             <a:endParaRPr lang="en-US"/>
           </a:p>
@@ -2681,7 +3125,7 @@
           <a:p>
             <a:fld id="{31D2A231-A7A4-4168-91EA-2B6389CA866E}" type="datetimeFigureOut">
               <a:rPr lang="en-US" smtClean="0"/>
-              <a:t>4/17/2020</a:t>
+              <a:t>5/15/2020</a:t>
             </a:fld>
             <a:endParaRPr lang="en-US"/>
           </a:p>
@@ -2922,7 +3366,7 @@
           <a:p>
             <a:fld id="{31D2A231-A7A4-4168-91EA-2B6389CA866E}" type="datetimeFigureOut">
               <a:rPr lang="en-US" smtClean="0"/>
-              <a:t>4/17/2020</a:t>
+              <a:t>5/15/2020</a:t>
             </a:fld>
             <a:endParaRPr lang="en-US"/>
           </a:p>
@@ -3355,15 +3799,10 @@
             <p:ph type="ctrTitle"/>
           </p:nvPr>
         </p:nvSpPr>
-        <p:spPr>
-          <a:xfrm>
-            <a:off x="-58189" y="1122363"/>
-            <a:ext cx="12250189" cy="2387600"/>
-          </a:xfrm>
-        </p:spPr>
+        <p:spPr/>
         <p:txBody>
           <a:bodyPr>
-            <a:normAutofit/>
+            <a:normAutofit fontScale="90000"/>
           </a:bodyPr>
           <a:lstStyle/>
           <a:p>
@@ -3371,48 +3810,23 @@
               <a:rPr lang="en-US" sz="3600" dirty="0"/>
               <a:t>Robotic Process Automation PMO</a:t>
             </a:r>
-          </a:p>
-        </p:txBody>
-      </p:sp>
-      <p:sp>
-        <p:nvSpPr>
-          <p:cNvPr id="3" name="Subtitle 2">
-            <a:extLst>
-              <a:ext uri="{FF2B5EF4-FFF2-40B4-BE49-F238E27FC236}">
-                <a16:creationId xmlns:a16="http://schemas.microsoft.com/office/drawing/2014/main" id="{DF9B9DF1-1BD5-4B96-BCD7-E12BF587BE99}"/>
-              </a:ext>
-            </a:extLst>
-          </p:cNvPr>
-          <p:cNvSpPr>
-            <a:spLocks noGrp="1"/>
-          </p:cNvSpPr>
-          <p:nvPr>
-            <p:ph type="subTitle" idx="1"/>
-          </p:nvPr>
-        </p:nvSpPr>
-        <p:spPr>
-          <a:xfrm>
-            <a:off x="0" y="3602038"/>
-            <a:ext cx="12192000" cy="437947"/>
-          </a:xfrm>
-        </p:spPr>
-        <p:txBody>
-          <a:bodyPr/>
-          <a:lstStyle/>
-          <a:p>
-            <a:r>
-              <a:rPr lang="en-US" dirty="0"/>
+            <a:br>
+              <a:rPr lang="en-US" sz="3600" dirty="0"/>
+            </a:br>
+            <a:r>
+              <a:rPr lang="en-US" sz="2700" dirty="0"/>
               <a:t>Weekly Status Report</a:t>
             </a:r>
+            <a:endParaRPr lang="en-US" sz="3600" dirty="0"/>
           </a:p>
         </p:txBody>
       </p:sp>
       <p:pic>
         <p:nvPicPr>
-          <p:cNvPr id="5" name="Picture 4" descr="A close up of a sign&#10;&#10;Description automatically generated">
-            <a:extLst>
-              <a:ext uri="{FF2B5EF4-FFF2-40B4-BE49-F238E27FC236}">
-                <a16:creationId xmlns:a16="http://schemas.microsoft.com/office/drawing/2014/main" id="{C59CFA57-E19E-44EF-AC54-DD4B949681E9}"/>
+          <p:cNvPr id="9" name="Picture 8" descr="A picture containing sitting, player, motorcycle, man&#10;&#10;Description automatically generated">
+            <a:extLst>
+              <a:ext uri="{FF2B5EF4-FFF2-40B4-BE49-F238E27FC236}">
+                <a16:creationId xmlns:a16="http://schemas.microsoft.com/office/drawing/2014/main" id="{D27F55C0-37DA-475A-B675-CBA5F9F7CB22}"/>
               </a:ext>
             </a:extLst>
           </p:cNvPr>
@@ -3422,297 +3836,13 @@
           <p:nvPr/>
         </p:nvPicPr>
         <p:blipFill>
-          <a:blip r:embed="rId2" cstate="print">
+          <a:blip r:embed="rId2">
             <a:extLst>
               <a:ext uri="{28A0092B-C50C-407E-A947-70E740481C1C}">
                 <a14:useLocalDpi xmlns:a14="http://schemas.microsoft.com/office/drawing/2010/main"/>
               </a:ext>
-            </a:extLst>
-          </a:blip>
-          <a:stretch>
-            <a:fillRect/>
-          </a:stretch>
-        </p:blipFill>
-        <p:spPr>
-          <a:xfrm>
-            <a:off x="4724397" y="1178555"/>
-            <a:ext cx="2743206" cy="1584963"/>
-          </a:xfrm>
-          <a:prstGeom prst="rect">
-            <a:avLst/>
-          </a:prstGeom>
-        </p:spPr>
-      </p:pic>
-      <p:sp>
-        <p:nvSpPr>
-          <p:cNvPr id="6" name="Rectangle 5">
-            <a:extLst>
-              <a:ext uri="{FF2B5EF4-FFF2-40B4-BE49-F238E27FC236}">
-                <a16:creationId xmlns:a16="http://schemas.microsoft.com/office/drawing/2014/main" id="{771FC350-2AC0-409B-B5C1-EAE2143F6D1C}"/>
-              </a:ext>
-            </a:extLst>
-          </p:cNvPr>
-          <p:cNvSpPr/>
-          <p:nvPr/>
-        </p:nvSpPr>
-        <p:spPr>
-          <a:xfrm>
-            <a:off x="0" y="0"/>
-            <a:ext cx="12192000" cy="947651"/>
-          </a:xfrm>
-          <a:prstGeom prst="rect">
-            <a:avLst/>
-          </a:prstGeom>
-          <a:solidFill>
-            <a:srgbClr val="00377B"/>
-          </a:solidFill>
-        </p:spPr>
-        <p:style>
-          <a:lnRef idx="2">
-            <a:schemeClr val="accent1">
-              <a:shade val="50000"/>
-            </a:schemeClr>
-          </a:lnRef>
-          <a:fillRef idx="1">
-            <a:schemeClr val="accent1"/>
-          </a:fillRef>
-          <a:effectRef idx="0">
-            <a:schemeClr val="accent1"/>
-          </a:effectRef>
-          <a:fontRef idx="minor">
-            <a:schemeClr val="lt1"/>
-          </a:fontRef>
-        </p:style>
-        <p:txBody>
-          <a:bodyPr rtlCol="0" anchor="ctr"/>
-          <a:lstStyle/>
-          <a:p>
-            <a:pPr algn="ctr"/>
-            <a:endParaRPr lang="en-US"/>
-          </a:p>
-        </p:txBody>
-      </p:sp>
-      <p:sp>
-        <p:nvSpPr>
-          <p:cNvPr id="7" name="Subtitle 2">
-            <a:extLst>
-              <a:ext uri="{FF2B5EF4-FFF2-40B4-BE49-F238E27FC236}">
-                <a16:creationId xmlns:a16="http://schemas.microsoft.com/office/drawing/2014/main" id="{D02E74A2-DE7B-4641-B438-1B606482B167}"/>
-              </a:ext>
-            </a:extLst>
-          </p:cNvPr>
-          <p:cNvSpPr txBox="1">
-            <a:spLocks/>
-          </p:cNvSpPr>
-          <p:nvPr/>
-        </p:nvSpPr>
-        <p:spPr>
-          <a:xfrm>
-            <a:off x="0" y="4026624"/>
-            <a:ext cx="12192000" cy="437947"/>
-          </a:xfrm>
-          <a:prstGeom prst="rect">
-            <a:avLst/>
-          </a:prstGeom>
-        </p:spPr>
-        <p:txBody>
-          <a:bodyPr vert="horz" lIns="91440" tIns="45720" rIns="91440" bIns="45720" rtlCol="0">
-            <a:normAutofit/>
-          </a:bodyPr>
-          <a:lstStyle>
-            <a:lvl1pPr marL="0" indent="0" algn="ctr" defTabSz="914400" rtl="0" eaLnBrk="1" latinLnBrk="0" hangingPunct="1">
-              <a:lnSpc>
-                <a:spcPct val="90000"/>
-              </a:lnSpc>
-              <a:spcBef>
-                <a:spcPts val="1000"/>
-              </a:spcBef>
-              <a:buFont typeface="Arial" panose="020B0604020202020204" pitchFamily="34" charset="0"/>
-              <a:buNone/>
-              <a:defRPr sz="2400" kern="1200">
-                <a:solidFill>
-                  <a:schemeClr val="tx1"/>
-                </a:solidFill>
-                <a:latin typeface="+mn-lt"/>
-                <a:ea typeface="+mn-ea"/>
-                <a:cs typeface="+mn-cs"/>
-              </a:defRPr>
-            </a:lvl1pPr>
-            <a:lvl2pPr marL="457200" indent="0" algn="ctr" defTabSz="914400" rtl="0" eaLnBrk="1" latinLnBrk="0" hangingPunct="1">
-              <a:lnSpc>
-                <a:spcPct val="90000"/>
-              </a:lnSpc>
-              <a:spcBef>
-                <a:spcPts val="500"/>
-              </a:spcBef>
-              <a:buFont typeface="Arial" panose="020B0604020202020204" pitchFamily="34" charset="0"/>
-              <a:buNone/>
-              <a:defRPr sz="2000" kern="1200">
-                <a:solidFill>
-                  <a:schemeClr val="tx1"/>
-                </a:solidFill>
-                <a:latin typeface="+mn-lt"/>
-                <a:ea typeface="+mn-ea"/>
-                <a:cs typeface="+mn-cs"/>
-              </a:defRPr>
-            </a:lvl2pPr>
-            <a:lvl3pPr marL="914400" indent="0" algn="ctr" defTabSz="914400" rtl="0" eaLnBrk="1" latinLnBrk="0" hangingPunct="1">
-              <a:lnSpc>
-                <a:spcPct val="90000"/>
-              </a:lnSpc>
-              <a:spcBef>
-                <a:spcPts val="500"/>
-              </a:spcBef>
-              <a:buFont typeface="Arial" panose="020B0604020202020204" pitchFamily="34" charset="0"/>
-              <a:buNone/>
-              <a:defRPr sz="1800" kern="1200">
-                <a:solidFill>
-                  <a:schemeClr val="tx1"/>
-                </a:solidFill>
-                <a:latin typeface="+mn-lt"/>
-                <a:ea typeface="+mn-ea"/>
-                <a:cs typeface="+mn-cs"/>
-              </a:defRPr>
-            </a:lvl3pPr>
-            <a:lvl4pPr marL="1371600" indent="0" algn="ctr" defTabSz="914400" rtl="0" eaLnBrk="1" latinLnBrk="0" hangingPunct="1">
-              <a:lnSpc>
-                <a:spcPct val="90000"/>
-              </a:lnSpc>
-              <a:spcBef>
-                <a:spcPts val="500"/>
-              </a:spcBef>
-              <a:buFont typeface="Arial" panose="020B0604020202020204" pitchFamily="34" charset="0"/>
-              <a:buNone/>
-              <a:defRPr sz="1600" kern="1200">
-                <a:solidFill>
-                  <a:schemeClr val="tx1"/>
-                </a:solidFill>
-                <a:latin typeface="+mn-lt"/>
-                <a:ea typeface="+mn-ea"/>
-                <a:cs typeface="+mn-cs"/>
-              </a:defRPr>
-            </a:lvl4pPr>
-            <a:lvl5pPr marL="1828800" indent="0" algn="ctr" defTabSz="914400" rtl="0" eaLnBrk="1" latinLnBrk="0" hangingPunct="1">
-              <a:lnSpc>
-                <a:spcPct val="90000"/>
-              </a:lnSpc>
-              <a:spcBef>
-                <a:spcPts val="500"/>
-              </a:spcBef>
-              <a:buFont typeface="Arial" panose="020B0604020202020204" pitchFamily="34" charset="0"/>
-              <a:buNone/>
-              <a:defRPr sz="1600" kern="1200">
-                <a:solidFill>
-                  <a:schemeClr val="tx1"/>
-                </a:solidFill>
-                <a:latin typeface="+mn-lt"/>
-                <a:ea typeface="+mn-ea"/>
-                <a:cs typeface="+mn-cs"/>
-              </a:defRPr>
-            </a:lvl5pPr>
-            <a:lvl6pPr marL="2286000" indent="0" algn="ctr" defTabSz="914400" rtl="0" eaLnBrk="1" latinLnBrk="0" hangingPunct="1">
-              <a:lnSpc>
-                <a:spcPct val="90000"/>
-              </a:lnSpc>
-              <a:spcBef>
-                <a:spcPts val="500"/>
-              </a:spcBef>
-              <a:buFont typeface="Arial" panose="020B0604020202020204" pitchFamily="34" charset="0"/>
-              <a:buNone/>
-              <a:defRPr sz="1600" kern="1200">
-                <a:solidFill>
-                  <a:schemeClr val="tx1"/>
-                </a:solidFill>
-                <a:latin typeface="+mn-lt"/>
-                <a:ea typeface="+mn-ea"/>
-                <a:cs typeface="+mn-cs"/>
-              </a:defRPr>
-            </a:lvl6pPr>
-            <a:lvl7pPr marL="2743200" indent="0" algn="ctr" defTabSz="914400" rtl="0" eaLnBrk="1" latinLnBrk="0" hangingPunct="1">
-              <a:lnSpc>
-                <a:spcPct val="90000"/>
-              </a:lnSpc>
-              <a:spcBef>
-                <a:spcPts val="500"/>
-              </a:spcBef>
-              <a:buFont typeface="Arial" panose="020B0604020202020204" pitchFamily="34" charset="0"/>
-              <a:buNone/>
-              <a:defRPr sz="1600" kern="1200">
-                <a:solidFill>
-                  <a:schemeClr val="tx1"/>
-                </a:solidFill>
-                <a:latin typeface="+mn-lt"/>
-                <a:ea typeface="+mn-ea"/>
-                <a:cs typeface="+mn-cs"/>
-              </a:defRPr>
-            </a:lvl7pPr>
-            <a:lvl8pPr marL="3200400" indent="0" algn="ctr" defTabSz="914400" rtl="0" eaLnBrk="1" latinLnBrk="0" hangingPunct="1">
-              <a:lnSpc>
-                <a:spcPct val="90000"/>
-              </a:lnSpc>
-              <a:spcBef>
-                <a:spcPts val="500"/>
-              </a:spcBef>
-              <a:buFont typeface="Arial" panose="020B0604020202020204" pitchFamily="34" charset="0"/>
-              <a:buNone/>
-              <a:defRPr sz="1600" kern="1200">
-                <a:solidFill>
-                  <a:schemeClr val="tx1"/>
-                </a:solidFill>
-                <a:latin typeface="+mn-lt"/>
-                <a:ea typeface="+mn-ea"/>
-                <a:cs typeface="+mn-cs"/>
-              </a:defRPr>
-            </a:lvl8pPr>
-            <a:lvl9pPr marL="3657600" indent="0" algn="ctr" defTabSz="914400" rtl="0" eaLnBrk="1" latinLnBrk="0" hangingPunct="1">
-              <a:lnSpc>
-                <a:spcPct val="90000"/>
-              </a:lnSpc>
-              <a:spcBef>
-                <a:spcPts val="500"/>
-              </a:spcBef>
-              <a:buFont typeface="Arial" panose="020B0604020202020204" pitchFamily="34" charset="0"/>
-              <a:buNone/>
-              <a:defRPr sz="1600" kern="1200">
-                <a:solidFill>
-                  <a:schemeClr val="tx1"/>
-                </a:solidFill>
-                <a:latin typeface="+mn-lt"/>
-                <a:ea typeface="+mn-ea"/>
-                <a:cs typeface="+mn-cs"/>
-              </a:defRPr>
-            </a:lvl9pPr>
-          </a:lstStyle>
-          <a:p>
-            <a:r>
-              <a:rPr lang="en-US" sz="2000" dirty="0"/>
-              <a:t>Prepared on:</a:t>
-            </a:r>
-          </a:p>
-        </p:txBody>
-      </p:sp>
-      <p:pic>
-        <p:nvPicPr>
-          <p:cNvPr id="9" name="Picture 8" descr="A picture containing sitting, player, motorcycle, man&#10;&#10;Description automatically generated">
-            <a:extLst>
-              <a:ext uri="{FF2B5EF4-FFF2-40B4-BE49-F238E27FC236}">
-                <a16:creationId xmlns:a16="http://schemas.microsoft.com/office/drawing/2014/main" id="{D27F55C0-37DA-475A-B675-CBA5F9F7CB22}"/>
-              </a:ext>
-            </a:extLst>
-          </p:cNvPr>
-          <p:cNvPicPr>
-            <a:picLocks noChangeAspect="1"/>
-          </p:cNvPicPr>
-          <p:nvPr/>
-        </p:nvPicPr>
-        <p:blipFill>
-          <a:blip r:embed="rId3">
-            <a:extLst>
-              <a:ext uri="{28A0092B-C50C-407E-A947-70E740481C1C}">
-                <a14:useLocalDpi xmlns:a14="http://schemas.microsoft.com/office/drawing/2010/main"/>
-              </a:ext>
               <a:ext uri="{837473B0-CC2E-450A-ABE3-18F120FF3D39}">
-                <a1611:picAttrSrcUrl xmlns:a1611="http://schemas.microsoft.com/office/drawing/2016/11/main" r:id="rId4"/>
+                <a1611:picAttrSrcUrl xmlns:a1611="http://schemas.microsoft.com/office/drawing/2016/11/main" r:id="rId3"/>
               </a:ext>
             </a:extLst>
           </a:blip>
@@ -3762,55 +3892,6 @@
       </p:grpSpPr>
       <p:sp>
         <p:nvSpPr>
-          <p:cNvPr id="4" name="Rectangle 3">
-            <a:extLst>
-              <a:ext uri="{FF2B5EF4-FFF2-40B4-BE49-F238E27FC236}">
-                <a16:creationId xmlns:a16="http://schemas.microsoft.com/office/drawing/2014/main" id="{EA1E6193-F890-43BB-BB3C-E5E5B919408D}"/>
-              </a:ext>
-            </a:extLst>
-          </p:cNvPr>
-          <p:cNvSpPr/>
-          <p:nvPr/>
-        </p:nvSpPr>
-        <p:spPr>
-          <a:xfrm>
-            <a:off x="0" y="0"/>
-            <a:ext cx="12192000" cy="947651"/>
-          </a:xfrm>
-          <a:prstGeom prst="rect">
-            <a:avLst/>
-          </a:prstGeom>
-          <a:solidFill>
-            <a:srgbClr val="00377B"/>
-          </a:solidFill>
-        </p:spPr>
-        <p:style>
-          <a:lnRef idx="2">
-            <a:schemeClr val="accent1">
-              <a:shade val="50000"/>
-            </a:schemeClr>
-          </a:lnRef>
-          <a:fillRef idx="1">
-            <a:schemeClr val="accent1"/>
-          </a:fillRef>
-          <a:effectRef idx="0">
-            <a:schemeClr val="accent1"/>
-          </a:effectRef>
-          <a:fontRef idx="minor">
-            <a:schemeClr val="lt1"/>
-          </a:fontRef>
-        </p:style>
-        <p:txBody>
-          <a:bodyPr rtlCol="0" anchor="ctr"/>
-          <a:lstStyle/>
-          <a:p>
-            <a:pPr algn="ctr"/>
-            <a:endParaRPr lang="en-US"/>
-          </a:p>
-        </p:txBody>
-      </p:sp>
-      <p:sp>
-        <p:nvSpPr>
           <p:cNvPr id="2" name="Title 1">
             <a:extLst>
               <a:ext uri="{FF2B5EF4-FFF2-40B4-BE49-F238E27FC236}">
@@ -3825,15 +3906,10 @@
             <p:ph type="title"/>
           </p:nvPr>
         </p:nvSpPr>
-        <p:spPr>
-          <a:xfrm>
-            <a:off x="755073" y="160495"/>
-            <a:ext cx="10515600" cy="626659"/>
-          </a:xfrm>
-        </p:spPr>
+        <p:spPr/>
         <p:txBody>
           <a:bodyPr>
-            <a:normAutofit fontScale="90000"/>
+            <a:normAutofit/>
           </a:bodyPr>
           <a:lstStyle/>
           <a:p>
@@ -3848,79 +3924,24 @@
           </a:p>
         </p:txBody>
       </p:sp>
-      <p:pic>
-        <p:nvPicPr>
-          <p:cNvPr id="7" name="Content Placeholder 6" descr="Robot">
-            <a:extLst>
-              <a:ext uri="{FF2B5EF4-FFF2-40B4-BE49-F238E27FC236}">
-                <a16:creationId xmlns:a16="http://schemas.microsoft.com/office/drawing/2014/main" id="{2F2FFB82-9455-4A2E-B5C8-3BA25E596E7A}"/>
-              </a:ext>
-            </a:extLst>
-          </p:cNvPr>
-          <p:cNvPicPr>
-            <a:picLocks noGrp="1" noChangeAspect="1"/>
-          </p:cNvPicPr>
-          <p:nvPr>
-            <p:ph idx="1"/>
-          </p:nvPr>
-        </p:nvPicPr>
-        <p:blipFill>
-          <a:blip r:embed="rId2">
-            <a:extLst>
-              <a:ext uri="{28A0092B-C50C-407E-A947-70E740481C1C}">
-                <a14:useLocalDpi xmlns:a14="http://schemas.microsoft.com/office/drawing/2010/main"/>
-              </a:ext>
-              <a:ext uri="{96DAC541-7B7A-43D3-8B79-37D633B846F1}">
-                <asvg:svgBlip xmlns:asvg="http://schemas.microsoft.com/office/drawing/2016/SVG/main" r:embed="rId3"/>
-              </a:ext>
-            </a:extLst>
-          </a:blip>
-          <a:stretch>
-            <a:fillRect/>
-          </a:stretch>
-        </p:blipFill>
-        <p:spPr>
-          <a:xfrm>
-            <a:off x="11296650" y="5810250"/>
-            <a:ext cx="914400" cy="914400"/>
-          </a:xfrm>
-        </p:spPr>
-      </p:pic>
-      <p:pic>
-        <p:nvPicPr>
-          <p:cNvPr id="5" name="Picture 4" descr="A close up of a sign&#10;&#10;Description automatically generated">
-            <a:extLst>
-              <a:ext uri="{FF2B5EF4-FFF2-40B4-BE49-F238E27FC236}">
-                <a16:creationId xmlns:a16="http://schemas.microsoft.com/office/drawing/2014/main" id="{38811A5B-843C-4783-A4B0-BD6ED61A906A}"/>
-              </a:ext>
-            </a:extLst>
-          </p:cNvPr>
-          <p:cNvPicPr>
-            <a:picLocks noChangeAspect="1"/>
-          </p:cNvPicPr>
-          <p:nvPr/>
-        </p:nvPicPr>
-        <p:blipFill rotWithShape="1">
-          <a:blip r:embed="rId4" cstate="print">
-            <a:extLst>
-              <a:ext uri="{28A0092B-C50C-407E-A947-70E740481C1C}">
-                <a14:useLocalDpi xmlns:a14="http://schemas.microsoft.com/office/drawing/2010/main"/>
-              </a:ext>
-            </a:extLst>
-          </a:blip>
-          <a:srcRect/>
-          <a:stretch/>
-        </p:blipFill>
-        <p:spPr>
-          <a:xfrm>
-            <a:off x="149628" y="6176963"/>
-            <a:ext cx="1041865" cy="547687"/>
-          </a:xfrm>
-          <a:prstGeom prst="rect">
-            <a:avLst/>
-          </a:prstGeom>
-        </p:spPr>
-      </p:pic>
+      <p:sp>
+        <p:nvSpPr>
+          <p:cNvPr id="7" name="Table Placeholder 6">
+            <a:extLst>
+              <a:ext uri="{FF2B5EF4-FFF2-40B4-BE49-F238E27FC236}">
+                <a16:creationId xmlns:a16="http://schemas.microsoft.com/office/drawing/2014/main" id="{92538269-7816-4793-9331-437B51ABF5B4}"/>
+              </a:ext>
+            </a:extLst>
+          </p:cNvPr>
+          <p:cNvSpPr>
+            <a:spLocks noGrp="1"/>
+          </p:cNvSpPr>
+          <p:nvPr>
+            <p:ph type="tbl" sz="quarter" idx="13"/>
+          </p:nvPr>
+        </p:nvSpPr>
+        <p:spPr/>
+      </p:sp>
     </p:spTree>
     <p:extLst>
       <p:ext uri="{BB962C8B-B14F-4D97-AF65-F5344CB8AC3E}">
@@ -3951,90 +3972,6 @@
           <a:chExt cx="0" cy="0"/>
         </a:xfrm>
       </p:grpSpPr>
-      <p:pic>
-        <p:nvPicPr>
-          <p:cNvPr id="4" name="Picture 3" descr="A close up of a sign&#10;&#10;Description automatically generated">
-            <a:extLst>
-              <a:ext uri="{FF2B5EF4-FFF2-40B4-BE49-F238E27FC236}">
-                <a16:creationId xmlns:a16="http://schemas.microsoft.com/office/drawing/2014/main" id="{23F925B8-3CFE-466C-8D50-8218745E73DB}"/>
-              </a:ext>
-            </a:extLst>
-          </p:cNvPr>
-          <p:cNvPicPr>
-            <a:picLocks noChangeAspect="1"/>
-          </p:cNvPicPr>
-          <p:nvPr/>
-        </p:nvPicPr>
-        <p:blipFill rotWithShape="1">
-          <a:blip r:embed="rId2" cstate="print">
-            <a:extLst>
-              <a:ext uri="{28A0092B-C50C-407E-A947-70E740481C1C}">
-                <a14:useLocalDpi xmlns:a14="http://schemas.microsoft.com/office/drawing/2010/main"/>
-              </a:ext>
-            </a:extLst>
-          </a:blip>
-          <a:srcRect/>
-          <a:stretch/>
-        </p:blipFill>
-        <p:spPr>
-          <a:xfrm>
-            <a:off x="149628" y="6176963"/>
-            <a:ext cx="1041865" cy="547687"/>
-          </a:xfrm>
-          <a:prstGeom prst="rect">
-            <a:avLst/>
-          </a:prstGeom>
-        </p:spPr>
-      </p:pic>
-      <p:sp>
-        <p:nvSpPr>
-          <p:cNvPr id="5" name="Rectangle 4">
-            <a:extLst>
-              <a:ext uri="{FF2B5EF4-FFF2-40B4-BE49-F238E27FC236}">
-                <a16:creationId xmlns:a16="http://schemas.microsoft.com/office/drawing/2014/main" id="{842BAAE4-171C-4E57-9AE5-7F5B70674C9E}"/>
-              </a:ext>
-            </a:extLst>
-          </p:cNvPr>
-          <p:cNvSpPr/>
-          <p:nvPr/>
-        </p:nvSpPr>
-        <p:spPr>
-          <a:xfrm>
-            <a:off x="0" y="0"/>
-            <a:ext cx="12192000" cy="947651"/>
-          </a:xfrm>
-          <a:prstGeom prst="rect">
-            <a:avLst/>
-          </a:prstGeom>
-          <a:solidFill>
-            <a:srgbClr val="00377B"/>
-          </a:solidFill>
-        </p:spPr>
-        <p:style>
-          <a:lnRef idx="2">
-            <a:schemeClr val="accent1">
-              <a:shade val="50000"/>
-            </a:schemeClr>
-          </a:lnRef>
-          <a:fillRef idx="1">
-            <a:schemeClr val="accent1"/>
-          </a:fillRef>
-          <a:effectRef idx="0">
-            <a:schemeClr val="accent1"/>
-          </a:effectRef>
-          <a:fontRef idx="minor">
-            <a:schemeClr val="lt1"/>
-          </a:fontRef>
-        </p:style>
-        <p:txBody>
-          <a:bodyPr rtlCol="0" anchor="ctr"/>
-          <a:lstStyle/>
-          <a:p>
-            <a:pPr algn="ctr"/>
-            <a:endParaRPr lang="en-US"/>
-          </a:p>
-        </p:txBody>
-      </p:sp>
       <p:sp>
         <p:nvSpPr>
           <p:cNvPr id="6" name="Title 1">
@@ -4051,15 +3988,10 @@
             <p:ph type="title"/>
           </p:nvPr>
         </p:nvSpPr>
-        <p:spPr>
-          <a:xfrm>
-            <a:off x="755073" y="160495"/>
-            <a:ext cx="10515600" cy="626659"/>
-          </a:xfrm>
-        </p:spPr>
+        <p:spPr/>
         <p:txBody>
           <a:bodyPr>
-            <a:normAutofit fontScale="90000"/>
+            <a:normAutofit/>
           </a:bodyPr>
           <a:lstStyle/>
           <a:p>
@@ -4074,45 +4006,24 @@
           </a:p>
         </p:txBody>
       </p:sp>
-      <p:pic>
-        <p:nvPicPr>
-          <p:cNvPr id="7" name="Content Placeholder 6" descr="Robot">
-            <a:extLst>
-              <a:ext uri="{FF2B5EF4-FFF2-40B4-BE49-F238E27FC236}">
-                <a16:creationId xmlns:a16="http://schemas.microsoft.com/office/drawing/2014/main" id="{846BE79D-C4CC-4B44-867E-9B71CC3D38CD}"/>
-              </a:ext>
-            </a:extLst>
-          </p:cNvPr>
-          <p:cNvPicPr>
-            <a:picLocks noChangeAspect="1"/>
-          </p:cNvPicPr>
-          <p:nvPr/>
-        </p:nvPicPr>
-        <p:blipFill>
-          <a:blip r:embed="rId3">
-            <a:extLst>
-              <a:ext uri="{28A0092B-C50C-407E-A947-70E740481C1C}">
-                <a14:useLocalDpi xmlns:a14="http://schemas.microsoft.com/office/drawing/2010/main"/>
-              </a:ext>
-              <a:ext uri="{96DAC541-7B7A-43D3-8B79-37D633B846F1}">
-                <asvg:svgBlip xmlns:asvg="http://schemas.microsoft.com/office/drawing/2016/SVG/main" r:embed="rId4"/>
-              </a:ext>
-            </a:extLst>
-          </a:blip>
-          <a:stretch>
-            <a:fillRect/>
-          </a:stretch>
-        </p:blipFill>
-        <p:spPr>
-          <a:xfrm>
-            <a:off x="11296650" y="5810250"/>
-            <a:ext cx="914400" cy="914400"/>
-          </a:xfrm>
-          <a:prstGeom prst="rect">
-            <a:avLst/>
-          </a:prstGeom>
-        </p:spPr>
-      </p:pic>
+      <p:sp>
+        <p:nvSpPr>
+          <p:cNvPr id="5" name="Table Placeholder 4">
+            <a:extLst>
+              <a:ext uri="{FF2B5EF4-FFF2-40B4-BE49-F238E27FC236}">
+                <a16:creationId xmlns:a16="http://schemas.microsoft.com/office/drawing/2014/main" id="{7C478F99-2C5A-4FB0-969D-25AF82E52757}"/>
+              </a:ext>
+            </a:extLst>
+          </p:cNvPr>
+          <p:cNvSpPr>
+            <a:spLocks noGrp="1"/>
+          </p:cNvSpPr>
+          <p:nvPr>
+            <p:ph type="tbl" sz="quarter" idx="13"/>
+          </p:nvPr>
+        </p:nvSpPr>
+        <p:spPr/>
+      </p:sp>
     </p:spTree>
     <p:extLst>
       <p:ext uri="{BB962C8B-B14F-4D97-AF65-F5344CB8AC3E}">
@@ -4419,4 +4330,299 @@
     </a:ext>
   </a:extLst>
 </a:theme>
+</file>
+
+<file path=ppt/theme/theme2.xml><?xml version="1.0" encoding="utf-8"?>
+<a:theme xmlns:a="http://schemas.openxmlformats.org/drawingml/2006/main" name="Office Theme">
+  <a:themeElements>
+    <a:clrScheme name="Office">
+      <a:dk1>
+        <a:sysClr val="windowText" lastClr="000000"/>
+      </a:dk1>
+      <a:lt1>
+        <a:sysClr val="window" lastClr="FFFFFF"/>
+      </a:lt1>
+      <a:dk2>
+        <a:srgbClr val="44546A"/>
+      </a:dk2>
+      <a:lt2>
+        <a:srgbClr val="E7E6E6"/>
+      </a:lt2>
+      <a:accent1>
+        <a:srgbClr val="4472C4"/>
+      </a:accent1>
+      <a:accent2>
+        <a:srgbClr val="ED7D31"/>
+      </a:accent2>
+      <a:accent3>
+        <a:srgbClr val="A5A5A5"/>
+      </a:accent3>
+      <a:accent4>
+        <a:srgbClr val="FFC000"/>
+      </a:accent4>
+      <a:accent5>
+        <a:srgbClr val="5B9BD5"/>
+      </a:accent5>
+      <a:accent6>
+        <a:srgbClr val="70AD47"/>
+      </a:accent6>
+      <a:hlink>
+        <a:srgbClr val="0563C1"/>
+      </a:hlink>
+      <a:folHlink>
+        <a:srgbClr val="954F72"/>
+      </a:folHlink>
+    </a:clrScheme>
+    <a:fontScheme name="Office">
+      <a:majorFont>
+        <a:latin typeface="Calibri Light" panose="020F0302020204030204"/>
+        <a:ea typeface=""/>
+        <a:cs typeface=""/>
+        <a:font script="Jpan" typeface="游ゴシック Light"/>
+        <a:font script="Hang" typeface="맑은 고딕"/>
+        <a:font script="Hans" typeface="等线 Light"/>
+        <a:font script="Hant" typeface="新細明體"/>
+        <a:font script="Arab" typeface="Times New Roman"/>
+        <a:font script="Hebr" typeface="Times New Roman"/>
+        <a:font script="Thai" typeface="Angsana New"/>
+        <a:font script="Ethi" typeface="Nyala"/>
+        <a:font script="Beng" typeface="Vrinda"/>
+        <a:font script="Gujr" typeface="Shruti"/>
+        <a:font script="Khmr" typeface="MoolBoran"/>
+        <a:font script="Knda" typeface="Tunga"/>
+        <a:font script="Guru" typeface="Raavi"/>
+        <a:font script="Cans" typeface="Euphemia"/>
+        <a:font script="Cher" typeface="Plantagenet Cherokee"/>
+        <a:font script="Yiii" typeface="Microsoft Yi Baiti"/>
+        <a:font script="Tibt" typeface="Microsoft Himalaya"/>
+        <a:font script="Thaa" typeface="MV Boli"/>
+        <a:font script="Deva" typeface="Mangal"/>
+        <a:font script="Telu" typeface="Gautami"/>
+        <a:font script="Taml" typeface="Latha"/>
+        <a:font script="Syrc" typeface="Estrangelo Edessa"/>
+        <a:font script="Orya" typeface="Kalinga"/>
+        <a:font script="Mlym" typeface="Kartika"/>
+        <a:font script="Laoo" typeface="DokChampa"/>
+        <a:font script="Sinh" typeface="Iskoola Pota"/>
+        <a:font script="Mong" typeface="Mongolian Baiti"/>
+        <a:font script="Viet" typeface="Times New Roman"/>
+        <a:font script="Uigh" typeface="Microsoft Uighur"/>
+        <a:font script="Geor" typeface="Sylfaen"/>
+        <a:font script="Armn" typeface="Arial"/>
+        <a:font script="Bugi" typeface="Leelawadee UI"/>
+        <a:font script="Bopo" typeface="Microsoft JhengHei"/>
+        <a:font script="Java" typeface="Javanese Text"/>
+        <a:font script="Lisu" typeface="Segoe UI"/>
+        <a:font script="Mymr" typeface="Myanmar Text"/>
+        <a:font script="Nkoo" typeface="Ebrima"/>
+        <a:font script="Olck" typeface="Nirmala UI"/>
+        <a:font script="Osma" typeface="Ebrima"/>
+        <a:font script="Phag" typeface="Phagspa"/>
+        <a:font script="Syrn" typeface="Estrangelo Edessa"/>
+        <a:font script="Syrj" typeface="Estrangelo Edessa"/>
+        <a:font script="Syre" typeface="Estrangelo Edessa"/>
+        <a:font script="Sora" typeface="Nirmala UI"/>
+        <a:font script="Tale" typeface="Microsoft Tai Le"/>
+        <a:font script="Talu" typeface="Microsoft New Tai Lue"/>
+        <a:font script="Tfng" typeface="Ebrima"/>
+      </a:majorFont>
+      <a:minorFont>
+        <a:latin typeface="Calibri" panose="020F0502020204030204"/>
+        <a:ea typeface=""/>
+        <a:cs typeface=""/>
+        <a:font script="Jpan" typeface="游ゴシック"/>
+        <a:font script="Hang" typeface="맑은 고딕"/>
+        <a:font script="Hans" typeface="等线"/>
+        <a:font script="Hant" typeface="新細明體"/>
+        <a:font script="Arab" typeface="Arial"/>
+        <a:font script="Hebr" typeface="Arial"/>
+        <a:font script="Thai" typeface="Cordia New"/>
+        <a:font script="Ethi" typeface="Nyala"/>
+        <a:font script="Beng" typeface="Vrinda"/>
+        <a:font script="Gujr" typeface="Shruti"/>
+        <a:font script="Khmr" typeface="DaunPenh"/>
+        <a:font script="Knda" typeface="Tunga"/>
+        <a:font script="Guru" typeface="Raavi"/>
+        <a:font script="Cans" typeface="Euphemia"/>
+        <a:font script="Cher" typeface="Plantagenet Cherokee"/>
+        <a:font script="Yiii" typeface="Microsoft Yi Baiti"/>
+        <a:font script="Tibt" typeface="Microsoft Himalaya"/>
+        <a:font script="Thaa" typeface="MV Boli"/>
+        <a:font script="Deva" typeface="Mangal"/>
+        <a:font script="Telu" typeface="Gautami"/>
+        <a:font script="Taml" typeface="Latha"/>
+        <a:font script="Syrc" typeface="Estrangelo Edessa"/>
+        <a:font script="Orya" typeface="Kalinga"/>
+        <a:font script="Mlym" typeface="Kartika"/>
+        <a:font script="Laoo" typeface="DokChampa"/>
+        <a:font script="Sinh" typeface="Iskoola Pota"/>
+        <a:font script="Mong" typeface="Mongolian Baiti"/>
+        <a:font script="Viet" typeface="Arial"/>
+        <a:font script="Uigh" typeface="Microsoft Uighur"/>
+        <a:font script="Geor" typeface="Sylfaen"/>
+        <a:font script="Armn" typeface="Arial"/>
+        <a:font script="Bugi" typeface="Leelawadee UI"/>
+        <a:font script="Bopo" typeface="Microsoft JhengHei"/>
+        <a:font script="Java" typeface="Javanese Text"/>
+        <a:font script="Lisu" typeface="Segoe UI"/>
+        <a:font script="Mymr" typeface="Myanmar Text"/>
+        <a:font script="Nkoo" typeface="Ebrima"/>
+        <a:font script="Olck" typeface="Nirmala UI"/>
+        <a:font script="Osma" typeface="Ebrima"/>
+        <a:font script="Phag" typeface="Phagspa"/>
+        <a:font script="Syrn" typeface="Estrangelo Edessa"/>
+        <a:font script="Syrj" typeface="Estrangelo Edessa"/>
+        <a:font script="Syre" typeface="Estrangelo Edessa"/>
+        <a:font script="Sora" typeface="Nirmala UI"/>
+        <a:font script="Tale" typeface="Microsoft Tai Le"/>
+        <a:font script="Talu" typeface="Microsoft New Tai Lue"/>
+        <a:font script="Tfng" typeface="Ebrima"/>
+      </a:minorFont>
+    </a:fontScheme>
+    <a:fmtScheme name="Office">
+      <a:fillStyleLst>
+        <a:solidFill>
+          <a:schemeClr val="phClr"/>
+        </a:solidFill>
+        <a:gradFill rotWithShape="1">
+          <a:gsLst>
+            <a:gs pos="0">
+              <a:schemeClr val="phClr">
+                <a:lumMod val="110000"/>
+                <a:satMod val="105000"/>
+                <a:tint val="67000"/>
+              </a:schemeClr>
+            </a:gs>
+            <a:gs pos="50000">
+              <a:schemeClr val="phClr">
+                <a:lumMod val="105000"/>
+                <a:satMod val="103000"/>
+                <a:tint val="73000"/>
+              </a:schemeClr>
+            </a:gs>
+            <a:gs pos="100000">
+              <a:schemeClr val="phClr">
+                <a:lumMod val="105000"/>
+                <a:satMod val="109000"/>
+                <a:tint val="81000"/>
+              </a:schemeClr>
+            </a:gs>
+          </a:gsLst>
+          <a:lin ang="5400000" scaled="0"/>
+        </a:gradFill>
+        <a:gradFill rotWithShape="1">
+          <a:gsLst>
+            <a:gs pos="0">
+              <a:schemeClr val="phClr">
+                <a:satMod val="103000"/>
+                <a:lumMod val="102000"/>
+                <a:tint val="94000"/>
+              </a:schemeClr>
+            </a:gs>
+            <a:gs pos="50000">
+              <a:schemeClr val="phClr">
+                <a:satMod val="110000"/>
+                <a:lumMod val="100000"/>
+                <a:shade val="100000"/>
+              </a:schemeClr>
+            </a:gs>
+            <a:gs pos="100000">
+              <a:schemeClr val="phClr">
+                <a:lumMod val="99000"/>
+                <a:satMod val="120000"/>
+                <a:shade val="78000"/>
+              </a:schemeClr>
+            </a:gs>
+          </a:gsLst>
+          <a:lin ang="5400000" scaled="0"/>
+        </a:gradFill>
+      </a:fillStyleLst>
+      <a:lnStyleLst>
+        <a:ln w="6350" cap="flat" cmpd="sng" algn="ctr">
+          <a:solidFill>
+            <a:schemeClr val="phClr"/>
+          </a:solidFill>
+          <a:prstDash val="solid"/>
+          <a:miter lim="800000"/>
+        </a:ln>
+        <a:ln w="12700" cap="flat" cmpd="sng" algn="ctr">
+          <a:solidFill>
+            <a:schemeClr val="phClr"/>
+          </a:solidFill>
+          <a:prstDash val="solid"/>
+          <a:miter lim="800000"/>
+        </a:ln>
+        <a:ln w="19050" cap="flat" cmpd="sng" algn="ctr">
+          <a:solidFill>
+            <a:schemeClr val="phClr"/>
+          </a:solidFill>
+          <a:prstDash val="solid"/>
+          <a:miter lim="800000"/>
+        </a:ln>
+      </a:lnStyleLst>
+      <a:effectStyleLst>
+        <a:effectStyle>
+          <a:effectLst/>
+        </a:effectStyle>
+        <a:effectStyle>
+          <a:effectLst/>
+        </a:effectStyle>
+        <a:effectStyle>
+          <a:effectLst>
+            <a:outerShdw blurRad="57150" dist="19050" dir="5400000" algn="ctr" rotWithShape="0">
+              <a:srgbClr val="000000">
+                <a:alpha val="63000"/>
+              </a:srgbClr>
+            </a:outerShdw>
+          </a:effectLst>
+        </a:effectStyle>
+      </a:effectStyleLst>
+      <a:bgFillStyleLst>
+        <a:solidFill>
+          <a:schemeClr val="phClr"/>
+        </a:solidFill>
+        <a:solidFill>
+          <a:schemeClr val="phClr">
+            <a:tint val="95000"/>
+            <a:satMod val="170000"/>
+          </a:schemeClr>
+        </a:solidFill>
+        <a:gradFill rotWithShape="1">
+          <a:gsLst>
+            <a:gs pos="0">
+              <a:schemeClr val="phClr">
+                <a:tint val="93000"/>
+                <a:satMod val="150000"/>
+                <a:shade val="98000"/>
+                <a:lumMod val="102000"/>
+              </a:schemeClr>
+            </a:gs>
+            <a:gs pos="50000">
+              <a:schemeClr val="phClr">
+                <a:tint val="98000"/>
+                <a:satMod val="130000"/>
+                <a:shade val="90000"/>
+                <a:lumMod val="103000"/>
+              </a:schemeClr>
+            </a:gs>
+            <a:gs pos="100000">
+              <a:schemeClr val="phClr">
+                <a:shade val="63000"/>
+                <a:satMod val="120000"/>
+              </a:schemeClr>
+            </a:gs>
+          </a:gsLst>
+          <a:lin ang="5400000" scaled="0"/>
+        </a:gradFill>
+      </a:bgFillStyleLst>
+    </a:fmtScheme>
+  </a:themeElements>
+  <a:objectDefaults/>
+  <a:extraClrSchemeLst/>
+  <a:extLst>
+    <a:ext uri="{05A4C25C-085E-4340-85A3-A5531E510DB2}">
+      <thm15:themeFamily xmlns:thm15="http://schemas.microsoft.com/office/thememl/2012/main" name="Office Theme" id="{62F939B6-93AF-4DB8-9C6B-D6C7DFDC589F}" vid="{4A3C46E8-61CC-4603-A589-7422A47A8E4A}"/>
+    </a:ext>
+  </a:extLst>
+</a:theme>
 </file>